--- a/dev/poster/poster.pptx
+++ b/dev/poster/poster.pptx
@@ -703,7 +703,7 @@
           </a:ln>
           <a:extLst>
             <a:ext uri="{C572A759-6A51-4108-AA02-DFA0A04FC94B}">
-              <ma14:wrappingTextBoxFlag xmlns:ma14="http://schemas.microsoft.com/office/mac/drawingml/2011/main" xmlns:a14="http://schemas.microsoft.com/office/drawing/2010/main" xmlns:m="http://schemas.openxmlformats.org/officeDocument/2006/math" xmlns="" val="1"/>
+              <ma14:wrappingTextBoxFlag xmlns="" xmlns:m="http://schemas.openxmlformats.org/officeDocument/2006/math" xmlns:a14="http://schemas.microsoft.com/office/drawing/2010/main" xmlns:ma14="http://schemas.microsoft.com/office/mac/drawingml/2011/main" val="1"/>
             </a:ext>
           </a:extLst>
         </p:spPr>
@@ -740,7 +740,7 @@
           </a:ln>
           <a:extLst>
             <a:ext uri="{C572A759-6A51-4108-AA02-DFA0A04FC94B}">
-              <ma14:wrappingTextBoxFlag xmlns:ma14="http://schemas.microsoft.com/office/mac/drawingml/2011/main" xmlns:a14="http://schemas.microsoft.com/office/drawing/2010/main" xmlns:m="http://schemas.openxmlformats.org/officeDocument/2006/math" xmlns="" val="1"/>
+              <ma14:wrappingTextBoxFlag xmlns="" xmlns:m="http://schemas.openxmlformats.org/officeDocument/2006/math" xmlns:a14="http://schemas.microsoft.com/office/drawing/2010/main" xmlns:ma14="http://schemas.microsoft.com/office/mac/drawingml/2011/main" val="1"/>
             </a:ext>
           </a:extLst>
         </p:spPr>
@@ -1699,7 +1699,7 @@
             </a:ln>
             <a:extLst>
               <a:ext uri="{C572A759-6A51-4108-AA02-DFA0A04FC94B}">
-                <ma14:wrappingTextBoxFlag xmlns:ma14="http://schemas.microsoft.com/office/mac/drawingml/2011/main" xmlns:a14="http://schemas.microsoft.com/office/drawing/2010/main" xmlns:m="http://schemas.openxmlformats.org/officeDocument/2006/math" xmlns="" val="1"/>
+                <ma14:wrappingTextBoxFlag xmlns="" xmlns:m="http://schemas.openxmlformats.org/officeDocument/2006/math" xmlns:a14="http://schemas.microsoft.com/office/drawing/2010/main" xmlns:ma14="http://schemas.microsoft.com/office/mac/drawingml/2011/main" val="1"/>
               </a:ext>
             </a:extLst>
           </p:spPr>
@@ -1750,7 +1750,7 @@
             </a:ln>
             <a:extLst>
               <a:ext uri="{C572A759-6A51-4108-AA02-DFA0A04FC94B}">
-                <ma14:wrappingTextBoxFlag xmlns:ma14="http://schemas.microsoft.com/office/mac/drawingml/2011/main" xmlns:a14="http://schemas.microsoft.com/office/drawing/2010/main" xmlns:m="http://schemas.openxmlformats.org/officeDocument/2006/math" xmlns="" val="1"/>
+                <ma14:wrappingTextBoxFlag xmlns="" xmlns:m="http://schemas.openxmlformats.org/officeDocument/2006/math" xmlns:a14="http://schemas.microsoft.com/office/drawing/2010/main" xmlns:ma14="http://schemas.microsoft.com/office/mac/drawingml/2011/main" val="1"/>
               </a:ext>
             </a:extLst>
           </p:spPr>
@@ -1868,7 +1868,7 @@
           </a:ln>
           <a:extLst>
             <a:ext uri="{C572A759-6A51-4108-AA02-DFA0A04FC94B}">
-              <ma14:wrappingTextBoxFlag xmlns:ma14="http://schemas.microsoft.com/office/mac/drawingml/2011/main" xmlns:a14="http://schemas.microsoft.com/office/drawing/2010/main" xmlns:m="http://schemas.openxmlformats.org/officeDocument/2006/math" xmlns="" val="1"/>
+              <ma14:wrappingTextBoxFlag xmlns="" xmlns:m="http://schemas.openxmlformats.org/officeDocument/2006/math" xmlns:a14="http://schemas.microsoft.com/office/drawing/2010/main" xmlns:ma14="http://schemas.microsoft.com/office/mac/drawingml/2011/main" val="1"/>
             </a:ext>
           </a:extLst>
         </p:spPr>
@@ -1941,7 +1941,7 @@
             </a:ln>
             <a:extLst>
               <a:ext uri="{C572A759-6A51-4108-AA02-DFA0A04FC94B}">
-                <ma14:wrappingTextBoxFlag xmlns:ma14="http://schemas.microsoft.com/office/mac/drawingml/2011/main" xmlns:a14="http://schemas.microsoft.com/office/drawing/2010/main" xmlns:m="http://schemas.openxmlformats.org/officeDocument/2006/math" xmlns="" val="1"/>
+                <ma14:wrappingTextBoxFlag xmlns="" xmlns:m="http://schemas.openxmlformats.org/officeDocument/2006/math" xmlns:a14="http://schemas.microsoft.com/office/drawing/2010/main" xmlns:ma14="http://schemas.microsoft.com/office/mac/drawingml/2011/main" val="1"/>
               </a:ext>
             </a:extLst>
           </p:spPr>
@@ -1990,7 +1990,7 @@
             </a:ln>
             <a:extLst>
               <a:ext uri="{C572A759-6A51-4108-AA02-DFA0A04FC94B}">
-                <ma14:wrappingTextBoxFlag xmlns:ma14="http://schemas.microsoft.com/office/mac/drawingml/2011/main" xmlns:a14="http://schemas.microsoft.com/office/drawing/2010/main" xmlns:m="http://schemas.openxmlformats.org/officeDocument/2006/math" xmlns="" val="1"/>
+                <ma14:wrappingTextBoxFlag xmlns="" xmlns:m="http://schemas.openxmlformats.org/officeDocument/2006/math" xmlns:a14="http://schemas.microsoft.com/office/drawing/2010/main" xmlns:ma14="http://schemas.microsoft.com/office/mac/drawingml/2011/main" val="1"/>
               </a:ext>
             </a:extLst>
           </p:spPr>
@@ -2075,7 +2075,7 @@
           </a:ln>
           <a:extLst>
             <a:ext uri="{C572A759-6A51-4108-AA02-DFA0A04FC94B}">
-              <ma14:wrappingTextBoxFlag xmlns:ma14="http://schemas.microsoft.com/office/mac/drawingml/2011/main" xmlns:a14="http://schemas.microsoft.com/office/drawing/2010/main" xmlns:m="http://schemas.openxmlformats.org/officeDocument/2006/math" xmlns="" val="1"/>
+              <ma14:wrappingTextBoxFlag xmlns="" xmlns:m="http://schemas.openxmlformats.org/officeDocument/2006/math" xmlns:a14="http://schemas.microsoft.com/office/drawing/2010/main" xmlns:ma14="http://schemas.microsoft.com/office/mac/drawingml/2011/main" val="1"/>
             </a:ext>
           </a:extLst>
         </p:spPr>
@@ -2117,7 +2117,7 @@
           </a:ln>
           <a:extLst>
             <a:ext uri="{C572A759-6A51-4108-AA02-DFA0A04FC94B}">
-              <ma14:wrappingTextBoxFlag xmlns:ma14="http://schemas.microsoft.com/office/mac/drawingml/2011/main" xmlns:a14="http://schemas.microsoft.com/office/drawing/2010/main" xmlns:m="http://schemas.openxmlformats.org/officeDocument/2006/math" xmlns="" val="1"/>
+              <ma14:wrappingTextBoxFlag xmlns="" xmlns:m="http://schemas.openxmlformats.org/officeDocument/2006/math" xmlns:a14="http://schemas.microsoft.com/office/drawing/2010/main" xmlns:ma14="http://schemas.microsoft.com/office/mac/drawingml/2011/main" val="1"/>
             </a:ext>
           </a:extLst>
         </p:spPr>
@@ -2152,7 +2152,7 @@
             </a:r>
             <a:r>
               <a:rPr lang="en-US" sz="2000" b="1" dirty="0">
-                <a:hlinkClick r:id="rId4"/>
+                <a:hlinkClick r:id="rId3"/>
               </a:rPr>
               <a:t>p.altmeyer@tudelft.nl</a:t>
             </a:r>
@@ -2370,7 +2370,7 @@
             </a:ln>
             <a:extLst>
               <a:ext uri="{C572A759-6A51-4108-AA02-DFA0A04FC94B}">
-                <ma14:wrappingTextBoxFlag xmlns:ma14="http://schemas.microsoft.com/office/mac/drawingml/2011/main" xmlns:a14="http://schemas.microsoft.com/office/drawing/2010/main" xmlns:m="http://schemas.openxmlformats.org/officeDocument/2006/math" xmlns="" val="1"/>
+                <ma14:wrappingTextBoxFlag xmlns="" xmlns:m="http://schemas.openxmlformats.org/officeDocument/2006/math" xmlns:a14="http://schemas.microsoft.com/office/drawing/2010/main" xmlns:ma14="http://schemas.microsoft.com/office/mac/drawingml/2011/main" val="1"/>
               </a:ext>
             </a:extLst>
           </p:spPr>
@@ -2415,7 +2415,7 @@
             </a:ln>
             <a:extLst>
               <a:ext uri="{C572A759-6A51-4108-AA02-DFA0A04FC94B}">
-                <ma14:wrappingTextBoxFlag xmlns:ma14="http://schemas.microsoft.com/office/mac/drawingml/2011/main" xmlns:a14="http://schemas.microsoft.com/office/drawing/2010/main" xmlns:m="http://schemas.openxmlformats.org/officeDocument/2006/math" xmlns="" val="1"/>
+                <ma14:wrappingTextBoxFlag xmlns="" xmlns:m="http://schemas.openxmlformats.org/officeDocument/2006/math" xmlns:a14="http://schemas.microsoft.com/office/drawing/2010/main" xmlns:ma14="http://schemas.microsoft.com/office/mac/drawingml/2011/main" val="1"/>
               </a:ext>
             </a:extLst>
           </p:spPr>
@@ -2505,7 +2505,7 @@
           <p:nvPr/>
         </p:nvPicPr>
         <p:blipFill rotWithShape="1">
-          <a:blip r:embed="rId5">
+          <a:blip r:embed="rId4">
             <a:extLst>
               <a:ext uri="{28A0092B-C50C-407E-A947-70E740481C1C}">
                 <a14:useLocalDpi xmlns:a14="http://schemas.microsoft.com/office/drawing/2010/main" val="0"/>
@@ -2540,13 +2540,13 @@
           <p:nvPr/>
         </p:nvPicPr>
         <p:blipFill>
-          <a:blip r:embed="rId6">
+          <a:blip r:embed="rId5">
             <a:extLst>
               <a:ext uri="{28A0092B-C50C-407E-A947-70E740481C1C}">
                 <a14:useLocalDpi xmlns:a14="http://schemas.microsoft.com/office/drawing/2010/main" val="0"/>
               </a:ext>
               <a:ext uri="{96DAC541-7B7A-43D3-8B79-37D633B846F1}">
-                <asvg:svgBlip xmlns:asvg="http://schemas.microsoft.com/office/drawing/2016/SVG/main" r:embed="rId7"/>
+                <asvg:svgBlip xmlns:asvg="http://schemas.microsoft.com/office/drawing/2016/SVG/main" r:embed="rId6"/>
               </a:ext>
             </a:extLst>
           </a:blip>
@@ -2603,7 +2603,7 @@
             </a:ln>
             <a:extLst>
               <a:ext uri="{C572A759-6A51-4108-AA02-DFA0A04FC94B}">
-                <ma14:wrappingTextBoxFlag xmlns:ma14="http://schemas.microsoft.com/office/mac/drawingml/2011/main" xmlns:a14="http://schemas.microsoft.com/office/drawing/2010/main" xmlns:m="http://schemas.openxmlformats.org/officeDocument/2006/math" xmlns="" val="1"/>
+                <ma14:wrappingTextBoxFlag xmlns="" xmlns:m="http://schemas.openxmlformats.org/officeDocument/2006/math" xmlns:a14="http://schemas.microsoft.com/office/drawing/2010/main" xmlns:ma14="http://schemas.microsoft.com/office/mac/drawingml/2011/main" val="1"/>
               </a:ext>
             </a:extLst>
           </p:spPr>
@@ -2687,7 +2687,7 @@
               </a:ln>
               <a:extLst>
                 <a:ext uri="{C572A759-6A51-4108-AA02-DFA0A04FC94B}">
-                  <ma14:wrappingTextBoxFlag xmlns:ma14="http://schemas.microsoft.com/office/mac/drawingml/2011/main" xmlns:a14="http://schemas.microsoft.com/office/drawing/2010/main" xmlns:m="http://schemas.openxmlformats.org/officeDocument/2006/math" xmlns="" val="1"/>
+                  <ma14:wrappingTextBoxFlag xmlns="" xmlns:m="http://schemas.openxmlformats.org/officeDocument/2006/math" xmlns:a14="http://schemas.microsoft.com/office/drawing/2010/main" xmlns:ma14="http://schemas.microsoft.com/office/mac/drawingml/2011/main" val="1"/>
                 </a:ext>
               </a:extLst>
             </p:spPr>
@@ -2739,7 +2739,7 @@
               <p:nvPr/>
             </p:nvPicPr>
             <p:blipFill>
-              <a:blip r:embed="rId8">
+              <a:blip r:embed="rId7">
                 <a:extLst>
                   <a:ext uri="{28A0092B-C50C-407E-A947-70E740481C1C}">
                     <a14:useLocalDpi xmlns:a14="http://schemas.microsoft.com/office/drawing/2010/main" val="0"/>
@@ -2795,7 +2795,7 @@
             </a:ln>
             <a:extLst>
               <a:ext uri="{C572A759-6A51-4108-AA02-DFA0A04FC94B}">
-                <ma14:wrappingTextBoxFlag xmlns:ma14="http://schemas.microsoft.com/office/mac/drawingml/2011/main" xmlns:a14="http://schemas.microsoft.com/office/drawing/2010/main" xmlns:m="http://schemas.openxmlformats.org/officeDocument/2006/math" xmlns="" val="1"/>
+                <ma14:wrappingTextBoxFlag xmlns="" xmlns:m="http://schemas.openxmlformats.org/officeDocument/2006/math" xmlns:a14="http://schemas.microsoft.com/office/drawing/2010/main" xmlns:ma14="http://schemas.microsoft.com/office/mac/drawingml/2011/main" val="1"/>
               </a:ext>
             </a:extLst>
           </p:spPr>
@@ -2848,7 +2848,7 @@
           </a:ln>
           <a:extLst>
             <a:ext uri="{C572A759-6A51-4108-AA02-DFA0A04FC94B}">
-              <ma14:wrappingTextBoxFlag xmlns:ma14="http://schemas.microsoft.com/office/mac/drawingml/2011/main" xmlns:a14="http://schemas.microsoft.com/office/drawing/2010/main" xmlns:m="http://schemas.openxmlformats.org/officeDocument/2006/math" xmlns="" val="1"/>
+              <ma14:wrappingTextBoxFlag xmlns="" xmlns:m="http://schemas.openxmlformats.org/officeDocument/2006/math" xmlns:a14="http://schemas.microsoft.com/office/drawing/2010/main" xmlns:ma14="http://schemas.microsoft.com/office/mac/drawingml/2011/main" val="1"/>
             </a:ext>
           </a:extLst>
         </p:spPr>
@@ -3078,7 +3078,7 @@
           <p:nvPr/>
         </p:nvPicPr>
         <p:blipFill>
-          <a:blip r:embed="rId9">
+          <a:blip r:embed="rId8">
             <a:extLst>
               <a:ext uri="{28A0092B-C50C-407E-A947-70E740481C1C}">
                 <a14:useLocalDpi xmlns:a14="http://schemas.microsoft.com/office/drawing/2010/main" val="0"/>
@@ -3224,7 +3224,7 @@
             <p:nvPr/>
           </p:nvPicPr>
           <p:blipFill>
-            <a:blip r:embed="rId10">
+            <a:blip r:embed="rId9">
               <a:extLst>
                 <a:ext uri="{28A0092B-C50C-407E-A947-70E740481C1C}">
                   <a14:useLocalDpi xmlns:a14="http://schemas.microsoft.com/office/drawing/2010/main" val="0"/>
@@ -3232,14 +3232,12 @@
               </a:extLst>
             </a:blip>
             <a:srcRect/>
-            <a:stretch>
-              <a:fillRect/>
-            </a:stretch>
+            <a:stretch/>
           </p:blipFill>
           <p:spPr bwMode="auto">
             <a:xfrm>
-              <a:off x="11327606" y="4980116"/>
-              <a:ext cx="7620000" cy="2095500"/>
+              <a:off x="11330346" y="4980116"/>
+              <a:ext cx="7614520" cy="2095500"/>
             </a:xfrm>
             <a:prstGeom prst="rect">
               <a:avLst/>
@@ -3281,7 +3279,7 @@
             </a:ln>
             <a:extLst>
               <a:ext uri="{C572A759-6A51-4108-AA02-DFA0A04FC94B}">
-                <ma14:wrappingTextBoxFlag xmlns:ma14="http://schemas.microsoft.com/office/mac/drawingml/2011/main" xmlns:a14="http://schemas.microsoft.com/office/drawing/2010/main" xmlns:m="http://schemas.openxmlformats.org/officeDocument/2006/math" xmlns="" val="1"/>
+                <ma14:wrappingTextBoxFlag xmlns="" xmlns:m="http://schemas.openxmlformats.org/officeDocument/2006/math" xmlns:a14="http://schemas.microsoft.com/office/drawing/2010/main" xmlns:ma14="http://schemas.microsoft.com/office/mac/drawingml/2011/main" val="1"/>
               </a:ext>
             </a:extLst>
           </p:spPr>
@@ -3336,7 +3334,7 @@
           </a:ln>
           <a:extLst>
             <a:ext uri="{C572A759-6A51-4108-AA02-DFA0A04FC94B}">
-              <ma14:wrappingTextBoxFlag xmlns:ma14="http://schemas.microsoft.com/office/mac/drawingml/2011/main" xmlns:a14="http://schemas.microsoft.com/office/drawing/2010/main" xmlns:m="http://schemas.openxmlformats.org/officeDocument/2006/math" xmlns="" val="1"/>
+              <ma14:wrappingTextBoxFlag xmlns="" xmlns:m="http://schemas.openxmlformats.org/officeDocument/2006/math" xmlns:a14="http://schemas.microsoft.com/office/drawing/2010/main" xmlns:ma14="http://schemas.microsoft.com/office/mac/drawingml/2011/main" val="1"/>
             </a:ext>
           </a:extLst>
         </p:spPr>
@@ -3490,7 +3488,7 @@
             </a:ln>
             <a:extLst>
               <a:ext uri="{C572A759-6A51-4108-AA02-DFA0A04FC94B}">
-                <ma14:wrappingTextBoxFlag xmlns:ma14="http://schemas.microsoft.com/office/mac/drawingml/2011/main" xmlns:a14="http://schemas.microsoft.com/office/drawing/2010/main" xmlns:m="http://schemas.openxmlformats.org/officeDocument/2006/math" xmlns="" val="1"/>
+                <ma14:wrappingTextBoxFlag xmlns="" xmlns:m="http://schemas.openxmlformats.org/officeDocument/2006/math" xmlns:a14="http://schemas.microsoft.com/office/drawing/2010/main" xmlns:ma14="http://schemas.microsoft.com/office/mac/drawingml/2011/main" val="1"/>
               </a:ext>
             </a:extLst>
           </p:spPr>
@@ -3550,7 +3548,7 @@
             </a:ln>
             <a:extLst>
               <a:ext uri="{C572A759-6A51-4108-AA02-DFA0A04FC94B}">
-                <ma14:wrappingTextBoxFlag xmlns:ma14="http://schemas.microsoft.com/office/mac/drawingml/2011/main" xmlns:a14="http://schemas.microsoft.com/office/drawing/2010/main" xmlns:m="http://schemas.openxmlformats.org/officeDocument/2006/math" xmlns="" val="1"/>
+                <ma14:wrappingTextBoxFlag xmlns="" xmlns:m="http://schemas.openxmlformats.org/officeDocument/2006/math" xmlns:a14="http://schemas.microsoft.com/office/drawing/2010/main" xmlns:ma14="http://schemas.microsoft.com/office/mac/drawingml/2011/main" val="1"/>
               </a:ext>
             </a:extLst>
           </p:spPr>
@@ -3602,7 +3600,7 @@
             </a:ln>
             <a:extLst>
               <a:ext uri="{C572A759-6A51-4108-AA02-DFA0A04FC94B}">
-                <ma14:wrappingTextBoxFlag xmlns:ma14="http://schemas.microsoft.com/office/mac/drawingml/2011/main" xmlns:a14="http://schemas.microsoft.com/office/drawing/2010/main" xmlns:m="http://schemas.openxmlformats.org/officeDocument/2006/math" xmlns="" val="1"/>
+                <ma14:wrappingTextBoxFlag xmlns="" xmlns:m="http://schemas.openxmlformats.org/officeDocument/2006/math" xmlns:a14="http://schemas.microsoft.com/office/drawing/2010/main" xmlns:ma14="http://schemas.microsoft.com/office/mac/drawingml/2011/main" val="1"/>
               </a:ext>
             </a:extLst>
           </p:spPr>
@@ -3663,7 +3661,7 @@
           </a:ln>
           <a:extLst>
             <a:ext uri="{C572A759-6A51-4108-AA02-DFA0A04FC94B}">
-              <ma14:wrappingTextBoxFlag xmlns:ma14="http://schemas.microsoft.com/office/mac/drawingml/2011/main" xmlns:a14="http://schemas.microsoft.com/office/drawing/2010/main" xmlns:m="http://schemas.openxmlformats.org/officeDocument/2006/math" xmlns="" val="1"/>
+              <ma14:wrappingTextBoxFlag xmlns="" xmlns:m="http://schemas.openxmlformats.org/officeDocument/2006/math" xmlns:a14="http://schemas.microsoft.com/office/drawing/2010/main" xmlns:ma14="http://schemas.microsoft.com/office/mac/drawingml/2011/main" val="1"/>
             </a:ext>
           </a:extLst>
         </p:spPr>
@@ -3715,7 +3713,7 @@
           </a:ln>
           <a:extLst>
             <a:ext uri="{C572A759-6A51-4108-AA02-DFA0A04FC94B}">
-              <ma14:wrappingTextBoxFlag xmlns:ma14="http://schemas.microsoft.com/office/mac/drawingml/2011/main" xmlns:a14="http://schemas.microsoft.com/office/drawing/2010/main" xmlns:m="http://schemas.openxmlformats.org/officeDocument/2006/math" xmlns="" val="1"/>
+              <ma14:wrappingTextBoxFlag xmlns="" xmlns:m="http://schemas.openxmlformats.org/officeDocument/2006/math" xmlns:a14="http://schemas.microsoft.com/office/drawing/2010/main" xmlns:ma14="http://schemas.microsoft.com/office/mac/drawingml/2011/main" val="1"/>
             </a:ext>
           </a:extLst>
         </p:spPr>
@@ -3787,7 +3785,7 @@
             </a:ln>
             <a:extLst>
               <a:ext uri="{C572A759-6A51-4108-AA02-DFA0A04FC94B}">
-                <ma14:wrappingTextBoxFlag xmlns:ma14="http://schemas.microsoft.com/office/mac/drawingml/2011/main" xmlns:a14="http://schemas.microsoft.com/office/drawing/2010/main" xmlns:m="http://schemas.openxmlformats.org/officeDocument/2006/math" xmlns="" val="1"/>
+                <ma14:wrappingTextBoxFlag xmlns="" xmlns:m="http://schemas.openxmlformats.org/officeDocument/2006/math" xmlns:a14="http://schemas.microsoft.com/office/drawing/2010/main" xmlns:ma14="http://schemas.microsoft.com/office/mac/drawingml/2011/main" val="1"/>
               </a:ext>
             </a:extLst>
           </p:spPr>
@@ -3808,7 +3806,7 @@
             <a:p>
               <a:r>
                 <a:rPr lang="en-US" sz="3128" dirty="0"/>
-                <a:t>Primary Findings</a:t>
+                <a:t>Principal Findings</a:t>
               </a:r>
               <a:endParaRPr sz="3128" dirty="0"/>
             </a:p>
@@ -3828,10 +3826,10 @@
           </p:nvGrpSpPr>
           <p:grpSpPr>
             <a:xfrm>
-              <a:off x="16059936" y="18431042"/>
-              <a:ext cx="13557520" cy="8728420"/>
-              <a:chOff x="16059936" y="18431042"/>
-              <a:chExt cx="13557520" cy="8728420"/>
+              <a:off x="16059936" y="18432273"/>
+              <a:ext cx="13557520" cy="8727189"/>
+              <a:chOff x="16059936" y="18432273"/>
+              <a:chExt cx="13557520" cy="8727189"/>
             </a:xfrm>
           </p:grpSpPr>
           <p:sp>
@@ -3859,7 +3857,7 @@
               </a:ln>
               <a:extLst>
                 <a:ext uri="{C572A759-6A51-4108-AA02-DFA0A04FC94B}">
-                  <ma14:wrappingTextBoxFlag xmlns:ma14="http://schemas.microsoft.com/office/mac/drawingml/2011/main" xmlns:a14="http://schemas.microsoft.com/office/drawing/2010/main" xmlns:m="http://schemas.openxmlformats.org/officeDocument/2006/math" xmlns="" val="1"/>
+                  <ma14:wrappingTextBoxFlag xmlns="" xmlns:m="http://schemas.openxmlformats.org/officeDocument/2006/math" xmlns:a14="http://schemas.microsoft.com/office/drawing/2010/main" xmlns:ma14="http://schemas.microsoft.com/office/mac/drawingml/2011/main" val="1"/>
                 </a:ext>
               </a:extLst>
             </p:spPr>
@@ -3953,10 +3951,10 @@
             </p:nvGrpSpPr>
             <p:grpSpPr>
               <a:xfrm>
-                <a:off x="16059936" y="18431042"/>
-                <a:ext cx="13557520" cy="8571416"/>
-                <a:chOff x="16059936" y="18431042"/>
-                <a:chExt cx="13557520" cy="8571416"/>
+                <a:off x="16059936" y="18432273"/>
+                <a:ext cx="13557520" cy="8570185"/>
+                <a:chOff x="16059936" y="18432273"/>
+                <a:chExt cx="13557520" cy="8570185"/>
               </a:xfrm>
             </p:grpSpPr>
             <p:grpSp>
@@ -3973,10 +3971,10 @@
               </p:nvGrpSpPr>
               <p:grpSpPr>
                 <a:xfrm>
-                  <a:off x="16059936" y="18431042"/>
-                  <a:ext cx="13557520" cy="8571416"/>
-                  <a:chOff x="16059936" y="18431042"/>
-                  <a:chExt cx="13557520" cy="8571416"/>
+                  <a:off x="16059936" y="18432273"/>
+                  <a:ext cx="13555454" cy="8570185"/>
+                  <a:chOff x="16059936" y="18432273"/>
+                  <a:chExt cx="13555454" cy="8570185"/>
                 </a:xfrm>
               </p:grpSpPr>
               <p:grpSp>
@@ -3993,10 +3991,10 @@
                 </p:nvGrpSpPr>
                 <p:grpSpPr>
                   <a:xfrm>
-                    <a:off x="16059936" y="18431042"/>
-                    <a:ext cx="13557520" cy="8131609"/>
-                    <a:chOff x="16059936" y="17801791"/>
-                    <a:chExt cx="13557520" cy="8131609"/>
+                    <a:off x="16059936" y="18432273"/>
+                    <a:ext cx="13555454" cy="8127967"/>
+                    <a:chOff x="16059936" y="17803022"/>
+                    <a:chExt cx="13555454" cy="8127967"/>
                   </a:xfrm>
                 </p:grpSpPr>
                 <p:pic>
@@ -4014,7 +4012,7 @@
                     <p:nvPr/>
                   </p:nvPicPr>
                   <p:blipFill>
-                    <a:blip r:embed="rId11">
+                    <a:blip r:embed="rId10">
                       <a:extLst>
                         <a:ext uri="{28A0092B-C50C-407E-A947-70E740481C1C}">
                           <a14:useLocalDpi xmlns:a14="http://schemas.microsoft.com/office/drawing/2010/main" val="0"/>
@@ -4022,14 +4020,12 @@
                       </a:extLst>
                     </a:blip>
                     <a:srcRect/>
-                    <a:stretch>
-                      <a:fillRect/>
-                    </a:stretch>
+                    <a:stretch/>
                   </p:blipFill>
                   <p:spPr bwMode="auto">
                     <a:xfrm>
-                      <a:off x="16059936" y="17801791"/>
-                      <a:ext cx="6507215" cy="8131609"/>
+                      <a:off x="16059936" y="17804201"/>
+                      <a:ext cx="6507215" cy="8126788"/>
                     </a:xfrm>
                     <a:prstGeom prst="rect">
                       <a:avLst/>
@@ -4061,7 +4057,7 @@
                     <p:nvPr/>
                   </p:nvPicPr>
                   <p:blipFill>
-                    <a:blip r:embed="rId12">
+                    <a:blip r:embed="rId11">
                       <a:extLst>
                         <a:ext uri="{28A0092B-C50C-407E-A947-70E740481C1C}">
                           <a14:useLocalDpi xmlns:a14="http://schemas.microsoft.com/office/drawing/2010/main" val="0"/>
@@ -4069,14 +4065,12 @@
                       </a:extLst>
                     </a:blip>
                     <a:srcRect/>
-                    <a:stretch>
-                      <a:fillRect/>
-                    </a:stretch>
+                    <a:stretch/>
                   </p:blipFill>
                   <p:spPr bwMode="auto">
                     <a:xfrm>
-                      <a:off x="23110241" y="17803022"/>
-                      <a:ext cx="6507215" cy="5205772"/>
+                      <a:off x="23112307" y="17803022"/>
+                      <a:ext cx="6503083" cy="5205772"/>
                     </a:xfrm>
                     <a:prstGeom prst="rect">
                       <a:avLst/>
@@ -4119,7 +4113,7 @@
                   </a:ln>
                   <a:extLst>
                     <a:ext uri="{C572A759-6A51-4108-AA02-DFA0A04FC94B}">
-                      <ma14:wrappingTextBoxFlag xmlns:ma14="http://schemas.microsoft.com/office/mac/drawingml/2011/main" xmlns:a14="http://schemas.microsoft.com/office/drawing/2010/main" xmlns:m="http://schemas.openxmlformats.org/officeDocument/2006/math" xmlns="" val="1"/>
+                      <ma14:wrappingTextBoxFlag xmlns="" xmlns:m="http://schemas.openxmlformats.org/officeDocument/2006/math" xmlns:a14="http://schemas.microsoft.com/office/drawing/2010/main" xmlns:ma14="http://schemas.microsoft.com/office/mac/drawingml/2011/main" val="1"/>
                     </a:ext>
                   </a:extLst>
                 </p:spPr>
@@ -4174,7 +4168,7 @@
                 </a:ln>
                 <a:extLst>
                   <a:ext uri="{C572A759-6A51-4108-AA02-DFA0A04FC94B}">
-                    <ma14:wrappingTextBoxFlag xmlns:ma14="http://schemas.microsoft.com/office/mac/drawingml/2011/main" xmlns:a14="http://schemas.microsoft.com/office/drawing/2010/main" xmlns:m="http://schemas.openxmlformats.org/officeDocument/2006/math" xmlns="" val="1"/>
+                    <ma14:wrappingTextBoxFlag xmlns="" xmlns:m="http://schemas.openxmlformats.org/officeDocument/2006/math" xmlns:a14="http://schemas.microsoft.com/office/drawing/2010/main" xmlns:ma14="http://schemas.microsoft.com/office/mac/drawingml/2011/main" val="1"/>
                   </a:ext>
                 </a:extLst>
               </p:spPr>
@@ -4251,7 +4245,7 @@
             </a:ln>
             <a:extLst>
               <a:ext uri="{C572A759-6A51-4108-AA02-DFA0A04FC94B}">
-                <ma14:wrappingTextBoxFlag xmlns:ma14="http://schemas.microsoft.com/office/mac/drawingml/2011/main" xmlns:a14="http://schemas.microsoft.com/office/drawing/2010/main" xmlns:m="http://schemas.openxmlformats.org/officeDocument/2006/math" xmlns="" val="1"/>
+                <ma14:wrappingTextBoxFlag xmlns="" xmlns:m="http://schemas.openxmlformats.org/officeDocument/2006/math" xmlns:a14="http://schemas.microsoft.com/office/drawing/2010/main" xmlns:ma14="http://schemas.microsoft.com/office/mac/drawingml/2011/main" val="1"/>
               </a:ext>
             </a:extLst>
           </p:spPr>
@@ -4293,9 +4287,9 @@
           <p:grpSpPr>
             <a:xfrm>
               <a:off x="16059934" y="18432273"/>
-              <a:ext cx="13557522" cy="5918418"/>
+              <a:ext cx="13557521" cy="5918418"/>
               <a:chOff x="16059934" y="18432273"/>
-              <a:chExt cx="13557522" cy="5918418"/>
+              <a:chExt cx="13557521" cy="5918418"/>
             </a:xfrm>
           </p:grpSpPr>
           <p:sp>
@@ -4323,7 +4317,7 @@
               </a:ln>
               <a:extLst>
                 <a:ext uri="{C572A759-6A51-4108-AA02-DFA0A04FC94B}">
-                  <ma14:wrappingTextBoxFlag xmlns:ma14="http://schemas.microsoft.com/office/mac/drawingml/2011/main" xmlns:a14="http://schemas.microsoft.com/office/drawing/2010/main" xmlns:m="http://schemas.openxmlformats.org/officeDocument/2006/math" xmlns="" val="1"/>
+                  <ma14:wrappingTextBoxFlag xmlns="" xmlns:m="http://schemas.openxmlformats.org/officeDocument/2006/math" xmlns:a14="http://schemas.microsoft.com/office/drawing/2010/main" xmlns:ma14="http://schemas.microsoft.com/office/mac/drawingml/2011/main" val="1"/>
                 </a:ext>
               </a:extLst>
             </p:spPr>
@@ -4396,9 +4390,9 @@
             <p:grpSpPr>
               <a:xfrm>
                 <a:off x="16059934" y="18432273"/>
-                <a:ext cx="13557522" cy="5913658"/>
+                <a:ext cx="13557521" cy="5913658"/>
                 <a:chOff x="16059934" y="18432273"/>
-                <a:chExt cx="13557522" cy="5913658"/>
+                <a:chExt cx="13557521" cy="5913658"/>
               </a:xfrm>
             </p:grpSpPr>
             <p:grpSp>
@@ -4416,9 +4410,9 @@
               <p:grpSpPr>
                 <a:xfrm>
                   <a:off x="16059935" y="18432273"/>
-                  <a:ext cx="13557521" cy="5205772"/>
+                  <a:ext cx="13557520" cy="5205772"/>
                   <a:chOff x="16059935" y="17803022"/>
-                  <a:chExt cx="13557521" cy="5205772"/>
+                  <a:chExt cx="13557520" cy="5205772"/>
                 </a:xfrm>
               </p:grpSpPr>
               <p:pic>
@@ -4436,7 +4430,7 @@
                   <p:nvPr/>
                 </p:nvPicPr>
                 <p:blipFill>
-                  <a:blip r:embed="rId13">
+                  <a:blip r:embed="rId12">
                     <a:extLst>
                       <a:ext uri="{28A0092B-C50C-407E-A947-70E740481C1C}">
                         <a14:useLocalDpi xmlns:a14="http://schemas.microsoft.com/office/drawing/2010/main" val="0"/>
@@ -4481,7 +4475,7 @@
                   <p:nvPr/>
                 </p:nvPicPr>
                 <p:blipFill>
-                  <a:blip r:embed="rId14">
+                  <a:blip r:embed="rId13">
                     <a:extLst>
                       <a:ext uri="{28A0092B-C50C-407E-A947-70E740481C1C}">
                         <a14:useLocalDpi xmlns:a14="http://schemas.microsoft.com/office/drawing/2010/main" val="0"/>
@@ -4493,8 +4487,8 @@
                 </p:blipFill>
                 <p:spPr bwMode="auto">
                   <a:xfrm>
-                    <a:off x="23110241" y="17803022"/>
-                    <a:ext cx="6507215" cy="3687421"/>
+                    <a:off x="23110242" y="17803022"/>
+                    <a:ext cx="6507213" cy="3687421"/>
                   </a:xfrm>
                   <a:prstGeom prst="rect">
                     <a:avLst/>
@@ -4537,7 +4531,7 @@
                 </a:ln>
                 <a:extLst>
                   <a:ext uri="{C572A759-6A51-4108-AA02-DFA0A04FC94B}">
-                    <ma14:wrappingTextBoxFlag xmlns:ma14="http://schemas.microsoft.com/office/mac/drawingml/2011/main" xmlns:a14="http://schemas.microsoft.com/office/drawing/2010/main" xmlns:m="http://schemas.openxmlformats.org/officeDocument/2006/math" xmlns="" val="1"/>
+                    <ma14:wrappingTextBoxFlag xmlns="" xmlns:m="http://schemas.openxmlformats.org/officeDocument/2006/math" xmlns:a14="http://schemas.microsoft.com/office/drawing/2010/main" xmlns:ma14="http://schemas.microsoft.com/office/mac/drawingml/2011/main" val="1"/>
                   </a:ext>
                 </a:extLst>
               </p:spPr>
@@ -4594,7 +4588,7 @@
           </a:ln>
           <a:extLst>
             <a:ext uri="{C572A759-6A51-4108-AA02-DFA0A04FC94B}">
-              <ma14:wrappingTextBoxFlag xmlns:ma14="http://schemas.microsoft.com/office/mac/drawingml/2011/main" xmlns:a14="http://schemas.microsoft.com/office/drawing/2010/main" xmlns:m="http://schemas.openxmlformats.org/officeDocument/2006/math" xmlns="" val="1"/>
+              <ma14:wrappingTextBoxFlag xmlns="" xmlns:m="http://schemas.openxmlformats.org/officeDocument/2006/math" xmlns:a14="http://schemas.microsoft.com/office/drawing/2010/main" xmlns:ma14="http://schemas.microsoft.com/office/mac/drawingml/2011/main" val="1"/>
             </a:ext>
           </a:extLst>
         </p:spPr>
@@ -4668,7 +4662,7 @@
             </a:ln>
             <a:extLst>
               <a:ext uri="{C572A759-6A51-4108-AA02-DFA0A04FC94B}">
-                <ma14:wrappingTextBoxFlag xmlns:ma14="http://schemas.microsoft.com/office/mac/drawingml/2011/main" xmlns:a14="http://schemas.microsoft.com/office/drawing/2010/main" xmlns:m="http://schemas.openxmlformats.org/officeDocument/2006/math" xmlns="" val="1"/>
+                <ma14:wrappingTextBoxFlag xmlns="" xmlns:m="http://schemas.openxmlformats.org/officeDocument/2006/math" xmlns:a14="http://schemas.microsoft.com/office/drawing/2010/main" xmlns:ma14="http://schemas.microsoft.com/office/mac/drawingml/2011/main" val="1"/>
               </a:ext>
             </a:extLst>
           </p:spPr>
@@ -4720,7 +4714,7 @@
             </a:ln>
             <a:extLst>
               <a:ext uri="{C572A759-6A51-4108-AA02-DFA0A04FC94B}">
-                <ma14:wrappingTextBoxFlag xmlns:ma14="http://schemas.microsoft.com/office/mac/drawingml/2011/main" xmlns:a14="http://schemas.microsoft.com/office/drawing/2010/main" xmlns:m="http://schemas.openxmlformats.org/officeDocument/2006/math" xmlns="" val="1"/>
+                <ma14:wrappingTextBoxFlag xmlns="" xmlns:m="http://schemas.openxmlformats.org/officeDocument/2006/math" xmlns:a14="http://schemas.microsoft.com/office/drawing/2010/main" xmlns:ma14="http://schemas.microsoft.com/office/mac/drawingml/2011/main" val="1"/>
               </a:ext>
             </a:extLst>
           </p:spPr>
@@ -4812,7 +4806,7 @@
           </a:ln>
           <a:extLst>
             <a:ext uri="{C572A759-6A51-4108-AA02-DFA0A04FC94B}">
-              <ma14:wrappingTextBoxFlag xmlns:ma14="http://schemas.microsoft.com/office/mac/drawingml/2011/main" xmlns:a14="http://schemas.microsoft.com/office/drawing/2010/main" xmlns:m="http://schemas.openxmlformats.org/officeDocument/2006/math" xmlns="" val="1"/>
+              <ma14:wrappingTextBoxFlag xmlns="" xmlns:m="http://schemas.openxmlformats.org/officeDocument/2006/math" xmlns:a14="http://schemas.microsoft.com/office/drawing/2010/main" xmlns:ma14="http://schemas.microsoft.com/office/mac/drawingml/2011/main" val="1"/>
             </a:ext>
           </a:extLst>
         </p:spPr>
@@ -4863,9 +4857,9 @@
         <p:grpSpPr>
           <a:xfrm>
             <a:off x="16059934" y="37814591"/>
-            <a:ext cx="13700506" cy="3400171"/>
+            <a:ext cx="13700506" cy="3585799"/>
             <a:chOff x="16059934" y="37814591"/>
-            <a:chExt cx="13700506" cy="3400171"/>
+            <a:chExt cx="13700506" cy="3585799"/>
           </a:xfrm>
         </p:grpSpPr>
         <p:sp>
@@ -4893,7 +4887,7 @@
             </a:ln>
             <a:extLst>
               <a:ext uri="{C572A759-6A51-4108-AA02-DFA0A04FC94B}">
-                <ma14:wrappingTextBoxFlag xmlns:ma14="http://schemas.microsoft.com/office/mac/drawingml/2011/main" xmlns:a14="http://schemas.microsoft.com/office/drawing/2010/main" xmlns:m="http://schemas.openxmlformats.org/officeDocument/2006/math" xmlns="" val="1"/>
+                <ma14:wrappingTextBoxFlag xmlns="" xmlns:m="http://schemas.openxmlformats.org/officeDocument/2006/math" xmlns:a14="http://schemas.microsoft.com/office/drawing/2010/main" xmlns:ma14="http://schemas.microsoft.com/office/mac/drawingml/2011/main" val="1"/>
               </a:ext>
             </a:extLst>
           </p:spPr>
@@ -4935,7 +4929,7 @@
             <p:nvPr/>
           </p:nvPicPr>
           <p:blipFill>
-            <a:blip r:embed="rId15">
+            <a:blip r:embed="rId14">
               <a:extLst>
                 <a:ext uri="{28A0092B-C50C-407E-A947-70E740481C1C}">
                   <a14:useLocalDpi xmlns:a14="http://schemas.microsoft.com/office/drawing/2010/main" val="0"/>
@@ -4947,7 +4941,7 @@
           </p:blipFill>
           <p:spPr>
             <a:xfrm>
-              <a:off x="16663892" y="38565113"/>
+              <a:off x="16979538" y="38750741"/>
               <a:ext cx="2649649" cy="2649649"/>
             </a:xfrm>
             <a:prstGeom prst="rect">
@@ -4970,7 +4964,7 @@
             <p:nvPr/>
           </p:nvPicPr>
           <p:blipFill>
-            <a:blip r:embed="rId16">
+            <a:blip r:embed="rId15">
               <a:extLst>
                 <a:ext uri="{28A0092B-C50C-407E-A947-70E740481C1C}">
                   <a14:useLocalDpi xmlns:a14="http://schemas.microsoft.com/office/drawing/2010/main" val="0"/>
@@ -4982,7 +4976,7 @@
           </p:blipFill>
           <p:spPr>
             <a:xfrm>
-              <a:off x="22729309" y="38522477"/>
+              <a:off x="23044955" y="38708105"/>
               <a:ext cx="2649649" cy="2649649"/>
             </a:xfrm>
             <a:prstGeom prst="rect">
@@ -4993,10 +4987,46 @@
         <p:pic>
           <p:nvPicPr>
             <p:cNvPr id="1041" name="Picture 1040">
-              <a:hlinkClick r:id="rId17"/>
+              <a:hlinkClick r:id="rId16"/>
               <a:extLst>
                 <a:ext uri="{FF2B5EF4-FFF2-40B4-BE49-F238E27FC236}">
                   <a16:creationId xmlns:a16="http://schemas.microsoft.com/office/drawing/2014/main" id="{445191B8-6752-D16E-34FB-5FEA53A59BBB}"/>
+                </a:ext>
+              </a:extLst>
+            </p:cNvPr>
+            <p:cNvPicPr>
+              <a:picLocks noChangeAspect="1"/>
+            </p:cNvPicPr>
+            <p:nvPr/>
+          </p:nvPicPr>
+          <p:blipFill>
+            <a:blip r:embed="rId17">
+              <a:extLst>
+                <a:ext uri="{28A0092B-C50C-407E-A947-70E740481C1C}">
+                  <a14:useLocalDpi xmlns:a14="http://schemas.microsoft.com/office/drawing/2010/main" val="0"/>
+                </a:ext>
+              </a:extLst>
+            </a:blip>
+            <a:srcRect/>
+            <a:stretch/>
+          </p:blipFill>
+          <p:spPr>
+            <a:xfrm>
+              <a:off x="20012247" y="38750742"/>
+              <a:ext cx="2649648" cy="2649648"/>
+            </a:xfrm>
+            <a:prstGeom prst="rect">
+              <a:avLst/>
+            </a:prstGeom>
+          </p:spPr>
+        </p:pic>
+        <p:pic>
+          <p:nvPicPr>
+            <p:cNvPr id="1042" name="Picture 1041" descr="Qr code&#10;&#10;Description automatically generated">
+              <a:hlinkClick r:id="rId16"/>
+              <a:extLst>
+                <a:ext uri="{FF2B5EF4-FFF2-40B4-BE49-F238E27FC236}">
+                  <a16:creationId xmlns:a16="http://schemas.microsoft.com/office/drawing/2014/main" id="{C33A7FC4-F6FE-46BF-CF5B-C93AC4CB9AF5}"/>
                 </a:ext>
               </a:extLst>
             </p:cNvPr>
@@ -5013,49 +5043,13 @@
                 </a:ext>
               </a:extLst>
             </a:blip>
-            <a:srcRect/>
-            <a:stretch/>
-          </p:blipFill>
-          <p:spPr>
-            <a:xfrm>
-              <a:off x="19696601" y="38565114"/>
-              <a:ext cx="2649648" cy="2649648"/>
-            </a:xfrm>
-            <a:prstGeom prst="rect">
-              <a:avLst/>
-            </a:prstGeom>
-          </p:spPr>
-        </p:pic>
-        <p:pic>
-          <p:nvPicPr>
-            <p:cNvPr id="1042" name="Picture 1041" descr="Qr code&#10;&#10;Description automatically generated">
-              <a:hlinkClick r:id="rId17"/>
-              <a:extLst>
-                <a:ext uri="{FF2B5EF4-FFF2-40B4-BE49-F238E27FC236}">
-                  <a16:creationId xmlns:a16="http://schemas.microsoft.com/office/drawing/2014/main" id="{C33A7FC4-F6FE-46BF-CF5B-C93AC4CB9AF5}"/>
-                </a:ext>
-              </a:extLst>
-            </p:cNvPr>
-            <p:cNvPicPr>
-              <a:picLocks noChangeAspect="1"/>
-            </p:cNvPicPr>
-            <p:nvPr/>
-          </p:nvPicPr>
-          <p:blipFill>
-            <a:blip r:embed="rId19">
-              <a:extLst>
-                <a:ext uri="{28A0092B-C50C-407E-A947-70E740481C1C}">
-                  <a14:useLocalDpi xmlns:a14="http://schemas.microsoft.com/office/drawing/2010/main" val="0"/>
-                </a:ext>
-              </a:extLst>
-            </a:blip>
             <a:stretch>
               <a:fillRect/>
             </a:stretch>
           </p:blipFill>
           <p:spPr>
             <a:xfrm>
-              <a:off x="25762017" y="38530296"/>
+              <a:off x="26077663" y="38715924"/>
               <a:ext cx="2649648" cy="2649648"/>
             </a:xfrm>
             <a:prstGeom prst="rect">
@@ -5089,7 +5083,7 @@
           </a:ln>
           <a:extLst>
             <a:ext uri="{C572A759-6A51-4108-AA02-DFA0A04FC94B}">
-              <ma14:wrappingTextBoxFlag xmlns:ma14="http://schemas.microsoft.com/office/mac/drawingml/2011/main" xmlns:a14="http://schemas.microsoft.com/office/drawing/2010/main" xmlns:m="http://schemas.openxmlformats.org/officeDocument/2006/math" xmlns="" val="1"/>
+              <ma14:wrappingTextBoxFlag xmlns="" xmlns:m="http://schemas.openxmlformats.org/officeDocument/2006/math" xmlns:a14="http://schemas.microsoft.com/office/drawing/2010/main" xmlns:ma14="http://schemas.microsoft.com/office/mac/drawingml/2011/main" val="1"/>
             </a:ext>
           </a:extLst>
         </p:spPr>
@@ -5131,7 +5125,7 @@
           <p:nvPr/>
         </p:nvPicPr>
         <p:blipFill>
-          <a:blip r:embed="rId20">
+          <a:blip r:embed="rId19">
             <a:extLst>
               <a:ext uri="{28A0092B-C50C-407E-A947-70E740481C1C}">
                 <a14:useLocalDpi xmlns:a14="http://schemas.microsoft.com/office/drawing/2010/main" val="0"/>
@@ -5139,9 +5133,7 @@
             </a:extLst>
           </a:blip>
           <a:srcRect/>
-          <a:stretch>
-            <a:fillRect/>
-          </a:stretch>
+          <a:stretch/>
         </p:blipFill>
         <p:spPr bwMode="auto">
           <a:xfrm>
@@ -5188,7 +5180,7 @@
           </a:ln>
           <a:extLst>
             <a:ext uri="{C572A759-6A51-4108-AA02-DFA0A04FC94B}">
-              <ma14:wrappingTextBoxFlag xmlns:ma14="http://schemas.microsoft.com/office/mac/drawingml/2011/main" xmlns:a14="http://schemas.microsoft.com/office/drawing/2010/main" xmlns:m="http://schemas.openxmlformats.org/officeDocument/2006/math" xmlns="" val="1"/>
+              <ma14:wrappingTextBoxFlag xmlns="" xmlns:m="http://schemas.openxmlformats.org/officeDocument/2006/math" xmlns:a14="http://schemas.microsoft.com/office/drawing/2010/main" xmlns:ma14="http://schemas.microsoft.com/office/mac/drawingml/2011/main" val="1"/>
             </a:ext>
           </a:extLst>
         </p:spPr>
@@ -5246,7 +5238,7 @@
           </a:ln>
           <a:extLst>
             <a:ext uri="{C572A759-6A51-4108-AA02-DFA0A04FC94B}">
-              <ma14:wrappingTextBoxFlag xmlns:ma14="http://schemas.microsoft.com/office/mac/drawingml/2011/main" xmlns:a14="http://schemas.microsoft.com/office/drawing/2010/main" xmlns:m="http://schemas.openxmlformats.org/officeDocument/2006/math" xmlns="" val="1"/>
+              <ma14:wrappingTextBoxFlag xmlns="" xmlns:m="http://schemas.openxmlformats.org/officeDocument/2006/math" xmlns:a14="http://schemas.microsoft.com/office/drawing/2010/main" xmlns:ma14="http://schemas.microsoft.com/office/mac/drawingml/2011/main" val="1"/>
             </a:ext>
           </a:extLst>
         </p:spPr>
@@ -5290,7 +5282,7 @@
           <p:nvPr/>
         </p:nvPicPr>
         <p:blipFill>
-          <a:blip r:embed="rId21">
+          <a:blip r:embed="rId20">
             <a:extLst>
               <a:ext uri="{28A0092B-C50C-407E-A947-70E740481C1C}">
                 <a14:useLocalDpi xmlns:a14="http://schemas.microsoft.com/office/drawing/2010/main" val="0"/>
@@ -5326,7 +5318,7 @@
           <p:nvPr/>
         </p:nvPicPr>
         <p:blipFill>
-          <a:blip r:embed="rId22">
+          <a:blip r:embed="rId21">
             <a:extLst>
               <a:ext uri="{28A0092B-C50C-407E-A947-70E740481C1C}">
                 <a14:useLocalDpi xmlns:a14="http://schemas.microsoft.com/office/drawing/2010/main" val="0"/>
@@ -5344,6 +5336,98 @@
           <a:prstGeom prst="rect">
             <a:avLst/>
           </a:prstGeom>
+        </p:spPr>
+      </p:pic>
+      <p:sp>
+        <p:nvSpPr>
+          <p:cNvPr id="11" name="AutoShape 8" descr="equation">
+            <a:extLst>
+              <a:ext uri="{FF2B5EF4-FFF2-40B4-BE49-F238E27FC236}">
+                <a16:creationId xmlns:a16="http://schemas.microsoft.com/office/drawing/2014/main" id="{6FAE91DC-E3CD-8658-0F5A-1F3351A39DD6}"/>
+              </a:ext>
+            </a:extLst>
+          </p:cNvPr>
+          <p:cNvSpPr>
+            <a:spLocks noChangeAspect="1" noChangeArrowheads="1"/>
+          </p:cNvSpPr>
+          <p:nvPr/>
+        </p:nvSpPr>
+        <p:spPr bwMode="auto">
+          <a:xfrm>
+            <a:off x="14984413" y="21248688"/>
+            <a:ext cx="304800" cy="304800"/>
+          </a:xfrm>
+          <a:prstGeom prst="rect">
+            <a:avLst/>
+          </a:prstGeom>
+          <a:noFill/>
+          <a:extLst>
+            <a:ext uri="{909E8E84-426E-40DD-AFC4-6F175D3DCCD1}">
+              <a14:hiddenFill xmlns:a14="http://schemas.microsoft.com/office/drawing/2010/main">
+                <a:solidFill>
+                  <a:srgbClr val="FFFFFF"/>
+                </a:solidFill>
+              </a14:hiddenFill>
+            </a:ext>
+          </a:extLst>
+        </p:spPr>
+        <p:txBody>
+          <a:bodyPr vert="horz" wrap="square" lIns="91440" tIns="45720" rIns="91440" bIns="45720" numCol="1" anchor="t" anchorCtr="0" compatLnSpc="1">
+            <a:prstTxWarp prst="textNoShape">
+              <a:avLst/>
+            </a:prstTxWarp>
+          </a:bodyPr>
+          <a:lstStyle/>
+          <a:p>
+            <a:endParaRPr lang="en-NL"/>
+          </a:p>
+        </p:txBody>
+      </p:sp>
+      <p:pic>
+        <p:nvPicPr>
+          <p:cNvPr id="1034" name="Picture 10">
+            <a:extLst>
+              <a:ext uri="{FF2B5EF4-FFF2-40B4-BE49-F238E27FC236}">
+                <a16:creationId xmlns:a16="http://schemas.microsoft.com/office/drawing/2014/main" id="{B7757BCC-9169-ED2E-1FE3-061EBF035BFC}"/>
+              </a:ext>
+            </a:extLst>
+          </p:cNvPr>
+          <p:cNvPicPr>
+            <a:picLocks noChangeAspect="1" noChangeArrowheads="1"/>
+          </p:cNvPicPr>
+          <p:nvPr/>
+        </p:nvPicPr>
+        <p:blipFill>
+          <a:blip r:embed="rId22">
+            <a:extLst>
+              <a:ext uri="{28A0092B-C50C-407E-A947-70E740481C1C}">
+                <a14:useLocalDpi xmlns:a14="http://schemas.microsoft.com/office/drawing/2010/main" val="0"/>
+              </a:ext>
+            </a:extLst>
+          </a:blip>
+          <a:srcRect/>
+          <a:stretch>
+            <a:fillRect/>
+          </a:stretch>
+        </p:blipFill>
+        <p:spPr bwMode="auto">
+          <a:xfrm>
+            <a:off x="3967647" y="36942815"/>
+            <a:ext cx="6396721" cy="1219553"/>
+          </a:xfrm>
+          <a:prstGeom prst="rect">
+            <a:avLst/>
+          </a:prstGeom>
+          <a:noFill/>
+          <a:extLst>
+            <a:ext uri="{909E8E84-426E-40DD-AFC4-6F175D3DCCD1}">
+              <a14:hiddenFill xmlns:a14="http://schemas.microsoft.com/office/drawing/2010/main">
+                <a:solidFill>
+                  <a:srgbClr val="FFFFFF"/>
+                </a:solidFill>
+              </a14:hiddenFill>
+            </a:ext>
+          </a:extLst>
         </p:spPr>
       </p:pic>
     </p:spTree>

--- a/dev/poster/poster.pptx
+++ b/dev/poster/poster.pptx
@@ -2152,7 +2152,7 @@
             </a:r>
             <a:r>
               <a:rPr lang="en-US" sz="2000" b="1" dirty="0">
-                <a:hlinkClick r:id="rId4"/>
+                <a:hlinkClick r:id="rId3"/>
               </a:rPr>
               <a:t>p.altmeyer@tudelft.nl</a:t>
             </a:r>
@@ -2505,7 +2505,7 @@
           <p:nvPr/>
         </p:nvPicPr>
         <p:blipFill rotWithShape="1">
-          <a:blip r:embed="rId5">
+          <a:blip r:embed="rId4">
             <a:extLst>
               <a:ext uri="{28A0092B-C50C-407E-A947-70E740481C1C}">
                 <a14:useLocalDpi xmlns:a14="http://schemas.microsoft.com/office/drawing/2010/main" val="0"/>
@@ -2540,13 +2540,13 @@
           <p:nvPr/>
         </p:nvPicPr>
         <p:blipFill>
-          <a:blip r:embed="rId6">
+          <a:blip r:embed="rId5">
             <a:extLst>
               <a:ext uri="{28A0092B-C50C-407E-A947-70E740481C1C}">
                 <a14:useLocalDpi xmlns:a14="http://schemas.microsoft.com/office/drawing/2010/main" val="0"/>
               </a:ext>
               <a:ext uri="{96DAC541-7B7A-43D3-8B79-37D633B846F1}">
-                <asvg:svgBlip xmlns:asvg="http://schemas.microsoft.com/office/drawing/2016/SVG/main" r:embed="rId7"/>
+                <asvg:svgBlip xmlns:asvg="http://schemas.microsoft.com/office/drawing/2016/SVG/main" r:embed="rId6"/>
               </a:ext>
             </a:extLst>
           </a:blip>
@@ -2739,7 +2739,7 @@
               <p:nvPr/>
             </p:nvPicPr>
             <p:blipFill>
-              <a:blip r:embed="rId8">
+              <a:blip r:embed="rId7">
                 <a:extLst>
                   <a:ext uri="{28A0092B-C50C-407E-A947-70E740481C1C}">
                     <a14:useLocalDpi xmlns:a14="http://schemas.microsoft.com/office/drawing/2010/main" val="0"/>
@@ -3078,7 +3078,7 @@
           <p:nvPr/>
         </p:nvPicPr>
         <p:blipFill>
-          <a:blip r:embed="rId9">
+          <a:blip r:embed="rId8">
             <a:extLst>
               <a:ext uri="{28A0092B-C50C-407E-A947-70E740481C1C}">
                 <a14:useLocalDpi xmlns:a14="http://schemas.microsoft.com/office/drawing/2010/main" val="0"/>
@@ -3224,7 +3224,7 @@
             <p:nvPr/>
           </p:nvPicPr>
           <p:blipFill>
-            <a:blip r:embed="rId10">
+            <a:blip r:embed="rId9">
               <a:extLst>
                 <a:ext uri="{28A0092B-C50C-407E-A947-70E740481C1C}">
                   <a14:useLocalDpi xmlns:a14="http://schemas.microsoft.com/office/drawing/2010/main" val="0"/>
@@ -3232,14 +3232,12 @@
               </a:extLst>
             </a:blip>
             <a:srcRect/>
-            <a:stretch>
-              <a:fillRect/>
-            </a:stretch>
+            <a:stretch/>
           </p:blipFill>
           <p:spPr bwMode="auto">
             <a:xfrm>
-              <a:off x="11327606" y="4980116"/>
-              <a:ext cx="7620000" cy="2095500"/>
+              <a:off x="11330346" y="4980116"/>
+              <a:ext cx="7614520" cy="2095500"/>
             </a:xfrm>
             <a:prstGeom prst="rect">
               <a:avLst/>
@@ -3808,7 +3806,7 @@
             <a:p>
               <a:r>
                 <a:rPr lang="en-US" sz="3128" dirty="0"/>
-                <a:t>Primary Findings</a:t>
+                <a:t>Principal Findings</a:t>
               </a:r>
               <a:endParaRPr sz="3128" dirty="0"/>
             </a:p>
@@ -3828,10 +3826,10 @@
           </p:nvGrpSpPr>
           <p:grpSpPr>
             <a:xfrm>
-              <a:off x="16059936" y="18431042"/>
-              <a:ext cx="13557520" cy="8728420"/>
-              <a:chOff x="16059936" y="18431042"/>
-              <a:chExt cx="13557520" cy="8728420"/>
+              <a:off x="16059936" y="18432273"/>
+              <a:ext cx="13557520" cy="8727189"/>
+              <a:chOff x="16059936" y="18432273"/>
+              <a:chExt cx="13557520" cy="8727189"/>
             </a:xfrm>
           </p:grpSpPr>
           <p:sp>
@@ -3953,10 +3951,10 @@
             </p:nvGrpSpPr>
             <p:grpSpPr>
               <a:xfrm>
-                <a:off x="16059936" y="18431042"/>
-                <a:ext cx="13557520" cy="8571416"/>
-                <a:chOff x="16059936" y="18431042"/>
-                <a:chExt cx="13557520" cy="8571416"/>
+                <a:off x="16059936" y="18432273"/>
+                <a:ext cx="13557520" cy="8570185"/>
+                <a:chOff x="16059936" y="18432273"/>
+                <a:chExt cx="13557520" cy="8570185"/>
               </a:xfrm>
             </p:grpSpPr>
             <p:grpSp>
@@ -3973,10 +3971,10 @@
               </p:nvGrpSpPr>
               <p:grpSpPr>
                 <a:xfrm>
-                  <a:off x="16059936" y="18431042"/>
-                  <a:ext cx="13557520" cy="8571416"/>
-                  <a:chOff x="16059936" y="18431042"/>
-                  <a:chExt cx="13557520" cy="8571416"/>
+                  <a:off x="16059936" y="18432273"/>
+                  <a:ext cx="13555454" cy="8570185"/>
+                  <a:chOff x="16059936" y="18432273"/>
+                  <a:chExt cx="13555454" cy="8570185"/>
                 </a:xfrm>
               </p:grpSpPr>
               <p:grpSp>
@@ -3993,10 +3991,10 @@
                 </p:nvGrpSpPr>
                 <p:grpSpPr>
                   <a:xfrm>
-                    <a:off x="16059936" y="18431042"/>
-                    <a:ext cx="13557520" cy="8131609"/>
-                    <a:chOff x="16059936" y="17801791"/>
-                    <a:chExt cx="13557520" cy="8131609"/>
+                    <a:off x="16059936" y="18432273"/>
+                    <a:ext cx="13555454" cy="8127967"/>
+                    <a:chOff x="16059936" y="17803022"/>
+                    <a:chExt cx="13555454" cy="8127967"/>
                   </a:xfrm>
                 </p:grpSpPr>
                 <p:pic>
@@ -4014,7 +4012,7 @@
                     <p:nvPr/>
                   </p:nvPicPr>
                   <p:blipFill>
-                    <a:blip r:embed="rId11">
+                    <a:blip r:embed="rId10">
                       <a:extLst>
                         <a:ext uri="{28A0092B-C50C-407E-A947-70E740481C1C}">
                           <a14:useLocalDpi xmlns:a14="http://schemas.microsoft.com/office/drawing/2010/main" val="0"/>
@@ -4022,14 +4020,12 @@
                       </a:extLst>
                     </a:blip>
                     <a:srcRect/>
-                    <a:stretch>
-                      <a:fillRect/>
-                    </a:stretch>
+                    <a:stretch/>
                   </p:blipFill>
                   <p:spPr bwMode="auto">
                     <a:xfrm>
-                      <a:off x="16059936" y="17801791"/>
-                      <a:ext cx="6507215" cy="8131609"/>
+                      <a:off x="16059936" y="17804201"/>
+                      <a:ext cx="6507215" cy="8126788"/>
                     </a:xfrm>
                     <a:prstGeom prst="rect">
                       <a:avLst/>
@@ -4061,7 +4057,7 @@
                     <p:nvPr/>
                   </p:nvPicPr>
                   <p:blipFill>
-                    <a:blip r:embed="rId12">
+                    <a:blip r:embed="rId11">
                       <a:extLst>
                         <a:ext uri="{28A0092B-C50C-407E-A947-70E740481C1C}">
                           <a14:useLocalDpi xmlns:a14="http://schemas.microsoft.com/office/drawing/2010/main" val="0"/>
@@ -4069,14 +4065,12 @@
                       </a:extLst>
                     </a:blip>
                     <a:srcRect/>
-                    <a:stretch>
-                      <a:fillRect/>
-                    </a:stretch>
+                    <a:stretch/>
                   </p:blipFill>
                   <p:spPr bwMode="auto">
                     <a:xfrm>
-                      <a:off x="23110241" y="17803022"/>
-                      <a:ext cx="6507215" cy="5205772"/>
+                      <a:off x="23112307" y="17803022"/>
+                      <a:ext cx="6503083" cy="5205772"/>
                     </a:xfrm>
                     <a:prstGeom prst="rect">
                       <a:avLst/>
@@ -4293,9 +4287,9 @@
           <p:grpSpPr>
             <a:xfrm>
               <a:off x="16059934" y="18432273"/>
-              <a:ext cx="13557522" cy="5918418"/>
+              <a:ext cx="13557521" cy="5918418"/>
               <a:chOff x="16059934" y="18432273"/>
-              <a:chExt cx="13557522" cy="5918418"/>
+              <a:chExt cx="13557521" cy="5918418"/>
             </a:xfrm>
           </p:grpSpPr>
           <p:sp>
@@ -4396,9 +4390,9 @@
             <p:grpSpPr>
               <a:xfrm>
                 <a:off x="16059934" y="18432273"/>
-                <a:ext cx="13557522" cy="5913658"/>
+                <a:ext cx="13557521" cy="5913658"/>
                 <a:chOff x="16059934" y="18432273"/>
-                <a:chExt cx="13557522" cy="5913658"/>
+                <a:chExt cx="13557521" cy="5913658"/>
               </a:xfrm>
             </p:grpSpPr>
             <p:grpSp>
@@ -4416,9 +4410,9 @@
               <p:grpSpPr>
                 <a:xfrm>
                   <a:off x="16059935" y="18432273"/>
-                  <a:ext cx="13557521" cy="5205772"/>
+                  <a:ext cx="13557520" cy="5205772"/>
                   <a:chOff x="16059935" y="17803022"/>
-                  <a:chExt cx="13557521" cy="5205772"/>
+                  <a:chExt cx="13557520" cy="5205772"/>
                 </a:xfrm>
               </p:grpSpPr>
               <p:pic>
@@ -4436,7 +4430,7 @@
                   <p:nvPr/>
                 </p:nvPicPr>
                 <p:blipFill>
-                  <a:blip r:embed="rId13">
+                  <a:blip r:embed="rId12">
                     <a:extLst>
                       <a:ext uri="{28A0092B-C50C-407E-A947-70E740481C1C}">
                         <a14:useLocalDpi xmlns:a14="http://schemas.microsoft.com/office/drawing/2010/main" val="0"/>
@@ -4481,7 +4475,7 @@
                   <p:nvPr/>
                 </p:nvPicPr>
                 <p:blipFill>
-                  <a:blip r:embed="rId14">
+                  <a:blip r:embed="rId13">
                     <a:extLst>
                       <a:ext uri="{28A0092B-C50C-407E-A947-70E740481C1C}">
                         <a14:useLocalDpi xmlns:a14="http://schemas.microsoft.com/office/drawing/2010/main" val="0"/>
@@ -4493,8 +4487,8 @@
                 </p:blipFill>
                 <p:spPr bwMode="auto">
                   <a:xfrm>
-                    <a:off x="23110241" y="17803022"/>
-                    <a:ext cx="6507215" cy="3687421"/>
+                    <a:off x="23110242" y="17803022"/>
+                    <a:ext cx="6507213" cy="3687421"/>
                   </a:xfrm>
                   <a:prstGeom prst="rect">
                     <a:avLst/>
@@ -4863,9 +4857,9 @@
         <p:grpSpPr>
           <a:xfrm>
             <a:off x="16059934" y="37814591"/>
-            <a:ext cx="13700506" cy="3400171"/>
+            <a:ext cx="13700506" cy="3585799"/>
             <a:chOff x="16059934" y="37814591"/>
-            <a:chExt cx="13700506" cy="3400171"/>
+            <a:chExt cx="13700506" cy="3585799"/>
           </a:xfrm>
         </p:grpSpPr>
         <p:sp>
@@ -4935,7 +4929,7 @@
             <p:nvPr/>
           </p:nvPicPr>
           <p:blipFill>
-            <a:blip r:embed="rId15">
+            <a:blip r:embed="rId14">
               <a:extLst>
                 <a:ext uri="{28A0092B-C50C-407E-A947-70E740481C1C}">
                   <a14:useLocalDpi xmlns:a14="http://schemas.microsoft.com/office/drawing/2010/main" val="0"/>
@@ -4947,7 +4941,7 @@
           </p:blipFill>
           <p:spPr>
             <a:xfrm>
-              <a:off x="16663892" y="38565113"/>
+              <a:off x="16979538" y="38750741"/>
               <a:ext cx="2649649" cy="2649649"/>
             </a:xfrm>
             <a:prstGeom prst="rect">
@@ -4970,7 +4964,7 @@
             <p:nvPr/>
           </p:nvPicPr>
           <p:blipFill>
-            <a:blip r:embed="rId16">
+            <a:blip r:embed="rId15">
               <a:extLst>
                 <a:ext uri="{28A0092B-C50C-407E-A947-70E740481C1C}">
                   <a14:useLocalDpi xmlns:a14="http://schemas.microsoft.com/office/drawing/2010/main" val="0"/>
@@ -4982,7 +4976,7 @@
           </p:blipFill>
           <p:spPr>
             <a:xfrm>
-              <a:off x="22729309" y="38522477"/>
+              <a:off x="23044955" y="38708105"/>
               <a:ext cx="2649649" cy="2649649"/>
             </a:xfrm>
             <a:prstGeom prst="rect">
@@ -4993,10 +4987,46 @@
         <p:pic>
           <p:nvPicPr>
             <p:cNvPr id="1041" name="Picture 1040">
-              <a:hlinkClick r:id="rId17"/>
+              <a:hlinkClick r:id="rId16"/>
               <a:extLst>
                 <a:ext uri="{FF2B5EF4-FFF2-40B4-BE49-F238E27FC236}">
                   <a16:creationId xmlns:a16="http://schemas.microsoft.com/office/drawing/2014/main" id="{445191B8-6752-D16E-34FB-5FEA53A59BBB}"/>
+                </a:ext>
+              </a:extLst>
+            </p:cNvPr>
+            <p:cNvPicPr>
+              <a:picLocks noChangeAspect="1"/>
+            </p:cNvPicPr>
+            <p:nvPr/>
+          </p:nvPicPr>
+          <p:blipFill>
+            <a:blip r:embed="rId17">
+              <a:extLst>
+                <a:ext uri="{28A0092B-C50C-407E-A947-70E740481C1C}">
+                  <a14:useLocalDpi xmlns:a14="http://schemas.microsoft.com/office/drawing/2010/main" val="0"/>
+                </a:ext>
+              </a:extLst>
+            </a:blip>
+            <a:srcRect/>
+            <a:stretch/>
+          </p:blipFill>
+          <p:spPr>
+            <a:xfrm>
+              <a:off x="20012247" y="38750742"/>
+              <a:ext cx="2649648" cy="2649648"/>
+            </a:xfrm>
+            <a:prstGeom prst="rect">
+              <a:avLst/>
+            </a:prstGeom>
+          </p:spPr>
+        </p:pic>
+        <p:pic>
+          <p:nvPicPr>
+            <p:cNvPr id="1042" name="Picture 1041" descr="Qr code&#10;&#10;Description automatically generated">
+              <a:hlinkClick r:id="rId16"/>
+              <a:extLst>
+                <a:ext uri="{FF2B5EF4-FFF2-40B4-BE49-F238E27FC236}">
+                  <a16:creationId xmlns:a16="http://schemas.microsoft.com/office/drawing/2014/main" id="{C33A7FC4-F6FE-46BF-CF5B-C93AC4CB9AF5}"/>
                 </a:ext>
               </a:extLst>
             </p:cNvPr>
@@ -5013,49 +5043,13 @@
                 </a:ext>
               </a:extLst>
             </a:blip>
-            <a:srcRect/>
-            <a:stretch/>
-          </p:blipFill>
-          <p:spPr>
-            <a:xfrm>
-              <a:off x="19696601" y="38565114"/>
-              <a:ext cx="2649648" cy="2649648"/>
-            </a:xfrm>
-            <a:prstGeom prst="rect">
-              <a:avLst/>
-            </a:prstGeom>
-          </p:spPr>
-        </p:pic>
-        <p:pic>
-          <p:nvPicPr>
-            <p:cNvPr id="1042" name="Picture 1041" descr="Qr code&#10;&#10;Description automatically generated">
-              <a:hlinkClick r:id="rId17"/>
-              <a:extLst>
-                <a:ext uri="{FF2B5EF4-FFF2-40B4-BE49-F238E27FC236}">
-                  <a16:creationId xmlns:a16="http://schemas.microsoft.com/office/drawing/2014/main" id="{C33A7FC4-F6FE-46BF-CF5B-C93AC4CB9AF5}"/>
-                </a:ext>
-              </a:extLst>
-            </p:cNvPr>
-            <p:cNvPicPr>
-              <a:picLocks noChangeAspect="1"/>
-            </p:cNvPicPr>
-            <p:nvPr/>
-          </p:nvPicPr>
-          <p:blipFill>
-            <a:blip r:embed="rId19">
-              <a:extLst>
-                <a:ext uri="{28A0092B-C50C-407E-A947-70E740481C1C}">
-                  <a14:useLocalDpi xmlns:a14="http://schemas.microsoft.com/office/drawing/2010/main" val="0"/>
-                </a:ext>
-              </a:extLst>
-            </a:blip>
             <a:stretch>
               <a:fillRect/>
             </a:stretch>
           </p:blipFill>
           <p:spPr>
             <a:xfrm>
-              <a:off x="25762017" y="38530296"/>
+              <a:off x="26077663" y="38715924"/>
               <a:ext cx="2649648" cy="2649648"/>
             </a:xfrm>
             <a:prstGeom prst="rect">
@@ -5131,7 +5125,7 @@
           <p:nvPr/>
         </p:nvPicPr>
         <p:blipFill>
-          <a:blip r:embed="rId20">
+          <a:blip r:embed="rId19">
             <a:extLst>
               <a:ext uri="{28A0092B-C50C-407E-A947-70E740481C1C}">
                 <a14:useLocalDpi xmlns:a14="http://schemas.microsoft.com/office/drawing/2010/main" val="0"/>
@@ -5139,9 +5133,7 @@
             </a:extLst>
           </a:blip>
           <a:srcRect/>
-          <a:stretch>
-            <a:fillRect/>
-          </a:stretch>
+          <a:stretch/>
         </p:blipFill>
         <p:spPr bwMode="auto">
           <a:xfrm>
@@ -5290,7 +5282,7 @@
           <p:nvPr/>
         </p:nvPicPr>
         <p:blipFill>
-          <a:blip r:embed="rId21">
+          <a:blip r:embed="rId20">
             <a:extLst>
               <a:ext uri="{28A0092B-C50C-407E-A947-70E740481C1C}">
                 <a14:useLocalDpi xmlns:a14="http://schemas.microsoft.com/office/drawing/2010/main" val="0"/>
@@ -5326,7 +5318,7 @@
           <p:nvPr/>
         </p:nvPicPr>
         <p:blipFill>
-          <a:blip r:embed="rId22">
+          <a:blip r:embed="rId21">
             <a:extLst>
               <a:ext uri="{28A0092B-C50C-407E-A947-70E740481C1C}">
                 <a14:useLocalDpi xmlns:a14="http://schemas.microsoft.com/office/drawing/2010/main" val="0"/>
@@ -5344,6 +5336,98 @@
           <a:prstGeom prst="rect">
             <a:avLst/>
           </a:prstGeom>
+        </p:spPr>
+      </p:pic>
+      <p:sp>
+        <p:nvSpPr>
+          <p:cNvPr id="11" name="AutoShape 8" descr="equation">
+            <a:extLst>
+              <a:ext uri="{FF2B5EF4-FFF2-40B4-BE49-F238E27FC236}">
+                <a16:creationId xmlns:a16="http://schemas.microsoft.com/office/drawing/2014/main" id="{6FAE91DC-E3CD-8658-0F5A-1F3351A39DD6}"/>
+              </a:ext>
+            </a:extLst>
+          </p:cNvPr>
+          <p:cNvSpPr>
+            <a:spLocks noChangeAspect="1" noChangeArrowheads="1"/>
+          </p:cNvSpPr>
+          <p:nvPr/>
+        </p:nvSpPr>
+        <p:spPr bwMode="auto">
+          <a:xfrm>
+            <a:off x="14984413" y="21248688"/>
+            <a:ext cx="304800" cy="304800"/>
+          </a:xfrm>
+          <a:prstGeom prst="rect">
+            <a:avLst/>
+          </a:prstGeom>
+          <a:noFill/>
+          <a:extLst>
+            <a:ext uri="{909E8E84-426E-40DD-AFC4-6F175D3DCCD1}">
+              <a14:hiddenFill xmlns:a14="http://schemas.microsoft.com/office/drawing/2010/main">
+                <a:solidFill>
+                  <a:srgbClr val="FFFFFF"/>
+                </a:solidFill>
+              </a14:hiddenFill>
+            </a:ext>
+          </a:extLst>
+        </p:spPr>
+        <p:txBody>
+          <a:bodyPr vert="horz" wrap="square" lIns="91440" tIns="45720" rIns="91440" bIns="45720" numCol="1" anchor="t" anchorCtr="0" compatLnSpc="1">
+            <a:prstTxWarp prst="textNoShape">
+              <a:avLst/>
+            </a:prstTxWarp>
+          </a:bodyPr>
+          <a:lstStyle/>
+          <a:p>
+            <a:endParaRPr lang="en-NL"/>
+          </a:p>
+        </p:txBody>
+      </p:sp>
+      <p:pic>
+        <p:nvPicPr>
+          <p:cNvPr id="1034" name="Picture 10">
+            <a:extLst>
+              <a:ext uri="{FF2B5EF4-FFF2-40B4-BE49-F238E27FC236}">
+                <a16:creationId xmlns:a16="http://schemas.microsoft.com/office/drawing/2014/main" id="{B7757BCC-9169-ED2E-1FE3-061EBF035BFC}"/>
+              </a:ext>
+            </a:extLst>
+          </p:cNvPr>
+          <p:cNvPicPr>
+            <a:picLocks noChangeAspect="1" noChangeArrowheads="1"/>
+          </p:cNvPicPr>
+          <p:nvPr/>
+        </p:nvPicPr>
+        <p:blipFill>
+          <a:blip r:embed="rId22">
+            <a:extLst>
+              <a:ext uri="{28A0092B-C50C-407E-A947-70E740481C1C}">
+                <a14:useLocalDpi xmlns:a14="http://schemas.microsoft.com/office/drawing/2010/main" val="0"/>
+              </a:ext>
+            </a:extLst>
+          </a:blip>
+          <a:srcRect/>
+          <a:stretch>
+            <a:fillRect/>
+          </a:stretch>
+        </p:blipFill>
+        <p:spPr bwMode="auto">
+          <a:xfrm>
+            <a:off x="3967647" y="36942815"/>
+            <a:ext cx="6396721" cy="1219553"/>
+          </a:xfrm>
+          <a:prstGeom prst="rect">
+            <a:avLst/>
+          </a:prstGeom>
+          <a:noFill/>
+          <a:extLst>
+            <a:ext uri="{909E8E84-426E-40DD-AFC4-6F175D3DCCD1}">
+              <a14:hiddenFill xmlns:a14="http://schemas.microsoft.com/office/drawing/2010/main">
+                <a:solidFill>
+                  <a:srgbClr val="FFFFFF"/>
+                </a:solidFill>
+              </a14:hiddenFill>
+            </a:ext>
+          </a:extLst>
         </p:spPr>
       </p:pic>
     </p:spTree>

--- a/dev/poster/poster.pptx
+++ b/dev/poster/poster.pptx
@@ -703,7 +703,7 @@
           </a:ln>
           <a:extLst>
             <a:ext uri="{C572A759-6A51-4108-AA02-DFA0A04FC94B}">
-              <ma14:wrappingTextBoxFlag xmlns:ma14="http://schemas.microsoft.com/office/mac/drawingml/2011/main" xmlns:a14="http://schemas.microsoft.com/office/drawing/2010/main" xmlns:m="http://schemas.openxmlformats.org/officeDocument/2006/math" xmlns="" val="1"/>
+              <ma14:wrappingTextBoxFlag xmlns="" xmlns:m="http://schemas.openxmlformats.org/officeDocument/2006/math" xmlns:a14="http://schemas.microsoft.com/office/drawing/2010/main" xmlns:ma14="http://schemas.microsoft.com/office/mac/drawingml/2011/main" val="1"/>
             </a:ext>
           </a:extLst>
         </p:spPr>
@@ -740,7 +740,7 @@
           </a:ln>
           <a:extLst>
             <a:ext uri="{C572A759-6A51-4108-AA02-DFA0A04FC94B}">
-              <ma14:wrappingTextBoxFlag xmlns:ma14="http://schemas.microsoft.com/office/mac/drawingml/2011/main" xmlns:a14="http://schemas.microsoft.com/office/drawing/2010/main" xmlns:m="http://schemas.openxmlformats.org/officeDocument/2006/math" xmlns="" val="1"/>
+              <ma14:wrappingTextBoxFlag xmlns="" xmlns:m="http://schemas.openxmlformats.org/officeDocument/2006/math" xmlns:a14="http://schemas.microsoft.com/office/drawing/2010/main" xmlns:ma14="http://schemas.microsoft.com/office/mac/drawingml/2011/main" val="1"/>
             </a:ext>
           </a:extLst>
         </p:spPr>
@@ -1699,7 +1699,7 @@
             </a:ln>
             <a:extLst>
               <a:ext uri="{C572A759-6A51-4108-AA02-DFA0A04FC94B}">
-                <ma14:wrappingTextBoxFlag xmlns:ma14="http://schemas.microsoft.com/office/mac/drawingml/2011/main" xmlns:a14="http://schemas.microsoft.com/office/drawing/2010/main" xmlns:m="http://schemas.openxmlformats.org/officeDocument/2006/math" xmlns="" val="1"/>
+                <ma14:wrappingTextBoxFlag xmlns="" xmlns:m="http://schemas.openxmlformats.org/officeDocument/2006/math" xmlns:a14="http://schemas.microsoft.com/office/drawing/2010/main" xmlns:ma14="http://schemas.microsoft.com/office/mac/drawingml/2011/main" val="1"/>
               </a:ext>
             </a:extLst>
           </p:spPr>
@@ -1750,7 +1750,7 @@
             </a:ln>
             <a:extLst>
               <a:ext uri="{C572A759-6A51-4108-AA02-DFA0A04FC94B}">
-                <ma14:wrappingTextBoxFlag xmlns:ma14="http://schemas.microsoft.com/office/mac/drawingml/2011/main" xmlns:a14="http://schemas.microsoft.com/office/drawing/2010/main" xmlns:m="http://schemas.openxmlformats.org/officeDocument/2006/math" xmlns="" val="1"/>
+                <ma14:wrappingTextBoxFlag xmlns="" xmlns:m="http://schemas.openxmlformats.org/officeDocument/2006/math" xmlns:a14="http://schemas.microsoft.com/office/drawing/2010/main" xmlns:ma14="http://schemas.microsoft.com/office/mac/drawingml/2011/main" val="1"/>
               </a:ext>
             </a:extLst>
           </p:spPr>
@@ -1868,7 +1868,7 @@
           </a:ln>
           <a:extLst>
             <a:ext uri="{C572A759-6A51-4108-AA02-DFA0A04FC94B}">
-              <ma14:wrappingTextBoxFlag xmlns:ma14="http://schemas.microsoft.com/office/mac/drawingml/2011/main" xmlns:a14="http://schemas.microsoft.com/office/drawing/2010/main" xmlns:m="http://schemas.openxmlformats.org/officeDocument/2006/math" xmlns="" val="1"/>
+              <ma14:wrappingTextBoxFlag xmlns="" xmlns:m="http://schemas.openxmlformats.org/officeDocument/2006/math" xmlns:a14="http://schemas.microsoft.com/office/drawing/2010/main" xmlns:ma14="http://schemas.microsoft.com/office/mac/drawingml/2011/main" val="1"/>
             </a:ext>
           </a:extLst>
         </p:spPr>
@@ -1941,7 +1941,7 @@
             </a:ln>
             <a:extLst>
               <a:ext uri="{C572A759-6A51-4108-AA02-DFA0A04FC94B}">
-                <ma14:wrappingTextBoxFlag xmlns:ma14="http://schemas.microsoft.com/office/mac/drawingml/2011/main" xmlns:a14="http://schemas.microsoft.com/office/drawing/2010/main" xmlns:m="http://schemas.openxmlformats.org/officeDocument/2006/math" xmlns="" val="1"/>
+                <ma14:wrappingTextBoxFlag xmlns="" xmlns:m="http://schemas.openxmlformats.org/officeDocument/2006/math" xmlns:a14="http://schemas.microsoft.com/office/drawing/2010/main" xmlns:ma14="http://schemas.microsoft.com/office/mac/drawingml/2011/main" val="1"/>
               </a:ext>
             </a:extLst>
           </p:spPr>
@@ -1990,7 +1990,7 @@
             </a:ln>
             <a:extLst>
               <a:ext uri="{C572A759-6A51-4108-AA02-DFA0A04FC94B}">
-                <ma14:wrappingTextBoxFlag xmlns:ma14="http://schemas.microsoft.com/office/mac/drawingml/2011/main" xmlns:a14="http://schemas.microsoft.com/office/drawing/2010/main" xmlns:m="http://schemas.openxmlformats.org/officeDocument/2006/math" xmlns="" val="1"/>
+                <ma14:wrappingTextBoxFlag xmlns="" xmlns:m="http://schemas.openxmlformats.org/officeDocument/2006/math" xmlns:a14="http://schemas.microsoft.com/office/drawing/2010/main" xmlns:ma14="http://schemas.microsoft.com/office/mac/drawingml/2011/main" val="1"/>
               </a:ext>
             </a:extLst>
           </p:spPr>
@@ -2075,7 +2075,7 @@
           </a:ln>
           <a:extLst>
             <a:ext uri="{C572A759-6A51-4108-AA02-DFA0A04FC94B}">
-              <ma14:wrappingTextBoxFlag xmlns:ma14="http://schemas.microsoft.com/office/mac/drawingml/2011/main" xmlns:a14="http://schemas.microsoft.com/office/drawing/2010/main" xmlns:m="http://schemas.openxmlformats.org/officeDocument/2006/math" xmlns="" val="1"/>
+              <ma14:wrappingTextBoxFlag xmlns="" xmlns:m="http://schemas.openxmlformats.org/officeDocument/2006/math" xmlns:a14="http://schemas.microsoft.com/office/drawing/2010/main" xmlns:ma14="http://schemas.microsoft.com/office/mac/drawingml/2011/main" val="1"/>
             </a:ext>
           </a:extLst>
         </p:spPr>
@@ -2117,7 +2117,7 @@
           </a:ln>
           <a:extLst>
             <a:ext uri="{C572A759-6A51-4108-AA02-DFA0A04FC94B}">
-              <ma14:wrappingTextBoxFlag xmlns:ma14="http://schemas.microsoft.com/office/mac/drawingml/2011/main" xmlns:a14="http://schemas.microsoft.com/office/drawing/2010/main" xmlns:m="http://schemas.openxmlformats.org/officeDocument/2006/math" xmlns="" val="1"/>
+              <ma14:wrappingTextBoxFlag xmlns="" xmlns:m="http://schemas.openxmlformats.org/officeDocument/2006/math" xmlns:a14="http://schemas.microsoft.com/office/drawing/2010/main" xmlns:ma14="http://schemas.microsoft.com/office/mac/drawingml/2011/main" val="1"/>
             </a:ext>
           </a:extLst>
         </p:spPr>
@@ -2370,7 +2370,7 @@
             </a:ln>
             <a:extLst>
               <a:ext uri="{C572A759-6A51-4108-AA02-DFA0A04FC94B}">
-                <ma14:wrappingTextBoxFlag xmlns:ma14="http://schemas.microsoft.com/office/mac/drawingml/2011/main" xmlns:a14="http://schemas.microsoft.com/office/drawing/2010/main" xmlns:m="http://schemas.openxmlformats.org/officeDocument/2006/math" xmlns="" val="1"/>
+                <ma14:wrappingTextBoxFlag xmlns="" xmlns:m="http://schemas.openxmlformats.org/officeDocument/2006/math" xmlns:a14="http://schemas.microsoft.com/office/drawing/2010/main" xmlns:ma14="http://schemas.microsoft.com/office/mac/drawingml/2011/main" val="1"/>
               </a:ext>
             </a:extLst>
           </p:spPr>
@@ -2415,7 +2415,7 @@
             </a:ln>
             <a:extLst>
               <a:ext uri="{C572A759-6A51-4108-AA02-DFA0A04FC94B}">
-                <ma14:wrappingTextBoxFlag xmlns:ma14="http://schemas.microsoft.com/office/mac/drawingml/2011/main" xmlns:a14="http://schemas.microsoft.com/office/drawing/2010/main" xmlns:m="http://schemas.openxmlformats.org/officeDocument/2006/math" xmlns="" val="1"/>
+                <ma14:wrappingTextBoxFlag xmlns="" xmlns:m="http://schemas.openxmlformats.org/officeDocument/2006/math" xmlns:a14="http://schemas.microsoft.com/office/drawing/2010/main" xmlns:ma14="http://schemas.microsoft.com/office/mac/drawingml/2011/main" val="1"/>
               </a:ext>
             </a:extLst>
           </p:spPr>
@@ -2578,10 +2578,10 @@
         </p:nvGrpSpPr>
         <p:grpSpPr>
           <a:xfrm>
-            <a:off x="726830" y="24331109"/>
-            <a:ext cx="13700506" cy="10738941"/>
+            <a:off x="726831" y="23575619"/>
+            <a:ext cx="13700506" cy="10529298"/>
             <a:chOff x="726831" y="10039801"/>
-            <a:chExt cx="13700506" cy="10738941"/>
+            <a:chExt cx="13700506" cy="10529298"/>
           </a:xfrm>
         </p:grpSpPr>
         <p:sp>
@@ -2593,7 +2593,7 @@
           <p:spPr>
             <a:xfrm>
               <a:off x="726831" y="10757231"/>
-              <a:ext cx="13557520" cy="2113014"/>
+              <a:ext cx="13557520" cy="2630079"/>
             </a:xfrm>
             <a:prstGeom prst="rect">
               <a:avLst/>
@@ -2603,7 +2603,7 @@
             </a:ln>
             <a:extLst>
               <a:ext uri="{C572A759-6A51-4108-AA02-DFA0A04FC94B}">
-                <ma14:wrappingTextBoxFlag xmlns:ma14="http://schemas.microsoft.com/office/mac/drawingml/2011/main" xmlns:a14="http://schemas.microsoft.com/office/drawing/2010/main" xmlns:m="http://schemas.openxmlformats.org/officeDocument/2006/math" xmlns="" val="1"/>
+                <ma14:wrappingTextBoxFlag xmlns="" xmlns:m="http://schemas.openxmlformats.org/officeDocument/2006/math" xmlns:a14="http://schemas.microsoft.com/office/drawing/2010/main" xmlns:ma14="http://schemas.microsoft.com/office/mac/drawingml/2011/main" val="1"/>
               </a:ext>
             </a:extLst>
           </p:spPr>
@@ -2628,23 +2628,43 @@
               </a:lvl1pPr>
             </a:lstStyle>
             <a:p>
+              <a:pPr marL="457200" indent="-457200" algn="l" fontAlgn="base">
+                <a:buFont typeface="Arial" panose="020B0604020202020204" pitchFamily="34" charset="0"/>
+                <a:buChar char="•"/>
+              </a:pPr>
               <a:r>
-                <a:rPr lang="en-US" sz="2800" dirty="0"/>
-                <a:t>From 🐱 to 🐶: Suppose we have trained a black-box classifier to discriminate cats from dogs (</a:t>
+                <a:rPr lang="en-GB" sz="2800" b="1" dirty="0"/>
+                <a:t>Counterfactual Explanation </a:t>
               </a:r>
               <a:r>
-                <a:rPr lang="en-US" sz="2800" b="1" dirty="0"/>
-                <a:t>Figure 1</a:t>
+                <a:rPr lang="en-GB" sz="2800" dirty="0"/>
+                <a:t>(CE) explain how inputs into a model need to change for it to produce different outputs.</a:t>
+              </a:r>
+            </a:p>
+            <a:p>
+              <a:pPr marL="457200" indent="-457200" algn="l" fontAlgn="base">
+                <a:buFont typeface="Arial" panose="020B0604020202020204" pitchFamily="34" charset="0"/>
+                <a:buChar char="•"/>
+              </a:pPr>
+              <a:r>
+                <a:rPr lang="en-GB" sz="2800" dirty="0"/>
+                <a:t>Counterfactual Explanations that involve realistic and actionable changes can be used for the purpose of </a:t>
               </a:r>
               <a:r>
-                <a:rPr lang="en-US" sz="2800" dirty="0"/>
-                <a:t>). To understand why some individual cat was not classified as a dog, we can move her from her factual state </a:t>
+                <a:rPr lang="en-GB" sz="2800" b="1" dirty="0"/>
+                <a:t>Algorithmic Recourse </a:t>
               </a:r>
               <a:r>
-                <a:rPr lang="en-NL" sz="2800" dirty="0"/>
-                <a:t>🐱 to a counterfactual state 🐶. Why has the cat not been classified as a dog? Because she is too short and her tail is too long.</a:t>
+                <a:rPr lang="en-GB" sz="2800" dirty="0"/>
+                <a:t>(AR).</a:t>
               </a:r>
-              <a:endParaRPr lang="en-GB" sz="2523" dirty="0"/>
+            </a:p>
+            <a:p>
+              <a:pPr marL="457200" indent="-457200" algn="l" fontAlgn="base">
+                <a:buFont typeface="Arial" panose="020B0604020202020204" pitchFamily="34" charset="0"/>
+                <a:buChar char="•"/>
+              </a:pPr>
+              <a:endParaRPr lang="en-GB" sz="2800" dirty="0"/>
             </a:p>
           </p:txBody>
         </p:sp>
@@ -2662,10 +2682,10 @@
           </p:nvGrpSpPr>
           <p:grpSpPr>
             <a:xfrm>
-              <a:off x="1045923" y="13215416"/>
-              <a:ext cx="12240173" cy="7563326"/>
-              <a:chOff x="16379646" y="10116297"/>
-              <a:chExt cx="12240173" cy="7563326"/>
+              <a:off x="1385503" y="13056366"/>
+              <a:ext cx="12240173" cy="7512733"/>
+              <a:chOff x="16719226" y="9957247"/>
+              <a:chExt cx="12240173" cy="7512733"/>
             </a:xfrm>
           </p:grpSpPr>
           <p:sp>
@@ -2676,7 +2696,7 @@
             </p:nvSpPr>
             <p:spPr>
               <a:xfrm>
-                <a:off x="16379646" y="16971737"/>
+                <a:off x="16719226" y="16762094"/>
                 <a:ext cx="12240173" cy="707886"/>
               </a:xfrm>
               <a:prstGeom prst="rect">
@@ -2687,7 +2707,7 @@
               </a:ln>
               <a:extLst>
                 <a:ext uri="{C572A759-6A51-4108-AA02-DFA0A04FC94B}">
-                  <ma14:wrappingTextBoxFlag xmlns:ma14="http://schemas.microsoft.com/office/mac/drawingml/2011/main" xmlns:a14="http://schemas.microsoft.com/office/drawing/2010/main" xmlns:m="http://schemas.openxmlformats.org/officeDocument/2006/math" xmlns="" val="1"/>
+                  <ma14:wrappingTextBoxFlag xmlns="" xmlns:m="http://schemas.openxmlformats.org/officeDocument/2006/math" xmlns:a14="http://schemas.microsoft.com/office/drawing/2010/main" xmlns:ma14="http://schemas.microsoft.com/office/mac/drawingml/2011/main" val="1"/>
                 </a:ext>
               </a:extLst>
             </p:spPr>
@@ -2751,8 +2771,8 @@
             </p:blipFill>
             <p:spPr bwMode="auto">
               <a:xfrm>
-                <a:off x="17937136" y="10116297"/>
-                <a:ext cx="9125195" cy="6843896"/>
+                <a:off x="18328518" y="9957247"/>
+                <a:ext cx="9014002" cy="6760502"/>
               </a:xfrm>
               <a:prstGeom prst="rect">
                 <a:avLst/>
@@ -2795,7 +2815,7 @@
             </a:ln>
             <a:extLst>
               <a:ext uri="{C572A759-6A51-4108-AA02-DFA0A04FC94B}">
-                <ma14:wrappingTextBoxFlag xmlns:ma14="http://schemas.microsoft.com/office/mac/drawingml/2011/main" xmlns:a14="http://schemas.microsoft.com/office/drawing/2010/main" xmlns:m="http://schemas.openxmlformats.org/officeDocument/2006/math" xmlns="" val="1"/>
+                <ma14:wrappingTextBoxFlag xmlns="" xmlns:m="http://schemas.openxmlformats.org/officeDocument/2006/math" xmlns:a14="http://schemas.microsoft.com/office/drawing/2010/main" xmlns:ma14="http://schemas.microsoft.com/office/mac/drawingml/2011/main" val="1"/>
               </a:ext>
             </a:extLst>
           </p:spPr>
@@ -2848,7 +2868,7 @@
           </a:ln>
           <a:extLst>
             <a:ext uri="{C572A759-6A51-4108-AA02-DFA0A04FC94B}">
-              <ma14:wrappingTextBoxFlag xmlns:ma14="http://schemas.microsoft.com/office/mac/drawingml/2011/main" xmlns:a14="http://schemas.microsoft.com/office/drawing/2010/main" xmlns:m="http://schemas.openxmlformats.org/officeDocument/2006/math" xmlns="" val="1"/>
+              <ma14:wrappingTextBoxFlag xmlns="" xmlns:m="http://schemas.openxmlformats.org/officeDocument/2006/math" xmlns:a14="http://schemas.microsoft.com/office/drawing/2010/main" xmlns:ma14="http://schemas.microsoft.com/office/mac/drawingml/2011/main" val="1"/>
             </a:ext>
           </a:extLst>
         </p:spPr>
@@ -3203,10 +3223,10 @@
         </p:nvGrpSpPr>
         <p:grpSpPr>
           <a:xfrm>
-            <a:off x="10493832" y="7167433"/>
-            <a:ext cx="9528733" cy="2500293"/>
-            <a:chOff x="10484191" y="4980116"/>
-            <a:chExt cx="9464172" cy="2500293"/>
+            <a:off x="10338646" y="7167433"/>
+            <a:ext cx="9905153" cy="2500293"/>
+            <a:chOff x="10330057" y="4980116"/>
+            <a:chExt cx="9838042" cy="2500293"/>
           </a:xfrm>
         </p:grpSpPr>
         <p:pic>
@@ -3268,8 +3288,8 @@
           </p:nvSpPr>
           <p:spPr>
             <a:xfrm>
-              <a:off x="10484191" y="7080299"/>
-              <a:ext cx="9464172" cy="400110"/>
+              <a:off x="10330057" y="7080299"/>
+              <a:ext cx="9838042" cy="400110"/>
             </a:xfrm>
             <a:prstGeom prst="rect">
               <a:avLst/>
@@ -3279,7 +3299,7 @@
             </a:ln>
             <a:extLst>
               <a:ext uri="{C572A759-6A51-4108-AA02-DFA0A04FC94B}">
-                <ma14:wrappingTextBoxFlag xmlns:ma14="http://schemas.microsoft.com/office/mac/drawingml/2011/main" xmlns:a14="http://schemas.microsoft.com/office/drawing/2010/main" xmlns:m="http://schemas.openxmlformats.org/officeDocument/2006/math" xmlns="" val="1"/>
+                <ma14:wrappingTextBoxFlag xmlns="" xmlns:m="http://schemas.openxmlformats.org/officeDocument/2006/math" xmlns:a14="http://schemas.microsoft.com/office/drawing/2010/main" xmlns:ma14="http://schemas.microsoft.com/office/mac/drawingml/2011/main" val="1"/>
               </a:ext>
             </a:extLst>
           </p:spPr>
@@ -3303,7 +3323,7 @@
             <a:p>
               <a:r>
                 <a:rPr lang="en-GB" sz="2000" dirty="0"/>
-                <a:t>Figure 1: Dynamics in Algorithmic Recourse.</a:t>
+                <a:t>Figure 1: Dynamics in Algorithmic Recourse. Individuals in target class marked in blue.</a:t>
               </a:r>
             </a:p>
           </p:txBody>
@@ -3334,7 +3354,7 @@
           </a:ln>
           <a:extLst>
             <a:ext uri="{C572A759-6A51-4108-AA02-DFA0A04FC94B}">
-              <ma14:wrappingTextBoxFlag xmlns:ma14="http://schemas.microsoft.com/office/mac/drawingml/2011/main" xmlns:a14="http://schemas.microsoft.com/office/drawing/2010/main" xmlns:m="http://schemas.openxmlformats.org/officeDocument/2006/math" xmlns="" val="1"/>
+              <ma14:wrappingTextBoxFlag xmlns="" xmlns:m="http://schemas.openxmlformats.org/officeDocument/2006/math" xmlns:a14="http://schemas.microsoft.com/office/drawing/2010/main" xmlns:ma14="http://schemas.microsoft.com/office/mac/drawingml/2011/main" val="1"/>
             </a:ext>
           </a:extLst>
         </p:spPr>
@@ -3359,7 +3379,23 @@
                   <a:srgbClr val="344854"/>
                 </a:solidFill>
               </a:rPr>
-              <a:t>IEEE Conference on Secure and Trustworthy Machine Learning</a:t>
+              <a:t>1</a:t>
+            </a:r>
+            <a:r>
+              <a:rPr lang="en-GB" sz="3200" i="1" baseline="30000" dirty="0">
+                <a:solidFill>
+                  <a:srgbClr val="344854"/>
+                </a:solidFill>
+              </a:rPr>
+              <a:t>st</a:t>
+            </a:r>
+            <a:r>
+              <a:rPr lang="en-GB" sz="3200" i="1" dirty="0">
+                <a:solidFill>
+                  <a:srgbClr val="344854"/>
+                </a:solidFill>
+              </a:rPr>
+              <a:t> IEEE Conference on Secure and Trustworthy Machine Learning</a:t>
             </a:r>
           </a:p>
         </p:txBody>
@@ -3458,9 +3494,9 @@
         <p:grpSpPr>
           <a:xfrm>
             <a:off x="726831" y="10064552"/>
-            <a:ext cx="14650442" cy="8310922"/>
+            <a:ext cx="14650442" cy="7822137"/>
             <a:chOff x="726831" y="10064552"/>
-            <a:chExt cx="14650442" cy="8310922"/>
+            <a:chExt cx="14650442" cy="7822137"/>
           </a:xfrm>
         </p:grpSpPr>
         <p:sp>
@@ -3477,7 +3513,7 @@
           </p:nvSpPr>
           <p:spPr>
             <a:xfrm>
-              <a:off x="1676767" y="11126231"/>
+              <a:off x="1676767" y="11050393"/>
               <a:ext cx="13700506" cy="573683"/>
             </a:xfrm>
             <a:prstGeom prst="rect">
@@ -3488,7 +3524,7 @@
             </a:ln>
             <a:extLst>
               <a:ext uri="{C572A759-6A51-4108-AA02-DFA0A04FC94B}">
-                <ma14:wrappingTextBoxFlag xmlns:ma14="http://schemas.microsoft.com/office/mac/drawingml/2011/main" xmlns:a14="http://schemas.microsoft.com/office/drawing/2010/main" xmlns:m="http://schemas.openxmlformats.org/officeDocument/2006/math" xmlns="" val="1"/>
+                <ma14:wrappingTextBoxFlag xmlns="" xmlns:m="http://schemas.openxmlformats.org/officeDocument/2006/math" xmlns:a14="http://schemas.microsoft.com/office/drawing/2010/main" xmlns:ma14="http://schemas.microsoft.com/office/mac/drawingml/2011/main" val="1"/>
               </a:ext>
             </a:extLst>
           </p:spPr>
@@ -3548,7 +3584,7 @@
             </a:ln>
             <a:extLst>
               <a:ext uri="{C572A759-6A51-4108-AA02-DFA0A04FC94B}">
-                <ma14:wrappingTextBoxFlag xmlns:ma14="http://schemas.microsoft.com/office/mac/drawingml/2011/main" xmlns:a14="http://schemas.microsoft.com/office/drawing/2010/main" xmlns:m="http://schemas.openxmlformats.org/officeDocument/2006/math" xmlns="" val="1"/>
+                <ma14:wrappingTextBoxFlag xmlns="" xmlns:m="http://schemas.openxmlformats.org/officeDocument/2006/math" xmlns:a14="http://schemas.microsoft.com/office/drawing/2010/main" xmlns:ma14="http://schemas.microsoft.com/office/mac/drawingml/2011/main" val="1"/>
               </a:ext>
             </a:extLst>
           </p:spPr>
@@ -3589,7 +3625,7 @@
           </p:nvSpPr>
           <p:spPr>
             <a:xfrm>
-              <a:off x="1676767" y="17801791"/>
+              <a:off x="1676767" y="17313006"/>
               <a:ext cx="13700506" cy="573683"/>
             </a:xfrm>
             <a:prstGeom prst="rect">
@@ -3600,7 +3636,7 @@
             </a:ln>
             <a:extLst>
               <a:ext uri="{C572A759-6A51-4108-AA02-DFA0A04FC94B}">
-                <ma14:wrappingTextBoxFlag xmlns:ma14="http://schemas.microsoft.com/office/mac/drawingml/2011/main" xmlns:a14="http://schemas.microsoft.com/office/drawing/2010/main" xmlns:m="http://schemas.openxmlformats.org/officeDocument/2006/math" xmlns="" val="1"/>
+                <ma14:wrappingTextBoxFlag xmlns="" xmlns:m="http://schemas.openxmlformats.org/officeDocument/2006/math" xmlns:a14="http://schemas.microsoft.com/office/drawing/2010/main" xmlns:ma14="http://schemas.microsoft.com/office/mac/drawingml/2011/main" val="1"/>
               </a:ext>
             </a:extLst>
           </p:spPr>
@@ -3661,7 +3697,7 @@
           </a:ln>
           <a:extLst>
             <a:ext uri="{C572A759-6A51-4108-AA02-DFA0A04FC94B}">
-              <ma14:wrappingTextBoxFlag xmlns:ma14="http://schemas.microsoft.com/office/mac/drawingml/2011/main" xmlns:a14="http://schemas.microsoft.com/office/drawing/2010/main" xmlns:m="http://schemas.openxmlformats.org/officeDocument/2006/math" xmlns="" val="1"/>
+              <ma14:wrappingTextBoxFlag xmlns="" xmlns:m="http://schemas.openxmlformats.org/officeDocument/2006/math" xmlns:a14="http://schemas.microsoft.com/office/drawing/2010/main" xmlns:ma14="http://schemas.microsoft.com/office/mac/drawingml/2011/main" val="1"/>
             </a:ext>
           </a:extLst>
         </p:spPr>
@@ -3713,7 +3749,7 @@
           </a:ln>
           <a:extLst>
             <a:ext uri="{C572A759-6A51-4108-AA02-DFA0A04FC94B}">
-              <ma14:wrappingTextBoxFlag xmlns:ma14="http://schemas.microsoft.com/office/mac/drawingml/2011/main" xmlns:a14="http://schemas.microsoft.com/office/drawing/2010/main" xmlns:m="http://schemas.openxmlformats.org/officeDocument/2006/math" xmlns="" val="1"/>
+              <ma14:wrappingTextBoxFlag xmlns="" xmlns:m="http://schemas.openxmlformats.org/officeDocument/2006/math" xmlns:a14="http://schemas.microsoft.com/office/drawing/2010/main" xmlns:ma14="http://schemas.microsoft.com/office/mac/drawingml/2011/main" val="1"/>
             </a:ext>
           </a:extLst>
         </p:spPr>
@@ -3785,7 +3821,7 @@
             </a:ln>
             <a:extLst>
               <a:ext uri="{C572A759-6A51-4108-AA02-DFA0A04FC94B}">
-                <ma14:wrappingTextBoxFlag xmlns:ma14="http://schemas.microsoft.com/office/mac/drawingml/2011/main" xmlns:a14="http://schemas.microsoft.com/office/drawing/2010/main" xmlns:m="http://schemas.openxmlformats.org/officeDocument/2006/math" xmlns="" val="1"/>
+                <ma14:wrappingTextBoxFlag xmlns="" xmlns:m="http://schemas.openxmlformats.org/officeDocument/2006/math" xmlns:a14="http://schemas.microsoft.com/office/drawing/2010/main" xmlns:ma14="http://schemas.microsoft.com/office/mac/drawingml/2011/main" val="1"/>
               </a:ext>
             </a:extLst>
           </p:spPr>
@@ -3857,7 +3893,7 @@
               </a:ln>
               <a:extLst>
                 <a:ext uri="{C572A759-6A51-4108-AA02-DFA0A04FC94B}">
-                  <ma14:wrappingTextBoxFlag xmlns:ma14="http://schemas.microsoft.com/office/mac/drawingml/2011/main" xmlns:a14="http://schemas.microsoft.com/office/drawing/2010/main" xmlns:m="http://schemas.openxmlformats.org/officeDocument/2006/math" xmlns="" val="1"/>
+                  <ma14:wrappingTextBoxFlag xmlns="" xmlns:m="http://schemas.openxmlformats.org/officeDocument/2006/math" xmlns:a14="http://schemas.microsoft.com/office/drawing/2010/main" xmlns:ma14="http://schemas.microsoft.com/office/mac/drawingml/2011/main" val="1"/>
                 </a:ext>
               </a:extLst>
             </p:spPr>
@@ -4113,7 +4149,7 @@
                   </a:ln>
                   <a:extLst>
                     <a:ext uri="{C572A759-6A51-4108-AA02-DFA0A04FC94B}">
-                      <ma14:wrappingTextBoxFlag xmlns:ma14="http://schemas.microsoft.com/office/mac/drawingml/2011/main" xmlns:a14="http://schemas.microsoft.com/office/drawing/2010/main" xmlns:m="http://schemas.openxmlformats.org/officeDocument/2006/math" xmlns="" val="1"/>
+                      <ma14:wrappingTextBoxFlag xmlns="" xmlns:m="http://schemas.openxmlformats.org/officeDocument/2006/math" xmlns:a14="http://schemas.microsoft.com/office/drawing/2010/main" xmlns:ma14="http://schemas.microsoft.com/office/mac/drawingml/2011/main" val="1"/>
                     </a:ext>
                   </a:extLst>
                 </p:spPr>
@@ -4168,7 +4204,7 @@
                 </a:ln>
                 <a:extLst>
                   <a:ext uri="{C572A759-6A51-4108-AA02-DFA0A04FC94B}">
-                    <ma14:wrappingTextBoxFlag xmlns:ma14="http://schemas.microsoft.com/office/mac/drawingml/2011/main" xmlns:a14="http://schemas.microsoft.com/office/drawing/2010/main" xmlns:m="http://schemas.openxmlformats.org/officeDocument/2006/math" xmlns="" val="1"/>
+                    <ma14:wrappingTextBoxFlag xmlns="" xmlns:m="http://schemas.openxmlformats.org/officeDocument/2006/math" xmlns:a14="http://schemas.microsoft.com/office/drawing/2010/main" xmlns:ma14="http://schemas.microsoft.com/office/mac/drawingml/2011/main" val="1"/>
                   </a:ext>
                 </a:extLst>
               </p:spPr>
@@ -4245,7 +4281,7 @@
             </a:ln>
             <a:extLst>
               <a:ext uri="{C572A759-6A51-4108-AA02-DFA0A04FC94B}">
-                <ma14:wrappingTextBoxFlag xmlns:ma14="http://schemas.microsoft.com/office/mac/drawingml/2011/main" xmlns:a14="http://schemas.microsoft.com/office/drawing/2010/main" xmlns:m="http://schemas.openxmlformats.org/officeDocument/2006/math" xmlns="" val="1"/>
+                <ma14:wrappingTextBoxFlag xmlns="" xmlns:m="http://schemas.openxmlformats.org/officeDocument/2006/math" xmlns:a14="http://schemas.microsoft.com/office/drawing/2010/main" xmlns:ma14="http://schemas.microsoft.com/office/mac/drawingml/2011/main" val="1"/>
               </a:ext>
             </a:extLst>
           </p:spPr>
@@ -4317,7 +4353,7 @@
               </a:ln>
               <a:extLst>
                 <a:ext uri="{C572A759-6A51-4108-AA02-DFA0A04FC94B}">
-                  <ma14:wrappingTextBoxFlag xmlns:ma14="http://schemas.microsoft.com/office/mac/drawingml/2011/main" xmlns:a14="http://schemas.microsoft.com/office/drawing/2010/main" xmlns:m="http://schemas.openxmlformats.org/officeDocument/2006/math" xmlns="" val="1"/>
+                  <ma14:wrappingTextBoxFlag xmlns="" xmlns:m="http://schemas.openxmlformats.org/officeDocument/2006/math" xmlns:a14="http://schemas.microsoft.com/office/drawing/2010/main" xmlns:ma14="http://schemas.microsoft.com/office/mac/drawingml/2011/main" val="1"/>
                 </a:ext>
               </a:extLst>
             </p:spPr>
@@ -4531,7 +4567,7 @@
                 </a:ln>
                 <a:extLst>
                   <a:ext uri="{C572A759-6A51-4108-AA02-DFA0A04FC94B}">
-                    <ma14:wrappingTextBoxFlag xmlns:ma14="http://schemas.microsoft.com/office/mac/drawingml/2011/main" xmlns:a14="http://schemas.microsoft.com/office/drawing/2010/main" xmlns:m="http://schemas.openxmlformats.org/officeDocument/2006/math" xmlns="" val="1"/>
+                    <ma14:wrappingTextBoxFlag xmlns="" xmlns:m="http://schemas.openxmlformats.org/officeDocument/2006/math" xmlns:a14="http://schemas.microsoft.com/office/drawing/2010/main" xmlns:ma14="http://schemas.microsoft.com/office/mac/drawingml/2011/main" val="1"/>
                   </a:ext>
                 </a:extLst>
               </p:spPr>
@@ -4588,7 +4624,7 @@
           </a:ln>
           <a:extLst>
             <a:ext uri="{C572A759-6A51-4108-AA02-DFA0A04FC94B}">
-              <ma14:wrappingTextBoxFlag xmlns:ma14="http://schemas.microsoft.com/office/mac/drawingml/2011/main" xmlns:a14="http://schemas.microsoft.com/office/drawing/2010/main" xmlns:m="http://schemas.openxmlformats.org/officeDocument/2006/math" xmlns="" val="1"/>
+              <ma14:wrappingTextBoxFlag xmlns="" xmlns:m="http://schemas.openxmlformats.org/officeDocument/2006/math" xmlns:a14="http://schemas.microsoft.com/office/drawing/2010/main" xmlns:ma14="http://schemas.microsoft.com/office/mac/drawingml/2011/main" val="1"/>
             </a:ext>
           </a:extLst>
         </p:spPr>
@@ -4662,7 +4698,7 @@
             </a:ln>
             <a:extLst>
               <a:ext uri="{C572A759-6A51-4108-AA02-DFA0A04FC94B}">
-                <ma14:wrappingTextBoxFlag xmlns:ma14="http://schemas.microsoft.com/office/mac/drawingml/2011/main" xmlns:a14="http://schemas.microsoft.com/office/drawing/2010/main" xmlns:m="http://schemas.openxmlformats.org/officeDocument/2006/math" xmlns="" val="1"/>
+                <ma14:wrappingTextBoxFlag xmlns="" xmlns:m="http://schemas.openxmlformats.org/officeDocument/2006/math" xmlns:a14="http://schemas.microsoft.com/office/drawing/2010/main" xmlns:ma14="http://schemas.microsoft.com/office/mac/drawingml/2011/main" val="1"/>
               </a:ext>
             </a:extLst>
           </p:spPr>
@@ -4714,7 +4750,7 @@
             </a:ln>
             <a:extLst>
               <a:ext uri="{C572A759-6A51-4108-AA02-DFA0A04FC94B}">
-                <ma14:wrappingTextBoxFlag xmlns:ma14="http://schemas.microsoft.com/office/mac/drawingml/2011/main" xmlns:a14="http://schemas.microsoft.com/office/drawing/2010/main" xmlns:m="http://schemas.openxmlformats.org/officeDocument/2006/math" xmlns="" val="1"/>
+                <ma14:wrappingTextBoxFlag xmlns="" xmlns:m="http://schemas.openxmlformats.org/officeDocument/2006/math" xmlns:a14="http://schemas.microsoft.com/office/drawing/2010/main" xmlns:ma14="http://schemas.microsoft.com/office/mac/drawingml/2011/main" val="1"/>
               </a:ext>
             </a:extLst>
           </p:spPr>
@@ -4781,67 +4817,6 @@
           </p:txBody>
         </p:sp>
       </p:grpSp>
-      <p:sp>
-        <p:nvSpPr>
-          <p:cNvPr id="127" name="TextBox 47">
-            <a:extLst>
-              <a:ext uri="{FF2B5EF4-FFF2-40B4-BE49-F238E27FC236}">
-                <a16:creationId xmlns:a16="http://schemas.microsoft.com/office/drawing/2014/main" id="{01E2C646-1713-72F6-8F39-3E89D6E21479}"/>
-              </a:ext>
-            </a:extLst>
-          </p:cNvPr>
-          <p:cNvSpPr txBox="1"/>
-          <p:nvPr/>
-        </p:nvSpPr>
-        <p:spPr>
-          <a:xfrm>
-            <a:off x="11709399" y="37242757"/>
-            <a:ext cx="689765" cy="919611"/>
-          </a:xfrm>
-          <a:prstGeom prst="rect">
-            <a:avLst/>
-          </a:prstGeom>
-          <a:ln w="12700">
-            <a:miter lim="400000"/>
-          </a:ln>
-          <a:extLst>
-            <a:ext uri="{C572A759-6A51-4108-AA02-DFA0A04FC94B}">
-              <ma14:wrappingTextBoxFlag xmlns:ma14="http://schemas.microsoft.com/office/mac/drawingml/2011/main" xmlns:a14="http://schemas.microsoft.com/office/drawing/2010/main" xmlns:m="http://schemas.openxmlformats.org/officeDocument/2006/math" xmlns="" val="1"/>
-            </a:ext>
-          </a:extLst>
-        </p:spPr>
-        <p:txBody>
-          <a:bodyPr wrap="square" lIns="42049" rIns="42049">
-            <a:spAutoFit/>
-          </a:bodyPr>
-          <a:lstStyle>
-            <a:lvl1pPr>
-              <a:lnSpc>
-                <a:spcPct val="120000"/>
-              </a:lnSpc>
-              <a:defRPr sz="2100">
-                <a:solidFill>
-                  <a:srgbClr val="344854"/>
-                </a:solidFill>
-                <a:latin typeface="Arial"/>
-                <a:ea typeface="Arial"/>
-                <a:cs typeface="Arial"/>
-                <a:sym typeface="Arial"/>
-              </a:defRPr>
-            </a:lvl1pPr>
-          </a:lstStyle>
-          <a:p>
-            <a:pPr algn="ctr"/>
-            <a:endParaRPr lang="en-NL" sz="4800" b="0" i="0" dirty="0">
-              <a:solidFill>
-                <a:srgbClr val="CCCCCC"/>
-              </a:solidFill>
-              <a:effectLst/>
-              <a:latin typeface="Noto Color Emoji"/>
-            </a:endParaRPr>
-          </a:p>
-        </p:txBody>
-      </p:sp>
       <p:grpSp>
         <p:nvGrpSpPr>
           <p:cNvPr id="1043" name="Group 1042">
@@ -4887,7 +4862,7 @@
             </a:ln>
             <a:extLst>
               <a:ext uri="{C572A759-6A51-4108-AA02-DFA0A04FC94B}">
-                <ma14:wrappingTextBoxFlag xmlns:ma14="http://schemas.microsoft.com/office/mac/drawingml/2011/main" xmlns:a14="http://schemas.microsoft.com/office/drawing/2010/main" xmlns:m="http://schemas.openxmlformats.org/officeDocument/2006/math" xmlns="" val="1"/>
+                <ma14:wrappingTextBoxFlag xmlns="" xmlns:m="http://schemas.openxmlformats.org/officeDocument/2006/math" xmlns:a14="http://schemas.microsoft.com/office/drawing/2010/main" xmlns:ma14="http://schemas.microsoft.com/office/mac/drawingml/2011/main" val="1"/>
               </a:ext>
             </a:extLst>
           </p:spPr>
@@ -5072,7 +5047,7 @@
         </p:nvSpPr>
         <p:spPr>
           <a:xfrm>
-            <a:off x="726830" y="35371050"/>
+            <a:off x="723037" y="34499141"/>
             <a:ext cx="13700506" cy="707886"/>
           </a:xfrm>
           <a:prstGeom prst="rect">
@@ -5083,7 +5058,7 @@
           </a:ln>
           <a:extLst>
             <a:ext uri="{C572A759-6A51-4108-AA02-DFA0A04FC94B}">
-              <ma14:wrappingTextBoxFlag xmlns:ma14="http://schemas.microsoft.com/office/mac/drawingml/2011/main" xmlns:a14="http://schemas.microsoft.com/office/drawing/2010/main" xmlns:m="http://schemas.openxmlformats.org/officeDocument/2006/math" xmlns="" val="1"/>
+              <ma14:wrappingTextBoxFlag xmlns="" xmlns:m="http://schemas.openxmlformats.org/officeDocument/2006/math" xmlns:a14="http://schemas.microsoft.com/office/drawing/2010/main" xmlns:ma14="http://schemas.microsoft.com/office/mac/drawingml/2011/main" val="1"/>
             </a:ext>
           </a:extLst>
         </p:spPr>
@@ -5137,8 +5112,8 @@
         </p:blipFill>
         <p:spPr bwMode="auto">
           <a:xfrm>
-            <a:off x="2403508" y="38639944"/>
-            <a:ext cx="9525000" cy="2540000"/>
+            <a:off x="3030671" y="37814117"/>
+            <a:ext cx="8942251" cy="2384600"/>
           </a:xfrm>
           <a:prstGeom prst="rect">
             <a:avLst/>
@@ -5169,7 +5144,7 @@
         </p:nvSpPr>
         <p:spPr>
           <a:xfrm>
-            <a:off x="726830" y="36078936"/>
+            <a:off x="723037" y="35207027"/>
             <a:ext cx="13557520" cy="561820"/>
           </a:xfrm>
           <a:prstGeom prst="rect">
@@ -5180,7 +5155,7 @@
           </a:ln>
           <a:extLst>
             <a:ext uri="{C572A759-6A51-4108-AA02-DFA0A04FC94B}">
-              <ma14:wrappingTextBoxFlag xmlns:ma14="http://schemas.microsoft.com/office/mac/drawingml/2011/main" xmlns:a14="http://schemas.microsoft.com/office/drawing/2010/main" xmlns:m="http://schemas.openxmlformats.org/officeDocument/2006/math" xmlns="" val="1"/>
+              <ma14:wrappingTextBoxFlag xmlns="" xmlns:m="http://schemas.openxmlformats.org/officeDocument/2006/math" xmlns:a14="http://schemas.microsoft.com/office/drawing/2010/main" xmlns:ma14="http://schemas.microsoft.com/office/mac/drawingml/2011/main" val="1"/>
             </a:ext>
           </a:extLst>
         </p:spPr>
@@ -5227,8 +5202,8 @@
         </p:nvSpPr>
         <p:spPr>
           <a:xfrm>
-            <a:off x="974429" y="41179944"/>
-            <a:ext cx="12240173" cy="400110"/>
+            <a:off x="976078" y="40154245"/>
+            <a:ext cx="12240173" cy="1631216"/>
           </a:xfrm>
           <a:prstGeom prst="rect">
             <a:avLst/>
@@ -5238,7 +5213,7 @@
           </a:ln>
           <a:extLst>
             <a:ext uri="{C572A759-6A51-4108-AA02-DFA0A04FC94B}">
-              <ma14:wrappingTextBoxFlag xmlns:ma14="http://schemas.microsoft.com/office/mac/drawingml/2011/main" xmlns:a14="http://schemas.microsoft.com/office/drawing/2010/main" xmlns:m="http://schemas.openxmlformats.org/officeDocument/2006/math" xmlns="" val="1"/>
+              <ma14:wrappingTextBoxFlag xmlns="" xmlns:m="http://schemas.openxmlformats.org/officeDocument/2006/math" xmlns:a14="http://schemas.microsoft.com/office/drawing/2010/main" xmlns:ma14="http://schemas.microsoft.com/office/mac/drawingml/2011/main" val="1"/>
             </a:ext>
           </a:extLst>
         </p:spPr>
@@ -5262,7 +5237,29 @@
           <a:p>
             <a:r>
               <a:rPr lang="en-GB" sz="2000" dirty="0"/>
-              <a:t>Figure 3: Mitigation strategies.</a:t>
+              <a:t>Figure 3: Mitigation strategies compared to the baseline approach, that is, Wachter (Generic) with </a:t>
+            </a:r>
+            <a:r>
+              <a:rPr lang="el-GR" sz="2000" dirty="0"/>
+              <a:t>γ = 0.5</a:t>
+            </a:r>
+            <a:r>
+              <a:rPr lang="en-US" sz="2000" dirty="0"/>
+              <a:t>; choosing a higher decision threshold pushes the counterfactual a little further into the target domain; this effect is even stronger for </a:t>
+            </a:r>
+            <a:r>
+              <a:rPr lang="en-US" sz="2000" dirty="0" err="1"/>
+              <a:t>ClaPROAR</a:t>
+            </a:r>
+            <a:r>
+              <a:rPr lang="en-US" sz="2000" dirty="0"/>
+              <a:t>; finally, using the Gravitational generator the counterfactual ends up all the way inside the target domain </a:t>
+            </a:r>
+          </a:p>
+          <a:p>
+            <a:r>
+              <a:rPr lang="el-GR" sz="2000" dirty="0"/>
+              <a:t> </a:t>
             </a:r>
           </a:p>
         </p:txBody>
@@ -5295,8 +5292,8 @@
         </p:blipFill>
         <p:spPr>
           <a:xfrm>
-            <a:off x="1996167" y="11864193"/>
-            <a:ext cx="11702899" cy="5266305"/>
+            <a:off x="2283818" y="11869753"/>
+            <a:ext cx="10932433" cy="4919595"/>
           </a:xfrm>
           <a:prstGeom prst="rect">
             <a:avLst/>
@@ -5330,8 +5327,8 @@
         </p:blipFill>
         <p:spPr>
           <a:xfrm>
-            <a:off x="1985981" y="18491441"/>
-            <a:ext cx="11702899" cy="5226103"/>
+            <a:off x="2283818" y="18069142"/>
+            <a:ext cx="10932433" cy="4882040"/>
           </a:xfrm>
           <a:prstGeom prst="rect">
             <a:avLst/>
@@ -5412,7 +5409,7 @@
         </p:blipFill>
         <p:spPr bwMode="auto">
           <a:xfrm>
-            <a:off x="3967647" y="36942815"/>
+            <a:off x="3963854" y="36070906"/>
             <a:ext cx="6396721" cy="1219553"/>
           </a:xfrm>
           <a:prstGeom prst="rect">

--- a/dev/poster/poster.pptx
+++ b/dev/poster/poster.pptx
@@ -10,10 +10,10 @@
   <p:sldIdLst>
     <p:sldId id="256" r:id="rId2"/>
   </p:sldIdLst>
-  <p:sldSz cx="30275213" cy="42803763"/>
+  <p:sldSz cx="21945600" cy="32918400"/>
   <p:notesSz cx="6858000" cy="9144000"/>
   <p:defaultTextStyle>
-    <a:defPPr marL="0" marR="0" indent="0" algn="l" defTabSz="1217868" rtl="0" fontAlgn="auto" latinLnBrk="1" hangingPunct="0">
+    <a:defPPr marL="0" marR="0" indent="0" algn="l" defTabSz="914254" rtl="0" fontAlgn="auto" latinLnBrk="1" hangingPunct="0">
       <a:lnSpc>
         <a:spcPct val="100000"/>
       </a:lnSpc>
@@ -28,7 +28,7 @@
       <a:buFontTx/>
       <a:buNone/>
       <a:tabLst/>
-      <a:defRPr kumimoji="0" sz="2398" b="0" i="0" u="none" strike="noStrike" cap="none" spc="0" normalizeH="0" baseline="0">
+      <a:defRPr kumimoji="0" sz="1800" b="0" i="0" u="none" strike="noStrike" cap="none" spc="0" normalizeH="0" baseline="0">
         <a:ln>
           <a:noFill/>
         </a:ln>
@@ -39,7 +39,7 @@
         <a:uFillTx/>
       </a:defRPr>
     </a:defPPr>
-    <a:lvl1pPr marL="0" marR="0" indent="0" algn="l" defTabSz="434900" rtl="0" fontAlgn="auto" latinLnBrk="0" hangingPunct="0">
+    <a:lvl1pPr marL="0" marR="0" indent="0" algn="l" defTabSz="326479" rtl="0" fontAlgn="auto" latinLnBrk="0" hangingPunct="0">
       <a:lnSpc>
         <a:spcPct val="100000"/>
       </a:lnSpc>
@@ -54,7 +54,7 @@
       <a:buFontTx/>
       <a:buNone/>
       <a:tabLst/>
-      <a:defRPr kumimoji="0" sz="1598" b="0" i="0" u="none" strike="noStrike" cap="none" spc="0" normalizeH="0" baseline="0">
+      <a:defRPr kumimoji="0" sz="1200" b="0" i="0" u="none" strike="noStrike" cap="none" spc="0" normalizeH="0" baseline="0">
         <a:ln>
           <a:noFill/>
         </a:ln>
@@ -69,7 +69,7 @@
         <a:sym typeface="Calibri"/>
       </a:defRPr>
     </a:lvl1pPr>
-    <a:lvl2pPr marL="0" marR="0" indent="434900" algn="l" defTabSz="434900" rtl="0" fontAlgn="auto" latinLnBrk="0" hangingPunct="0">
+    <a:lvl2pPr marL="0" marR="0" indent="326479" algn="l" defTabSz="326479" rtl="0" fontAlgn="auto" latinLnBrk="0" hangingPunct="0">
       <a:lnSpc>
         <a:spcPct val="100000"/>
       </a:lnSpc>
@@ -84,7 +84,7 @@
       <a:buFontTx/>
       <a:buNone/>
       <a:tabLst/>
-      <a:defRPr kumimoji="0" sz="1598" b="0" i="0" u="none" strike="noStrike" cap="none" spc="0" normalizeH="0" baseline="0">
+      <a:defRPr kumimoji="0" sz="1200" b="0" i="0" u="none" strike="noStrike" cap="none" spc="0" normalizeH="0" baseline="0">
         <a:ln>
           <a:noFill/>
         </a:ln>
@@ -99,7 +99,7 @@
         <a:sym typeface="Calibri"/>
       </a:defRPr>
     </a:lvl2pPr>
-    <a:lvl3pPr marL="0" marR="0" indent="869799" algn="l" defTabSz="434900" rtl="0" fontAlgn="auto" latinLnBrk="0" hangingPunct="0">
+    <a:lvl3pPr marL="0" marR="0" indent="652958" algn="l" defTabSz="326479" rtl="0" fontAlgn="auto" latinLnBrk="0" hangingPunct="0">
       <a:lnSpc>
         <a:spcPct val="100000"/>
       </a:lnSpc>
@@ -114,7 +114,7 @@
       <a:buFontTx/>
       <a:buNone/>
       <a:tabLst/>
-      <a:defRPr kumimoji="0" sz="1598" b="0" i="0" u="none" strike="noStrike" cap="none" spc="0" normalizeH="0" baseline="0">
+      <a:defRPr kumimoji="0" sz="1200" b="0" i="0" u="none" strike="noStrike" cap="none" spc="0" normalizeH="0" baseline="0">
         <a:ln>
           <a:noFill/>
         </a:ln>
@@ -129,7 +129,7 @@
         <a:sym typeface="Calibri"/>
       </a:defRPr>
     </a:lvl3pPr>
-    <a:lvl4pPr marL="0" marR="0" indent="1304699" algn="l" defTabSz="434900" rtl="0" fontAlgn="auto" latinLnBrk="0" hangingPunct="0">
+    <a:lvl4pPr marL="0" marR="0" indent="979438" algn="l" defTabSz="326479" rtl="0" fontAlgn="auto" latinLnBrk="0" hangingPunct="0">
       <a:lnSpc>
         <a:spcPct val="100000"/>
       </a:lnSpc>
@@ -144,7 +144,7 @@
       <a:buFontTx/>
       <a:buNone/>
       <a:tabLst/>
-      <a:defRPr kumimoji="0" sz="1598" b="0" i="0" u="none" strike="noStrike" cap="none" spc="0" normalizeH="0" baseline="0">
+      <a:defRPr kumimoji="0" sz="1200" b="0" i="0" u="none" strike="noStrike" cap="none" spc="0" normalizeH="0" baseline="0">
         <a:ln>
           <a:noFill/>
         </a:ln>
@@ -159,7 +159,7 @@
         <a:sym typeface="Calibri"/>
       </a:defRPr>
     </a:lvl4pPr>
-    <a:lvl5pPr marL="0" marR="0" indent="1739599" algn="l" defTabSz="434900" rtl="0" fontAlgn="auto" latinLnBrk="0" hangingPunct="0">
+    <a:lvl5pPr marL="0" marR="0" indent="1305917" algn="l" defTabSz="326479" rtl="0" fontAlgn="auto" latinLnBrk="0" hangingPunct="0">
       <a:lnSpc>
         <a:spcPct val="100000"/>
       </a:lnSpc>
@@ -174,7 +174,7 @@
       <a:buFontTx/>
       <a:buNone/>
       <a:tabLst/>
-      <a:defRPr kumimoji="0" sz="1598" b="0" i="0" u="none" strike="noStrike" cap="none" spc="0" normalizeH="0" baseline="0">
+      <a:defRPr kumimoji="0" sz="1200" b="0" i="0" u="none" strike="noStrike" cap="none" spc="0" normalizeH="0" baseline="0">
         <a:ln>
           <a:noFill/>
         </a:ln>
@@ -189,7 +189,7 @@
         <a:sym typeface="Calibri"/>
       </a:defRPr>
     </a:lvl5pPr>
-    <a:lvl6pPr marL="0" marR="0" indent="2174498" algn="l" defTabSz="434900" rtl="0" fontAlgn="auto" latinLnBrk="0" hangingPunct="0">
+    <a:lvl6pPr marL="0" marR="0" indent="1632396" algn="l" defTabSz="326479" rtl="0" fontAlgn="auto" latinLnBrk="0" hangingPunct="0">
       <a:lnSpc>
         <a:spcPct val="100000"/>
       </a:lnSpc>
@@ -204,7 +204,7 @@
       <a:buFontTx/>
       <a:buNone/>
       <a:tabLst/>
-      <a:defRPr kumimoji="0" sz="1598" b="0" i="0" u="none" strike="noStrike" cap="none" spc="0" normalizeH="0" baseline="0">
+      <a:defRPr kumimoji="0" sz="1200" b="0" i="0" u="none" strike="noStrike" cap="none" spc="0" normalizeH="0" baseline="0">
         <a:ln>
           <a:noFill/>
         </a:ln>
@@ -219,7 +219,7 @@
         <a:sym typeface="Calibri"/>
       </a:defRPr>
     </a:lvl6pPr>
-    <a:lvl7pPr marL="0" marR="0" indent="2609401" algn="l" defTabSz="434900" rtl="0" fontAlgn="auto" latinLnBrk="0" hangingPunct="0">
+    <a:lvl7pPr marL="0" marR="0" indent="1958877" algn="l" defTabSz="326479" rtl="0" fontAlgn="auto" latinLnBrk="0" hangingPunct="0">
       <a:lnSpc>
         <a:spcPct val="100000"/>
       </a:lnSpc>
@@ -234,7 +234,7 @@
       <a:buFontTx/>
       <a:buNone/>
       <a:tabLst/>
-      <a:defRPr kumimoji="0" sz="1598" b="0" i="0" u="none" strike="noStrike" cap="none" spc="0" normalizeH="0" baseline="0">
+      <a:defRPr kumimoji="0" sz="1200" b="0" i="0" u="none" strike="noStrike" cap="none" spc="0" normalizeH="0" baseline="0">
         <a:ln>
           <a:noFill/>
         </a:ln>
@@ -249,7 +249,7 @@
         <a:sym typeface="Calibri"/>
       </a:defRPr>
     </a:lvl7pPr>
-    <a:lvl8pPr marL="0" marR="0" indent="3044301" algn="l" defTabSz="434900" rtl="0" fontAlgn="auto" latinLnBrk="0" hangingPunct="0">
+    <a:lvl8pPr marL="0" marR="0" indent="2285357" algn="l" defTabSz="326479" rtl="0" fontAlgn="auto" latinLnBrk="0" hangingPunct="0">
       <a:lnSpc>
         <a:spcPct val="100000"/>
       </a:lnSpc>
@@ -264,7 +264,7 @@
       <a:buFontTx/>
       <a:buNone/>
       <a:tabLst/>
-      <a:defRPr kumimoji="0" sz="1598" b="0" i="0" u="none" strike="noStrike" cap="none" spc="0" normalizeH="0" baseline="0">
+      <a:defRPr kumimoji="0" sz="1200" b="0" i="0" u="none" strike="noStrike" cap="none" spc="0" normalizeH="0" baseline="0">
         <a:ln>
           <a:noFill/>
         </a:ln>
@@ -279,7 +279,7 @@
         <a:sym typeface="Calibri"/>
       </a:defRPr>
     </a:lvl8pPr>
-    <a:lvl9pPr marL="0" marR="0" indent="3479200" algn="l" defTabSz="434900" rtl="0" fontAlgn="auto" latinLnBrk="0" hangingPunct="0">
+    <a:lvl9pPr marL="0" marR="0" indent="2611835" algn="l" defTabSz="326479" rtl="0" fontAlgn="auto" latinLnBrk="0" hangingPunct="0">
       <a:lnSpc>
         <a:spcPct val="100000"/>
       </a:lnSpc>
@@ -294,7 +294,7 @@
       <a:buFontTx/>
       <a:buNone/>
       <a:tabLst/>
-      <a:defRPr kumimoji="0" sz="1598" b="0" i="0" u="none" strike="noStrike" cap="none" spc="0" normalizeH="0" baseline="0">
+      <a:defRPr kumimoji="0" sz="1200" b="0" i="0" u="none" strike="noStrike" cap="none" spc="0" normalizeH="0" baseline="0">
         <a:ln>
           <a:noFill/>
         </a:ln>
@@ -313,12 +313,12 @@
   <p:extLst>
     <p:ext uri="{EFAFB233-063F-42B5-8137-9DF3F51BA10A}">
       <p15:sldGuideLst xmlns:p15="http://schemas.microsoft.com/office/powerpoint/2012/main">
-        <p15:guide id="1" orient="horz" pos="13482" userDrawn="1">
+        <p15:guide id="1" orient="horz" pos="10368" userDrawn="1">
           <p15:clr>
             <a:srgbClr val="A4A3A4"/>
           </p15:clr>
         </p15:guide>
-        <p15:guide id="2" pos="9536" userDrawn="1">
+        <p15:guide id="2" pos="6912" userDrawn="1">
           <p15:clr>
             <a:srgbClr val="A4A3A4"/>
           </p15:clr>
@@ -363,8 +363,8 @@
         </p:nvSpPr>
         <p:spPr>
           <a:xfrm>
-            <a:off x="2216150" y="685800"/>
-            <a:ext cx="2425700" cy="3429000"/>
+            <a:off x="2286000" y="685800"/>
+            <a:ext cx="2286000" cy="3429000"/>
           </a:xfrm>
           <a:prstGeom prst="rect">
             <a:avLst/>
@@ -409,72 +409,72 @@
   </p:cSld>
   <p:clrMap bg1="lt1" tx1="dk1" bg2="lt2" tx2="dk2" accent1="accent1" accent2="accent2" accent3="accent3" accent4="accent4" accent5="accent5" accent6="accent6" hlink="hlink" folHlink="folHlink"/>
   <p:notesStyle>
-    <a:lvl1pPr defTabSz="3507032" latinLnBrk="0">
-      <a:defRPr sz="4528">
+    <a:lvl1pPr defTabSz="2632729" latinLnBrk="0">
+      <a:defRPr sz="3399">
         <a:latin typeface="+mn-lt"/>
         <a:ea typeface="+mn-ea"/>
         <a:cs typeface="+mn-cs"/>
         <a:sym typeface="Calibri"/>
       </a:defRPr>
     </a:lvl1pPr>
-    <a:lvl2pPr indent="304465" defTabSz="3507032" latinLnBrk="0">
-      <a:defRPr sz="4528">
+    <a:lvl2pPr indent="228562" defTabSz="2632729" latinLnBrk="0">
+      <a:defRPr sz="3399">
         <a:latin typeface="+mn-lt"/>
         <a:ea typeface="+mn-ea"/>
         <a:cs typeface="+mn-cs"/>
         <a:sym typeface="Calibri"/>
       </a:defRPr>
     </a:lvl2pPr>
-    <a:lvl3pPr indent="608934" defTabSz="3507032" latinLnBrk="0">
-      <a:defRPr sz="4528">
+    <a:lvl3pPr indent="457127" defTabSz="2632729" latinLnBrk="0">
+      <a:defRPr sz="3399">
         <a:latin typeface="+mn-lt"/>
         <a:ea typeface="+mn-ea"/>
         <a:cs typeface="+mn-cs"/>
         <a:sym typeface="Calibri"/>
       </a:defRPr>
     </a:lvl3pPr>
-    <a:lvl4pPr indent="913399" defTabSz="3507032" latinLnBrk="0">
-      <a:defRPr sz="4528">
+    <a:lvl4pPr indent="685689" defTabSz="2632729" latinLnBrk="0">
+      <a:defRPr sz="3399">
         <a:latin typeface="+mn-lt"/>
         <a:ea typeface="+mn-ea"/>
         <a:cs typeface="+mn-cs"/>
         <a:sym typeface="Calibri"/>
       </a:defRPr>
     </a:lvl4pPr>
-    <a:lvl5pPr indent="1217868" defTabSz="3507032" latinLnBrk="0">
-      <a:defRPr sz="4528">
+    <a:lvl5pPr indent="914254" defTabSz="2632729" latinLnBrk="0">
+      <a:defRPr sz="3399">
         <a:latin typeface="+mn-lt"/>
         <a:ea typeface="+mn-ea"/>
         <a:cs typeface="+mn-cs"/>
         <a:sym typeface="Calibri"/>
       </a:defRPr>
     </a:lvl5pPr>
-    <a:lvl6pPr indent="1522333" defTabSz="3507032" latinLnBrk="0">
-      <a:defRPr sz="4528">
+    <a:lvl6pPr indent="1142815" defTabSz="2632729" latinLnBrk="0">
+      <a:defRPr sz="3399">
         <a:latin typeface="+mn-lt"/>
         <a:ea typeface="+mn-ea"/>
         <a:cs typeface="+mn-cs"/>
         <a:sym typeface="Calibri"/>
       </a:defRPr>
     </a:lvl6pPr>
-    <a:lvl7pPr indent="1826798" defTabSz="3507032" latinLnBrk="0">
-      <a:defRPr sz="4528">
+    <a:lvl7pPr indent="1371377" defTabSz="2632729" latinLnBrk="0">
+      <a:defRPr sz="3399">
         <a:latin typeface="+mn-lt"/>
         <a:ea typeface="+mn-ea"/>
         <a:cs typeface="+mn-cs"/>
         <a:sym typeface="Calibri"/>
       </a:defRPr>
     </a:lvl7pPr>
-    <a:lvl8pPr indent="2131267" defTabSz="3507032" latinLnBrk="0">
-      <a:defRPr sz="4528">
+    <a:lvl8pPr indent="1599942" defTabSz="2632729" latinLnBrk="0">
+      <a:defRPr sz="3399">
         <a:latin typeface="+mn-lt"/>
         <a:ea typeface="+mn-ea"/>
         <a:cs typeface="+mn-cs"/>
         <a:sym typeface="Calibri"/>
       </a:defRPr>
     </a:lvl8pPr>
-    <a:lvl9pPr indent="2435732" defTabSz="3507032" latinLnBrk="0">
-      <a:defRPr sz="4528">
+    <a:lvl9pPr indent="1828504" defTabSz="2632729" latinLnBrk="0">
+      <a:defRPr sz="3399">
         <a:latin typeface="+mn-lt"/>
         <a:ea typeface="+mn-ea"/>
         <a:cs typeface="+mn-cs"/>
@@ -514,8 +514,8 @@
         </p:nvSpPr>
         <p:spPr>
           <a:xfrm>
-            <a:off x="2216150" y="685800"/>
-            <a:ext cx="2425700" cy="3429000"/>
+            <a:off x="2286000" y="685800"/>
+            <a:ext cx="2286000" cy="3429000"/>
           </a:xfrm>
         </p:spPr>
       </p:sp>
@@ -692,8 +692,8 @@
         </p:nvSpPr>
         <p:spPr>
           <a:xfrm>
-            <a:off x="1513761" y="574684"/>
-            <a:ext cx="27247692" cy="9412866"/>
+            <a:off x="1097280" y="441963"/>
+            <a:ext cx="19751040" cy="7239001"/>
           </a:xfrm>
           <a:prstGeom prst="rect">
             <a:avLst/>
@@ -729,8 +729,8 @@
         </p:nvSpPr>
         <p:spPr>
           <a:xfrm>
-            <a:off x="1513761" y="9987546"/>
-            <a:ext cx="27247692" cy="32816222"/>
+            <a:off x="1097280" y="7680961"/>
+            <a:ext cx="19751040" cy="25237443"/>
           </a:xfrm>
           <a:prstGeom prst="rect">
             <a:avLst/>
@@ -790,8 +790,8 @@
         </p:nvSpPr>
         <p:spPr>
           <a:xfrm>
-            <a:off x="21364457" y="39503627"/>
-            <a:ext cx="332781" cy="338234"/>
+            <a:off x="15452609" y="30371979"/>
+            <a:ext cx="275073" cy="276999"/>
           </a:xfrm>
           <a:prstGeom prst="rect">
             <a:avLst/>
@@ -825,7 +825,7 @@
   <p:transition spd="med"/>
   <p:txStyles>
     <p:titleStyle>
-      <a:lvl1pPr marL="0" marR="0" indent="0" algn="l" defTabSz="2691594" rtl="0" latinLnBrk="0">
+      <a:lvl1pPr marL="0" marR="0" indent="0" algn="l" defTabSz="1951136" rtl="0" latinLnBrk="0">
         <a:lnSpc>
           <a:spcPct val="90000"/>
         </a:lnSpc>
@@ -840,7 +840,7 @@
         <a:buFontTx/>
         <a:buNone/>
         <a:tabLst/>
-        <a:defRPr sz="12878" b="0" i="0" u="none" strike="noStrike" cap="none" spc="0" baseline="0">
+        <a:defRPr sz="9335" b="0" i="0" u="none" strike="noStrike" cap="none" spc="0" baseline="0">
           <a:solidFill>
             <a:srgbClr val="000000"/>
           </a:solidFill>
@@ -851,7 +851,7 @@
           <a:sym typeface="Calibri Light"/>
         </a:defRPr>
       </a:lvl1pPr>
-      <a:lvl2pPr marL="0" marR="0" indent="0" algn="l" defTabSz="2691594" rtl="0" latinLnBrk="0">
+      <a:lvl2pPr marL="0" marR="0" indent="0" algn="l" defTabSz="1951136" rtl="0" latinLnBrk="0">
         <a:lnSpc>
           <a:spcPct val="90000"/>
         </a:lnSpc>
@@ -866,7 +866,7 @@
         <a:buFontTx/>
         <a:buNone/>
         <a:tabLst/>
-        <a:defRPr sz="12878" b="0" i="0" u="none" strike="noStrike" cap="none" spc="0" baseline="0">
+        <a:defRPr sz="9335" b="0" i="0" u="none" strike="noStrike" cap="none" spc="0" baseline="0">
           <a:solidFill>
             <a:srgbClr val="000000"/>
           </a:solidFill>
@@ -877,7 +877,7 @@
           <a:sym typeface="Calibri Light"/>
         </a:defRPr>
       </a:lvl2pPr>
-      <a:lvl3pPr marL="0" marR="0" indent="0" algn="l" defTabSz="2691594" rtl="0" latinLnBrk="0">
+      <a:lvl3pPr marL="0" marR="0" indent="0" algn="l" defTabSz="1951136" rtl="0" latinLnBrk="0">
         <a:lnSpc>
           <a:spcPct val="90000"/>
         </a:lnSpc>
@@ -892,7 +892,7 @@
         <a:buFontTx/>
         <a:buNone/>
         <a:tabLst/>
-        <a:defRPr sz="12878" b="0" i="0" u="none" strike="noStrike" cap="none" spc="0" baseline="0">
+        <a:defRPr sz="9335" b="0" i="0" u="none" strike="noStrike" cap="none" spc="0" baseline="0">
           <a:solidFill>
             <a:srgbClr val="000000"/>
           </a:solidFill>
@@ -903,7 +903,7 @@
           <a:sym typeface="Calibri Light"/>
         </a:defRPr>
       </a:lvl3pPr>
-      <a:lvl4pPr marL="0" marR="0" indent="0" algn="l" defTabSz="2691594" rtl="0" latinLnBrk="0">
+      <a:lvl4pPr marL="0" marR="0" indent="0" algn="l" defTabSz="1951136" rtl="0" latinLnBrk="0">
         <a:lnSpc>
           <a:spcPct val="90000"/>
         </a:lnSpc>
@@ -918,7 +918,7 @@
         <a:buFontTx/>
         <a:buNone/>
         <a:tabLst/>
-        <a:defRPr sz="12878" b="0" i="0" u="none" strike="noStrike" cap="none" spc="0" baseline="0">
+        <a:defRPr sz="9335" b="0" i="0" u="none" strike="noStrike" cap="none" spc="0" baseline="0">
           <a:solidFill>
             <a:srgbClr val="000000"/>
           </a:solidFill>
@@ -929,7 +929,7 @@
           <a:sym typeface="Calibri Light"/>
         </a:defRPr>
       </a:lvl4pPr>
-      <a:lvl5pPr marL="0" marR="0" indent="0" algn="l" defTabSz="2691594" rtl="0" latinLnBrk="0">
+      <a:lvl5pPr marL="0" marR="0" indent="0" algn="l" defTabSz="1951136" rtl="0" latinLnBrk="0">
         <a:lnSpc>
           <a:spcPct val="90000"/>
         </a:lnSpc>
@@ -944,7 +944,7 @@
         <a:buFontTx/>
         <a:buNone/>
         <a:tabLst/>
-        <a:defRPr sz="12878" b="0" i="0" u="none" strike="noStrike" cap="none" spc="0" baseline="0">
+        <a:defRPr sz="9335" b="0" i="0" u="none" strike="noStrike" cap="none" spc="0" baseline="0">
           <a:solidFill>
             <a:srgbClr val="000000"/>
           </a:solidFill>
@@ -955,7 +955,7 @@
           <a:sym typeface="Calibri Light"/>
         </a:defRPr>
       </a:lvl5pPr>
-      <a:lvl6pPr marL="0" marR="0" indent="0" algn="l" defTabSz="2691594" rtl="0" latinLnBrk="0">
+      <a:lvl6pPr marL="0" marR="0" indent="0" algn="l" defTabSz="1951136" rtl="0" latinLnBrk="0">
         <a:lnSpc>
           <a:spcPct val="90000"/>
         </a:lnSpc>
@@ -970,7 +970,7 @@
         <a:buFontTx/>
         <a:buNone/>
         <a:tabLst/>
-        <a:defRPr sz="12878" b="0" i="0" u="none" strike="noStrike" cap="none" spc="0" baseline="0">
+        <a:defRPr sz="9335" b="0" i="0" u="none" strike="noStrike" cap="none" spc="0" baseline="0">
           <a:solidFill>
             <a:srgbClr val="000000"/>
           </a:solidFill>
@@ -981,7 +981,7 @@
           <a:sym typeface="Calibri Light"/>
         </a:defRPr>
       </a:lvl6pPr>
-      <a:lvl7pPr marL="0" marR="0" indent="0" algn="l" defTabSz="2691594" rtl="0" latinLnBrk="0">
+      <a:lvl7pPr marL="0" marR="0" indent="0" algn="l" defTabSz="1951136" rtl="0" latinLnBrk="0">
         <a:lnSpc>
           <a:spcPct val="90000"/>
         </a:lnSpc>
@@ -996,7 +996,7 @@
         <a:buFontTx/>
         <a:buNone/>
         <a:tabLst/>
-        <a:defRPr sz="12878" b="0" i="0" u="none" strike="noStrike" cap="none" spc="0" baseline="0">
+        <a:defRPr sz="9335" b="0" i="0" u="none" strike="noStrike" cap="none" spc="0" baseline="0">
           <a:solidFill>
             <a:srgbClr val="000000"/>
           </a:solidFill>
@@ -1007,7 +1007,7 @@
           <a:sym typeface="Calibri Light"/>
         </a:defRPr>
       </a:lvl7pPr>
-      <a:lvl8pPr marL="0" marR="0" indent="0" algn="l" defTabSz="2691594" rtl="0" latinLnBrk="0">
+      <a:lvl8pPr marL="0" marR="0" indent="0" algn="l" defTabSz="1951136" rtl="0" latinLnBrk="0">
         <a:lnSpc>
           <a:spcPct val="90000"/>
         </a:lnSpc>
@@ -1022,7 +1022,7 @@
         <a:buFontTx/>
         <a:buNone/>
         <a:tabLst/>
-        <a:defRPr sz="12878" b="0" i="0" u="none" strike="noStrike" cap="none" spc="0" baseline="0">
+        <a:defRPr sz="9335" b="0" i="0" u="none" strike="noStrike" cap="none" spc="0" baseline="0">
           <a:solidFill>
             <a:srgbClr val="000000"/>
           </a:solidFill>
@@ -1033,7 +1033,7 @@
           <a:sym typeface="Calibri Light"/>
         </a:defRPr>
       </a:lvl8pPr>
-      <a:lvl9pPr marL="0" marR="0" indent="0" algn="l" defTabSz="2691594" rtl="0" latinLnBrk="0">
+      <a:lvl9pPr marL="0" marR="0" indent="0" algn="l" defTabSz="1951136" rtl="0" latinLnBrk="0">
         <a:lnSpc>
           <a:spcPct val="90000"/>
         </a:lnSpc>
@@ -1048,7 +1048,7 @@
         <a:buFontTx/>
         <a:buNone/>
         <a:tabLst/>
-        <a:defRPr sz="12878" b="0" i="0" u="none" strike="noStrike" cap="none" spc="0" baseline="0">
+        <a:defRPr sz="9335" b="0" i="0" u="none" strike="noStrike" cap="none" spc="0" baseline="0">
           <a:solidFill>
             <a:srgbClr val="000000"/>
           </a:solidFill>
@@ -1061,12 +1061,12 @@
       </a:lvl9pPr>
     </p:titleStyle>
     <p:bodyStyle>
-      <a:lvl1pPr marL="672898" marR="0" indent="-672898" algn="l" defTabSz="2691594" rtl="0" latinLnBrk="0">
+      <a:lvl1pPr marL="487784" marR="0" indent="-487784" algn="l" defTabSz="1951136" rtl="0" latinLnBrk="0">
         <a:lnSpc>
           <a:spcPct val="90000"/>
         </a:lnSpc>
         <a:spcBef>
-          <a:spcPts val="2942"/>
+          <a:spcPts val="2133"/>
         </a:spcBef>
         <a:spcAft>
           <a:spcPts val="0"/>
@@ -1076,7 +1076,7 @@
         <a:buFont typeface="Arial"/>
         <a:buChar char="•"/>
         <a:tabLst/>
-        <a:defRPr sz="8186" b="0" i="0" u="none" strike="noStrike" cap="none" spc="0" baseline="0">
+        <a:defRPr sz="5934" b="0" i="0" u="none" strike="noStrike" cap="none" spc="0" baseline="0">
           <a:solidFill>
             <a:srgbClr val="000000"/>
           </a:solidFill>
@@ -1087,12 +1087,12 @@
           <a:sym typeface="Calibri"/>
         </a:defRPr>
       </a:lvl1pPr>
-      <a:lvl2pPr marL="2133797" marR="0" indent="-788000" algn="l" defTabSz="2691594" rtl="0" latinLnBrk="0">
+      <a:lvl2pPr marL="1546789" marR="0" indent="-571221" algn="l" defTabSz="1951136" rtl="0" latinLnBrk="0">
         <a:lnSpc>
           <a:spcPct val="90000"/>
         </a:lnSpc>
         <a:spcBef>
-          <a:spcPts val="2942"/>
+          <a:spcPts val="2133"/>
         </a:spcBef>
         <a:spcAft>
           <a:spcPts val="0"/>
@@ -1102,7 +1102,7 @@
         <a:buFont typeface="Arial"/>
         <a:buChar char="•"/>
         <a:tabLst/>
-        <a:defRPr sz="8186" b="0" i="0" u="none" strike="noStrike" cap="none" spc="0" baseline="0">
+        <a:defRPr sz="5934" b="0" i="0" u="none" strike="noStrike" cap="none" spc="0" baseline="0">
           <a:solidFill>
             <a:srgbClr val="000000"/>
           </a:solidFill>
@@ -1113,12 +1113,12 @@
           <a:sym typeface="Calibri"/>
         </a:defRPr>
       </a:lvl2pPr>
-      <a:lvl3pPr marL="3627345" marR="0" indent="-935751" algn="l" defTabSz="2691594" rtl="0" latinLnBrk="0">
+      <a:lvl3pPr marL="2629462" marR="0" indent="-678326" algn="l" defTabSz="1951136" rtl="0" latinLnBrk="0">
         <a:lnSpc>
           <a:spcPct val="90000"/>
         </a:lnSpc>
         <a:spcBef>
-          <a:spcPts val="2942"/>
+          <a:spcPts val="2133"/>
         </a:spcBef>
         <a:spcAft>
           <a:spcPts val="0"/>
@@ -1128,7 +1128,7 @@
         <a:buFont typeface="Arial"/>
         <a:buChar char="•"/>
         <a:tabLst/>
-        <a:defRPr sz="8186" b="0" i="0" u="none" strike="noStrike" cap="none" spc="0" baseline="0">
+        <a:defRPr sz="5934" b="0" i="0" u="none" strike="noStrike" cap="none" spc="0" baseline="0">
           <a:solidFill>
             <a:srgbClr val="000000"/>
           </a:solidFill>
@@ -1139,12 +1139,12 @@
           <a:sym typeface="Calibri"/>
         </a:defRPr>
       </a:lvl3pPr>
-      <a:lvl4pPr marL="5088058" marR="0" indent="-1050667" algn="l" defTabSz="2691594" rtl="0" latinLnBrk="0">
+      <a:lvl4pPr marL="3688333" marR="0" indent="-761629" algn="l" defTabSz="1951136" rtl="0" latinLnBrk="0">
         <a:lnSpc>
           <a:spcPct val="90000"/>
         </a:lnSpc>
         <a:spcBef>
-          <a:spcPts val="2942"/>
+          <a:spcPts val="2133"/>
         </a:spcBef>
         <a:spcAft>
           <a:spcPts val="0"/>
@@ -1154,7 +1154,7 @@
         <a:buFont typeface="Arial"/>
         <a:buChar char="•"/>
         <a:tabLst/>
-        <a:defRPr sz="8186" b="0" i="0" u="none" strike="noStrike" cap="none" spc="0" baseline="0">
+        <a:defRPr sz="5934" b="0" i="0" u="none" strike="noStrike" cap="none" spc="0" baseline="0">
           <a:solidFill>
             <a:srgbClr val="000000"/>
           </a:solidFill>
@@ -1165,12 +1165,12 @@
           <a:sym typeface="Calibri"/>
         </a:defRPr>
       </a:lvl4pPr>
-      <a:lvl5pPr marL="6433855" marR="0" indent="-1050667" algn="l" defTabSz="2691594" rtl="0" latinLnBrk="0">
+      <a:lvl5pPr marL="4663901" marR="0" indent="-761629" algn="l" defTabSz="1951136" rtl="0" latinLnBrk="0">
         <a:lnSpc>
           <a:spcPct val="90000"/>
         </a:lnSpc>
         <a:spcBef>
-          <a:spcPts val="2942"/>
+          <a:spcPts val="2133"/>
         </a:spcBef>
         <a:spcAft>
           <a:spcPts val="0"/>
@@ -1180,7 +1180,7 @@
         <a:buFont typeface="Arial"/>
         <a:buChar char="•"/>
         <a:tabLst/>
-        <a:defRPr sz="8186" b="0" i="0" u="none" strike="noStrike" cap="none" spc="0" baseline="0">
+        <a:defRPr sz="5934" b="0" i="0" u="none" strike="noStrike" cap="none" spc="0" baseline="0">
           <a:solidFill>
             <a:srgbClr val="000000"/>
           </a:solidFill>
@@ -1191,12 +1191,12 @@
           <a:sym typeface="Calibri"/>
         </a:defRPr>
       </a:lvl5pPr>
-      <a:lvl6pPr marL="7779651" marR="0" indent="-1050667" algn="l" defTabSz="2691594" rtl="0" latinLnBrk="0">
+      <a:lvl6pPr marL="5639469" marR="0" indent="-761629" algn="l" defTabSz="1951136" rtl="0" latinLnBrk="0">
         <a:lnSpc>
           <a:spcPct val="90000"/>
         </a:lnSpc>
         <a:spcBef>
-          <a:spcPts val="2942"/>
+          <a:spcPts val="2133"/>
         </a:spcBef>
         <a:spcAft>
           <a:spcPts val="0"/>
@@ -1206,7 +1206,7 @@
         <a:buFont typeface="Arial"/>
         <a:buChar char="•"/>
         <a:tabLst/>
-        <a:defRPr sz="8186" b="0" i="0" u="none" strike="noStrike" cap="none" spc="0" baseline="0">
+        <a:defRPr sz="5934" b="0" i="0" u="none" strike="noStrike" cap="none" spc="0" baseline="0">
           <a:solidFill>
             <a:srgbClr val="000000"/>
           </a:solidFill>
@@ -1217,12 +1217,12 @@
           <a:sym typeface="Calibri"/>
         </a:defRPr>
       </a:lvl6pPr>
-      <a:lvl7pPr marL="9125448" marR="0" indent="-1050667" algn="l" defTabSz="2691594" rtl="0" latinLnBrk="0">
+      <a:lvl7pPr marL="6615037" marR="0" indent="-761629" algn="l" defTabSz="1951136" rtl="0" latinLnBrk="0">
         <a:lnSpc>
           <a:spcPct val="90000"/>
         </a:lnSpc>
         <a:spcBef>
-          <a:spcPts val="2942"/>
+          <a:spcPts val="2133"/>
         </a:spcBef>
         <a:spcAft>
           <a:spcPts val="0"/>
@@ -1232,7 +1232,7 @@
         <a:buFont typeface="Arial"/>
         <a:buChar char="•"/>
         <a:tabLst/>
-        <a:defRPr sz="8186" b="0" i="0" u="none" strike="noStrike" cap="none" spc="0" baseline="0">
+        <a:defRPr sz="5934" b="0" i="0" u="none" strike="noStrike" cap="none" spc="0" baseline="0">
           <a:solidFill>
             <a:srgbClr val="000000"/>
           </a:solidFill>
@@ -1243,12 +1243,12 @@
           <a:sym typeface="Calibri"/>
         </a:defRPr>
       </a:lvl7pPr>
-      <a:lvl8pPr marL="10471248" marR="0" indent="-1050667" algn="l" defTabSz="2691594" rtl="0" latinLnBrk="0">
+      <a:lvl8pPr marL="7590608" marR="0" indent="-761629" algn="l" defTabSz="1951136" rtl="0" latinLnBrk="0">
         <a:lnSpc>
           <a:spcPct val="90000"/>
         </a:lnSpc>
         <a:spcBef>
-          <a:spcPts val="2942"/>
+          <a:spcPts val="2133"/>
         </a:spcBef>
         <a:spcAft>
           <a:spcPts val="0"/>
@@ -1258,7 +1258,7 @@
         <a:buFont typeface="Arial"/>
         <a:buChar char="•"/>
         <a:tabLst/>
-        <a:defRPr sz="8186" b="0" i="0" u="none" strike="noStrike" cap="none" spc="0" baseline="0">
+        <a:defRPr sz="5934" b="0" i="0" u="none" strike="noStrike" cap="none" spc="0" baseline="0">
           <a:solidFill>
             <a:srgbClr val="000000"/>
           </a:solidFill>
@@ -1269,12 +1269,12 @@
           <a:sym typeface="Calibri"/>
         </a:defRPr>
       </a:lvl8pPr>
-      <a:lvl9pPr marL="11817045" marR="0" indent="-1050667" algn="l" defTabSz="2691594" rtl="0" latinLnBrk="0">
+      <a:lvl9pPr marL="8566176" marR="0" indent="-761629" algn="l" defTabSz="1951136" rtl="0" latinLnBrk="0">
         <a:lnSpc>
           <a:spcPct val="90000"/>
         </a:lnSpc>
         <a:spcBef>
-          <a:spcPts val="2942"/>
+          <a:spcPts val="2133"/>
         </a:spcBef>
         <a:spcAft>
           <a:spcPts val="0"/>
@@ -1284,7 +1284,7 @@
         <a:buFont typeface="Arial"/>
         <a:buChar char="•"/>
         <a:tabLst/>
-        <a:defRPr sz="8186" b="0" i="0" u="none" strike="noStrike" cap="none" spc="0" baseline="0">
+        <a:defRPr sz="5934" b="0" i="0" u="none" strike="noStrike" cap="none" spc="0" baseline="0">
           <a:solidFill>
             <a:srgbClr val="000000"/>
           </a:solidFill>
@@ -1297,7 +1297,7 @@
       </a:lvl9pPr>
     </p:bodyStyle>
     <p:otherStyle>
-      <a:lvl1pPr marL="0" marR="0" indent="0" algn="r" defTabSz="300349" rtl="0" latinLnBrk="0">
+      <a:lvl1pPr marL="0" marR="0" indent="0" algn="r" defTabSz="217723" rtl="0" latinLnBrk="0">
         <a:lnSpc>
           <a:spcPct val="100000"/>
         </a:lnSpc>
@@ -1312,7 +1312,7 @@
         <a:buFontTx/>
         <a:buNone/>
         <a:tabLst/>
-        <a:defRPr sz="1104" b="0" i="0" u="none" strike="noStrike" cap="none" spc="0" baseline="0">
+        <a:defRPr sz="800" b="0" i="0" u="none" strike="noStrike" cap="none" spc="0" baseline="0">
           <a:solidFill>
             <a:schemeClr val="tx1"/>
           </a:solidFill>
@@ -1323,7 +1323,7 @@
           <a:sym typeface="Calibri"/>
         </a:defRPr>
       </a:lvl1pPr>
-      <a:lvl2pPr marL="0" marR="0" indent="300349" algn="r" defTabSz="300349" rtl="0" latinLnBrk="0">
+      <a:lvl2pPr marL="0" marR="0" indent="217723" algn="r" defTabSz="217723" rtl="0" latinLnBrk="0">
         <a:lnSpc>
           <a:spcPct val="100000"/>
         </a:lnSpc>
@@ -1338,7 +1338,7 @@
         <a:buFontTx/>
         <a:buNone/>
         <a:tabLst/>
-        <a:defRPr sz="1104" b="0" i="0" u="none" strike="noStrike" cap="none" spc="0" baseline="0">
+        <a:defRPr sz="800" b="0" i="0" u="none" strike="noStrike" cap="none" spc="0" baseline="0">
           <a:solidFill>
             <a:schemeClr val="tx1"/>
           </a:solidFill>
@@ -1349,7 +1349,7 @@
           <a:sym typeface="Calibri"/>
         </a:defRPr>
       </a:lvl2pPr>
-      <a:lvl3pPr marL="0" marR="0" indent="600700" algn="r" defTabSz="300349" rtl="0" latinLnBrk="0">
+      <a:lvl3pPr marL="0" marR="0" indent="435447" algn="r" defTabSz="217723" rtl="0" latinLnBrk="0">
         <a:lnSpc>
           <a:spcPct val="100000"/>
         </a:lnSpc>
@@ -1364,7 +1364,7 @@
         <a:buFontTx/>
         <a:buNone/>
         <a:tabLst/>
-        <a:defRPr sz="1104" b="0" i="0" u="none" strike="noStrike" cap="none" spc="0" baseline="0">
+        <a:defRPr sz="800" b="0" i="0" u="none" strike="noStrike" cap="none" spc="0" baseline="0">
           <a:solidFill>
             <a:schemeClr val="tx1"/>
           </a:solidFill>
@@ -1375,7 +1375,7 @@
           <a:sym typeface="Calibri"/>
         </a:defRPr>
       </a:lvl3pPr>
-      <a:lvl4pPr marL="0" marR="0" indent="901049" algn="r" defTabSz="300349" rtl="0" latinLnBrk="0">
+      <a:lvl4pPr marL="0" marR="0" indent="653170" algn="r" defTabSz="217723" rtl="0" latinLnBrk="0">
         <a:lnSpc>
           <a:spcPct val="100000"/>
         </a:lnSpc>
@@ -1390,7 +1390,7 @@
         <a:buFontTx/>
         <a:buNone/>
         <a:tabLst/>
-        <a:defRPr sz="1104" b="0" i="0" u="none" strike="noStrike" cap="none" spc="0" baseline="0">
+        <a:defRPr sz="800" b="0" i="0" u="none" strike="noStrike" cap="none" spc="0" baseline="0">
           <a:solidFill>
             <a:schemeClr val="tx1"/>
           </a:solidFill>
@@ -1401,7 +1401,7 @@
           <a:sym typeface="Calibri"/>
         </a:defRPr>
       </a:lvl4pPr>
-      <a:lvl5pPr marL="0" marR="0" indent="1201401" algn="r" defTabSz="300349" rtl="0" latinLnBrk="0">
+      <a:lvl5pPr marL="0" marR="0" indent="870896" algn="r" defTabSz="217723" rtl="0" latinLnBrk="0">
         <a:lnSpc>
           <a:spcPct val="100000"/>
         </a:lnSpc>
@@ -1416,7 +1416,7 @@
         <a:buFontTx/>
         <a:buNone/>
         <a:tabLst/>
-        <a:defRPr sz="1104" b="0" i="0" u="none" strike="noStrike" cap="none" spc="0" baseline="0">
+        <a:defRPr sz="800" b="0" i="0" u="none" strike="noStrike" cap="none" spc="0" baseline="0">
           <a:solidFill>
             <a:schemeClr val="tx1"/>
           </a:solidFill>
@@ -1427,7 +1427,7 @@
           <a:sym typeface="Calibri"/>
         </a:defRPr>
       </a:lvl5pPr>
-      <a:lvl6pPr marL="0" marR="0" indent="1501750" algn="r" defTabSz="300349" rtl="0" latinLnBrk="0">
+      <a:lvl6pPr marL="0" marR="0" indent="1088619" algn="r" defTabSz="217723" rtl="0" latinLnBrk="0">
         <a:lnSpc>
           <a:spcPct val="100000"/>
         </a:lnSpc>
@@ -1442,7 +1442,7 @@
         <a:buFontTx/>
         <a:buNone/>
         <a:tabLst/>
-        <a:defRPr sz="1104" b="0" i="0" u="none" strike="noStrike" cap="none" spc="0" baseline="0">
+        <a:defRPr sz="800" b="0" i="0" u="none" strike="noStrike" cap="none" spc="0" baseline="0">
           <a:solidFill>
             <a:schemeClr val="tx1"/>
           </a:solidFill>
@@ -1453,7 +1453,7 @@
           <a:sym typeface="Calibri"/>
         </a:defRPr>
       </a:lvl6pPr>
-      <a:lvl7pPr marL="0" marR="0" indent="1802101" algn="r" defTabSz="300349" rtl="0" latinLnBrk="0">
+      <a:lvl7pPr marL="0" marR="0" indent="1306343" algn="r" defTabSz="217723" rtl="0" latinLnBrk="0">
         <a:lnSpc>
           <a:spcPct val="100000"/>
         </a:lnSpc>
@@ -1468,7 +1468,7 @@
         <a:buFontTx/>
         <a:buNone/>
         <a:tabLst/>
-        <a:defRPr sz="1104" b="0" i="0" u="none" strike="noStrike" cap="none" spc="0" baseline="0">
+        <a:defRPr sz="800" b="0" i="0" u="none" strike="noStrike" cap="none" spc="0" baseline="0">
           <a:solidFill>
             <a:schemeClr val="tx1"/>
           </a:solidFill>
@@ -1479,7 +1479,7 @@
           <a:sym typeface="Calibri"/>
         </a:defRPr>
       </a:lvl7pPr>
-      <a:lvl8pPr marL="0" marR="0" indent="2102450" algn="r" defTabSz="300349" rtl="0" latinLnBrk="0">
+      <a:lvl8pPr marL="0" marR="0" indent="1524066" algn="r" defTabSz="217723" rtl="0" latinLnBrk="0">
         <a:lnSpc>
           <a:spcPct val="100000"/>
         </a:lnSpc>
@@ -1494,7 +1494,7 @@
         <a:buFontTx/>
         <a:buNone/>
         <a:tabLst/>
-        <a:defRPr sz="1104" b="0" i="0" u="none" strike="noStrike" cap="none" spc="0" baseline="0">
+        <a:defRPr sz="800" b="0" i="0" u="none" strike="noStrike" cap="none" spc="0" baseline="0">
           <a:solidFill>
             <a:schemeClr val="tx1"/>
           </a:solidFill>
@@ -1505,7 +1505,7 @@
           <a:sym typeface="Calibri"/>
         </a:defRPr>
       </a:lvl8pPr>
-      <a:lvl9pPr marL="0" marR="0" indent="2402799" algn="r" defTabSz="300349" rtl="0" latinLnBrk="0">
+      <a:lvl9pPr marL="0" marR="0" indent="1741789" algn="r" defTabSz="217723" rtl="0" latinLnBrk="0">
         <a:lnSpc>
           <a:spcPct val="100000"/>
         </a:lnSpc>
@@ -1520,7 +1520,7 @@
         <a:buFontTx/>
         <a:buNone/>
         <a:tabLst/>
-        <a:defRPr sz="1104" b="0" i="0" u="none" strike="noStrike" cap="none" spc="0" baseline="0">
+        <a:defRPr sz="800" b="0" i="0" u="none" strike="noStrike" cap="none" spc="0" baseline="0">
           <a:solidFill>
             <a:schemeClr val="tx1"/>
           </a:solidFill>
@@ -1579,8 +1579,8 @@
         </p:nvSpPr>
         <p:spPr>
           <a:xfrm>
-            <a:off x="726831" y="3376246"/>
-            <a:ext cx="28838769" cy="6309967"/>
+            <a:off x="312515" y="2487162"/>
+            <a:ext cx="21259941" cy="4593739"/>
           </a:xfrm>
           <a:prstGeom prst="rect">
             <a:avLst/>
@@ -1616,40 +1616,16 @@
           </a:fontRef>
         </p:style>
         <p:txBody>
-          <a:bodyPr rot="0" spcFirstLastPara="1" vertOverflow="overflow" horzOverflow="overflow" vert="horz" wrap="square" lIns="45719" tIns="45719" rIns="45719" bIns="45719" numCol="1" spcCol="38100" rtlCol="0" anchor="ctr">
+          <a:bodyPr rot="0" spcFirstLastPara="1" vertOverflow="overflow" horzOverflow="overflow" vert="horz" wrap="square" lIns="33140" tIns="33140" rIns="33140" bIns="33140" numCol="1" spcCol="38100" rtlCol="0" anchor="ctr">
             <a:spAutoFit/>
           </a:bodyPr>
           <a:lstStyle/>
           <a:p>
-            <a:pPr marL="0" marR="0" indent="0" algn="l" defTabSz="326532" rtl="0" fontAlgn="auto" latinLnBrk="0" hangingPunct="0">
-              <a:lnSpc>
-                <a:spcPct val="100000"/>
-              </a:lnSpc>
-              <a:spcBef>
-                <a:spcPts val="0"/>
-              </a:spcBef>
-              <a:spcAft>
-                <a:spcPts val="0"/>
-              </a:spcAft>
-              <a:buClrTx/>
-              <a:buSzTx/>
-              <a:buFontTx/>
-              <a:buNone/>
-              <a:tabLst/>
-            </a:pPr>
-            <a:endParaRPr kumimoji="0" lang="en-NL" sz="1200" b="0" i="0" u="none" strike="noStrike" cap="none" spc="0" normalizeH="0" baseline="0" dirty="0">
-              <a:ln>
-                <a:noFill/>
-              </a:ln>
+            <a:pPr defTabSz="236703"/>
+            <a:endParaRPr lang="en-NL" sz="870" dirty="0">
               <a:solidFill>
                 <a:srgbClr val="000000"/>
               </a:solidFill>
-              <a:effectLst/>
-              <a:uFillTx/>
-              <a:latin typeface="+mn-lt"/>
-              <a:ea typeface="+mn-ea"/>
-              <a:cs typeface="+mn-cs"/>
-              <a:sym typeface="Calibri"/>
             </a:endParaRPr>
           </a:p>
         </p:txBody>
@@ -1668,10 +1644,10 @@
         </p:nvGrpSpPr>
         <p:grpSpPr>
           <a:xfrm>
-            <a:off x="10488675" y="3725030"/>
-            <a:ext cx="9528733" cy="3293504"/>
+            <a:off x="7602930" y="2600986"/>
+            <a:ext cx="6907095" cy="2413100"/>
             <a:chOff x="6345141" y="803610"/>
-            <a:chExt cx="2636520" cy="1044471"/>
+            <a:chExt cx="2636520" cy="1055731"/>
           </a:xfrm>
         </p:grpSpPr>
         <p:sp>
@@ -1689,7 +1665,7 @@
           <p:spPr>
             <a:xfrm>
               <a:off x="6346570" y="803610"/>
-              <a:ext cx="2633663" cy="181933"/>
+              <a:ext cx="2633663" cy="193030"/>
             </a:xfrm>
             <a:prstGeom prst="rect">
               <a:avLst/>
@@ -1704,7 +1680,7 @@
             </a:extLst>
           </p:spPr>
           <p:txBody>
-            <a:bodyPr lIns="42049" rIns="42049">
+            <a:bodyPr lIns="30480" rIns="30480">
               <a:spAutoFit/>
             </a:bodyPr>
             <a:lstStyle>
@@ -1719,7 +1695,7 @@
             </a:lstStyle>
             <a:p>
               <a:r>
-                <a:rPr lang="en-US" sz="3128" dirty="0"/>
+                <a:rPr lang="en-US" sz="2267" dirty="0"/>
                 <a:t>Proof-of-Concept</a:t>
               </a:r>
             </a:p>
@@ -1740,7 +1716,7 @@
           <p:spPr>
             <a:xfrm>
               <a:off x="6345141" y="988422"/>
-              <a:ext cx="2636520" cy="859659"/>
+              <a:ext cx="2636520" cy="870919"/>
             </a:xfrm>
             <a:prstGeom prst="rect">
               <a:avLst/>
@@ -1755,7 +1731,7 @@
             </a:extLst>
           </p:spPr>
           <p:txBody>
-            <a:bodyPr lIns="42049" rIns="42049">
+            <a:bodyPr lIns="30480" rIns="30480">
               <a:spAutoFit/>
             </a:bodyPr>
             <a:lstStyle>
@@ -1776,71 +1752,71 @@
             </a:lstStyle>
             <a:p>
               <a:r>
-                <a:rPr lang="en-GB" sz="2400" b="1" dirty="0">
+                <a:rPr lang="en-GB" sz="1740" b="1" dirty="0">
                   <a:sym typeface="Calibri"/>
                 </a:rPr>
                 <a:t>Figure 1 </a:t>
               </a:r>
               <a:r>
-                <a:rPr lang="en-GB" sz="2400" dirty="0">
+                <a:rPr lang="en-GB" sz="1740" dirty="0">
                   <a:sym typeface="Calibri"/>
                 </a:rPr>
                 <a:t>illustrates the what we understand as Endogenous </a:t>
               </a:r>
               <a:r>
-                <a:rPr lang="en-GB" sz="2400" dirty="0" err="1">
+                <a:rPr lang="en-GB" sz="1740" dirty="0" err="1">
                   <a:sym typeface="Calibri"/>
                 </a:rPr>
                 <a:t>Macrodynamics</a:t>
               </a:r>
               <a:r>
-                <a:rPr lang="en-GB" sz="2400" dirty="0">
+                <a:rPr lang="en-GB" sz="1740" dirty="0">
                   <a:sym typeface="Calibri"/>
                 </a:rPr>
                 <a:t> in Algorithmic Recourse:</a:t>
               </a:r>
             </a:p>
             <a:p>
-              <a:pPr marL="457200" indent="-457200">
+              <a:pPr marL="331424" indent="-331424">
                 <a:buFont typeface="+mj-lt"/>
                 <a:buAutoNum type="alphaLcParenR"/>
               </a:pPr>
               <a:r>
-                <a:rPr lang="en-GB" sz="2400" dirty="0">
+                <a:rPr lang="en-GB" sz="1740" dirty="0">
                   <a:sym typeface="Calibri"/>
                 </a:rPr>
                 <a:t>Simple linear classifier trained for binary classification.</a:t>
               </a:r>
             </a:p>
             <a:p>
-              <a:pPr marL="457200" indent="-457200">
+              <a:pPr marL="331424" indent="-331424">
                 <a:buFont typeface="+mj-lt"/>
                 <a:buAutoNum type="alphaLcParenR"/>
               </a:pPr>
               <a:r>
-                <a:rPr lang="en-GB" sz="2400" dirty="0">
+                <a:rPr lang="en-GB" sz="1740" dirty="0">
                   <a:sym typeface="Calibri"/>
                 </a:rPr>
                 <a:t>Implementation of AR leads to a domain shift.</a:t>
               </a:r>
             </a:p>
             <a:p>
-              <a:pPr marL="457200" indent="-457200">
+              <a:pPr marL="331424" indent="-331424">
                 <a:buFont typeface="+mj-lt"/>
                 <a:buAutoNum type="alphaLcParenR"/>
               </a:pPr>
               <a:r>
-                <a:rPr lang="en-GB" sz="2400" dirty="0"/>
+                <a:rPr lang="en-GB" sz="1740" dirty="0"/>
                 <a:t>Classifier retraining leads to corresponding model shift.</a:t>
               </a:r>
             </a:p>
             <a:p>
-              <a:pPr marL="457200" indent="-457200">
+              <a:pPr marL="331424" indent="-331424">
                 <a:buFont typeface="+mj-lt"/>
                 <a:buAutoNum type="alphaLcParenR"/>
               </a:pPr>
               <a:r>
-                <a:rPr lang="en-GB" sz="2400" dirty="0">
+                <a:rPr lang="en-GB" sz="1740" dirty="0">
                   <a:sym typeface="Calibri"/>
                 </a:rPr>
                 <a:t>Over time decision boundary moves away from target class (blue).</a:t>
@@ -1857,8 +1833,8 @@
         </p:nvSpPr>
         <p:spPr>
           <a:xfrm>
-            <a:off x="966483" y="763483"/>
-            <a:ext cx="13741896" cy="1649041"/>
+            <a:off x="648162" y="399038"/>
+            <a:ext cx="9961091" cy="1220975"/>
           </a:xfrm>
           <a:prstGeom prst="rect">
             <a:avLst/>
@@ -1873,7 +1849,7 @@
           </a:extLst>
         </p:spPr>
         <p:txBody>
-          <a:bodyPr wrap="square" lIns="42049" rIns="42049">
+          <a:bodyPr wrap="square" lIns="30480" rIns="30480">
             <a:spAutoFit/>
           </a:bodyPr>
           <a:lstStyle>
@@ -1888,15 +1864,15 @@
           </a:lstStyle>
           <a:p>
             <a:r>
-              <a:rPr lang="en-GB" sz="5058" dirty="0"/>
+              <a:rPr lang="en-GB" sz="3667" dirty="0"/>
               <a:t>Endogenous </a:t>
             </a:r>
             <a:r>
-              <a:rPr lang="en-GB" sz="5058" dirty="0" err="1"/>
+              <a:rPr lang="en-GB" sz="3667" dirty="0" err="1"/>
               <a:t>Macrodynamics</a:t>
             </a:r>
             <a:r>
-              <a:rPr lang="en-GB" sz="5058" dirty="0"/>
+              <a:rPr lang="en-GB" sz="3667" dirty="0"/>
               <a:t> in Algorithmic Recourse</a:t>
             </a:r>
           </a:p>
@@ -1916,10 +1892,10 @@
         </p:nvGrpSpPr>
         <p:grpSpPr>
           <a:xfrm>
-            <a:off x="974431" y="3735936"/>
-            <a:ext cx="9030223" cy="5595980"/>
+            <a:off x="706337" y="2608890"/>
+            <a:ext cx="6545740" cy="4711497"/>
             <a:chOff x="993360" y="3735937"/>
-            <a:chExt cx="8336695" cy="4761939"/>
+            <a:chExt cx="8336695" cy="5531033"/>
           </a:xfrm>
         </p:grpSpPr>
         <p:sp>
@@ -1931,7 +1907,7 @@
           <p:spPr>
             <a:xfrm>
               <a:off x="993360" y="3735937"/>
-              <a:ext cx="8336695" cy="1055032"/>
+              <a:ext cx="8336695" cy="927519"/>
             </a:xfrm>
             <a:prstGeom prst="rect">
               <a:avLst/>
@@ -1946,7 +1922,7 @@
             </a:extLst>
           </p:spPr>
           <p:txBody>
-            <a:bodyPr lIns="42049" rIns="42049">
+            <a:bodyPr lIns="30480" rIns="30480">
               <a:spAutoFit/>
             </a:bodyPr>
             <a:lstStyle>
@@ -1961,12 +1937,12 @@
             </a:lstStyle>
             <a:p>
               <a:r>
-                <a:rPr lang="en-US" sz="3128" dirty="0"/>
+                <a:rPr lang="en-US" sz="2267" dirty="0"/>
                 <a:t>In a nutshell …</a:t>
               </a:r>
             </a:p>
             <a:p>
-              <a:endParaRPr sz="3128" dirty="0"/>
+              <a:endParaRPr sz="2267" dirty="0"/>
             </a:p>
           </p:txBody>
         </p:sp>
@@ -1978,8 +1954,8 @@
           </p:nvSpPr>
           <p:spPr>
             <a:xfrm>
-              <a:off x="1372861" y="4358089"/>
-              <a:ext cx="7657450" cy="4139787"/>
+              <a:off x="1372862" y="4358089"/>
+              <a:ext cx="7657450" cy="4908881"/>
             </a:xfrm>
             <a:prstGeom prst="rect">
               <a:avLst/>
@@ -1995,7 +1971,7 @@
             </a:extLst>
           </p:spPr>
           <p:txBody>
-            <a:bodyPr wrap="square" lIns="42049" rIns="42049">
+            <a:bodyPr wrap="square" lIns="30480" rIns="30480">
               <a:spAutoFit/>
             </a:bodyPr>
             <a:lstStyle>
@@ -2016,7 +1992,7 @@
             </a:lstStyle>
             <a:p>
               <a:r>
-                <a:rPr lang="en-GB" sz="3600" i="1" dirty="0">
+                <a:rPr lang="en-GB" sz="2610" i="1" dirty="0">
                   <a:sym typeface="Calibri"/>
                 </a:rPr>
                 <a:t>“[…] we run experiments that simulate the application of recourse in practice using various state-of-the-art counterfactual generators and find that [they] induce substantial domain and model shifts.”</a:t>
@@ -2024,19 +2000,19 @@
             </a:p>
             <a:p>
               <a:r>
-                <a:rPr lang="en-GB" sz="3600" i="1" dirty="0">
+                <a:rPr lang="en-GB" sz="2610" i="1" dirty="0">
                   <a:sym typeface="Calibri"/>
                 </a:rPr>
                 <a:t>－ </a:t>
               </a:r>
               <a:r>
-                <a:rPr lang="en-GB" sz="3600" i="1" dirty="0" err="1">
+                <a:rPr lang="en-GB" sz="2610" i="1" dirty="0" err="1">
                   <a:sym typeface="Calibri"/>
                 </a:rPr>
                 <a:t>Altmeyer</a:t>
               </a:r>
               <a:r>
-                <a:rPr lang="en-GB" sz="3600" i="1" dirty="0">
+                <a:rPr lang="en-GB" sz="2610" i="1" dirty="0">
                   <a:sym typeface="Calibri"/>
                 </a:rPr>
                 <a:t> et. al (2023)</a:t>
@@ -2044,12 +2020,12 @@
             </a:p>
             <a:p>
               <a:pPr algn="ctr"/>
-              <a:endParaRPr lang="en-GB" sz="2800" i="1" dirty="0">
+              <a:endParaRPr lang="en-GB" sz="2030" i="1" dirty="0">
                 <a:sym typeface="Calibri"/>
               </a:endParaRPr>
             </a:p>
             <a:p>
-              <a:endParaRPr lang="en-GB" sz="2800" i="1" dirty="0">
+              <a:endParaRPr lang="en-GB" sz="2030" i="1" dirty="0">
                 <a:sym typeface="Calibri"/>
               </a:endParaRPr>
             </a:p>
@@ -2064,8 +2040,8 @@
         </p:nvSpPr>
         <p:spPr>
           <a:xfrm>
-            <a:off x="726831" y="10747687"/>
-            <a:ext cx="13557520" cy="584775"/>
+            <a:off x="526858" y="8736292"/>
+            <a:ext cx="9827443" cy="449354"/>
           </a:xfrm>
           <a:prstGeom prst="rect">
             <a:avLst/>
@@ -2080,7 +2056,7 @@
           </a:extLst>
         </p:spPr>
         <p:txBody>
-          <a:bodyPr lIns="42049" rIns="42049">
+          <a:bodyPr lIns="30480" rIns="30480">
             <a:spAutoFit/>
           </a:bodyPr>
           <a:lstStyle>
@@ -2094,7 +2070,7 @@
             </a:lvl1pPr>
           </a:lstStyle>
           <a:p>
-            <a:endParaRPr sz="3200" dirty="0"/>
+            <a:endParaRPr sz="2320" dirty="0"/>
           </a:p>
         </p:txBody>
       </p:sp>
@@ -2106,8 +2082,8 @@
         </p:nvSpPr>
         <p:spPr>
           <a:xfrm>
-            <a:off x="15566834" y="828090"/>
-            <a:ext cx="6202748" cy="2505751"/>
+            <a:off x="11231522" y="445870"/>
+            <a:ext cx="4496187" cy="1872436"/>
           </a:xfrm>
           <a:prstGeom prst="rect">
             <a:avLst/>
@@ -2122,14 +2098,14 @@
           </a:extLst>
         </p:spPr>
         <p:txBody>
-          <a:bodyPr wrap="square" lIns="42049" rIns="42049">
+          <a:bodyPr wrap="square" lIns="30480" rIns="30480">
             <a:spAutoFit/>
           </a:bodyPr>
           <a:lstStyle/>
           <a:p>
             <a:pPr>
               <a:spcBef>
-                <a:spcPts val="921"/>
+                <a:spcPts val="668"/>
               </a:spcBef>
               <a:defRPr sz="2100">
                 <a:latin typeface="Arial"/>
@@ -2139,32 +2115,32 @@
               </a:defRPr>
             </a:pPr>
             <a:r>
-              <a:rPr lang="en-US" sz="2000" b="1" dirty="0"/>
+              <a:rPr lang="en-US" sz="1450" b="1" dirty="0"/>
               <a:t>Patrick </a:t>
             </a:r>
             <a:r>
-              <a:rPr lang="en-US" sz="2000" b="1" dirty="0" err="1"/>
+              <a:rPr lang="en-US" sz="1450" b="1" dirty="0" err="1"/>
               <a:t>Altmeyer</a:t>
             </a:r>
             <a:r>
-              <a:rPr lang="en-US" sz="2000" b="1" dirty="0"/>
+              <a:rPr lang="en-US" sz="1450" b="1" dirty="0"/>
               <a:t> (</a:t>
             </a:r>
             <a:r>
-              <a:rPr lang="en-US" sz="2000" b="1" dirty="0">
+              <a:rPr lang="en-US" sz="1450" b="1" dirty="0">
                 <a:hlinkClick r:id="rId3"/>
               </a:rPr>
               <a:t>p.altmeyer@tudelft.nl</a:t>
             </a:r>
             <a:r>
-              <a:rPr lang="en-US" sz="2000" b="1" dirty="0"/>
+              <a:rPr lang="en-US" sz="1450" b="1" dirty="0"/>
               <a:t>)</a:t>
             </a:r>
           </a:p>
           <a:p>
             <a:pPr>
               <a:spcBef>
-                <a:spcPts val="921"/>
+                <a:spcPts val="668"/>
               </a:spcBef>
               <a:defRPr sz="2100">
                 <a:latin typeface="Arial"/>
@@ -2174,27 +2150,27 @@
               </a:defRPr>
             </a:pPr>
             <a:r>
-              <a:rPr lang="en-US" sz="1600" dirty="0" err="1"/>
+              <a:rPr lang="en-US" sz="1160" dirty="0" err="1"/>
               <a:t>Giovan</a:t>
             </a:r>
             <a:r>
-              <a:rPr lang="en-US" sz="1600" dirty="0"/>
+              <a:rPr lang="en-US" sz="1160" dirty="0"/>
               <a:t> Angela (</a:t>
             </a:r>
             <a:r>
-              <a:rPr lang="en-US" sz="1600" dirty="0" err="1"/>
+              <a:rPr lang="en-US" sz="1160" dirty="0" err="1"/>
               <a:t>g.j.a.angela@student.tudelft.nl</a:t>
             </a:r>
             <a:r>
-              <a:rPr lang="en-US" sz="1600" dirty="0"/>
+              <a:rPr lang="en-US" sz="1160" dirty="0"/>
               <a:t>)</a:t>
             </a:r>
-            <a:endParaRPr lang="en-US" sz="1600" b="1" dirty="0"/>
+            <a:endParaRPr lang="en-US" sz="1160" b="1" dirty="0"/>
           </a:p>
           <a:p>
             <a:pPr>
               <a:spcBef>
-                <a:spcPts val="921"/>
+                <a:spcPts val="668"/>
               </a:spcBef>
               <a:defRPr sz="2100">
                 <a:latin typeface="Arial"/>
@@ -2204,31 +2180,31 @@
               </a:defRPr>
             </a:pPr>
             <a:r>
-              <a:rPr lang="en-US" sz="1600" dirty="0"/>
+              <a:rPr lang="en-US" sz="1160" dirty="0"/>
               <a:t>Aleksander </a:t>
             </a:r>
             <a:r>
-              <a:rPr lang="en-US" sz="1600" dirty="0" err="1"/>
+              <a:rPr lang="en-US" sz="1160" dirty="0" err="1"/>
               <a:t>Buszydlik</a:t>
             </a:r>
             <a:r>
-              <a:rPr lang="en-US" sz="1600" dirty="0"/>
+              <a:rPr lang="en-US" sz="1160" dirty="0"/>
               <a:t> (</a:t>
             </a:r>
             <a:r>
-              <a:rPr lang="en-US" sz="1600" dirty="0" err="1"/>
+              <a:rPr lang="en-US" sz="1160" dirty="0" err="1"/>
               <a:t>a.j.buszydlik@student.tudelft.nl</a:t>
             </a:r>
             <a:r>
-              <a:rPr lang="en-US" sz="1600" dirty="0"/>
+              <a:rPr lang="en-US" sz="1160" dirty="0"/>
               <a:t>)</a:t>
             </a:r>
-            <a:endParaRPr lang="en-US" sz="1600" b="1" dirty="0"/>
+            <a:endParaRPr lang="en-US" sz="1160" b="1" dirty="0"/>
           </a:p>
           <a:p>
             <a:pPr>
               <a:spcBef>
-                <a:spcPts val="921"/>
+                <a:spcPts val="668"/>
               </a:spcBef>
               <a:defRPr sz="2100">
                 <a:latin typeface="Arial"/>
@@ -2238,31 +2214,31 @@
               </a:defRPr>
             </a:pPr>
             <a:r>
-              <a:rPr lang="en-US" sz="1600" dirty="0"/>
+              <a:rPr lang="en-US" sz="1160" dirty="0"/>
               <a:t>Karol </a:t>
             </a:r>
             <a:r>
-              <a:rPr lang="en-US" sz="1600" dirty="0" err="1"/>
+              <a:rPr lang="en-US" sz="1160" dirty="0" err="1"/>
               <a:t>Dobiczek</a:t>
             </a:r>
             <a:r>
-              <a:rPr lang="en-US" sz="1600" dirty="0"/>
+              <a:rPr lang="en-US" sz="1160" dirty="0"/>
               <a:t> (</a:t>
             </a:r>
             <a:r>
-              <a:rPr lang="en-US" sz="1600" dirty="0" err="1"/>
+              <a:rPr lang="en-US" sz="1160" dirty="0" err="1"/>
               <a:t>k.t.dobiczek@student.tudelft.nl</a:t>
             </a:r>
             <a:r>
-              <a:rPr lang="en-US" sz="1600" dirty="0"/>
+              <a:rPr lang="en-US" sz="1160" dirty="0"/>
               <a:t>)</a:t>
             </a:r>
-            <a:endParaRPr lang="en-US" sz="1600" b="1" dirty="0"/>
+            <a:endParaRPr lang="en-US" sz="1160" b="1" dirty="0"/>
           </a:p>
           <a:p>
             <a:pPr>
               <a:spcBef>
-                <a:spcPts val="921"/>
+                <a:spcPts val="668"/>
               </a:spcBef>
               <a:defRPr sz="2100">
                 <a:latin typeface="Arial"/>
@@ -2272,30 +2248,30 @@
               </a:defRPr>
             </a:pPr>
             <a:r>
-              <a:rPr lang="en-US" sz="1600" dirty="0"/>
+              <a:rPr lang="en-US" sz="1160" dirty="0"/>
               <a:t>Arie van </a:t>
             </a:r>
             <a:r>
-              <a:rPr lang="en-US" sz="1600" dirty="0" err="1"/>
+              <a:rPr lang="en-US" sz="1160" dirty="0" err="1"/>
               <a:t>Deursen</a:t>
             </a:r>
             <a:r>
-              <a:rPr lang="en-US" sz="1600" dirty="0"/>
+              <a:rPr lang="en-US" sz="1160" dirty="0"/>
               <a:t> (</a:t>
             </a:r>
             <a:r>
-              <a:rPr lang="en-US" sz="1600" dirty="0" err="1"/>
+              <a:rPr lang="en-US" sz="1160" dirty="0" err="1"/>
               <a:t>arie.vandeursen@tudelft.nl</a:t>
             </a:r>
             <a:r>
-              <a:rPr lang="en-US" sz="1600" dirty="0"/>
+              <a:rPr lang="en-US" sz="1160" dirty="0"/>
               <a:t>)</a:t>
             </a:r>
           </a:p>
           <a:p>
             <a:pPr>
               <a:spcBef>
-                <a:spcPts val="921"/>
+                <a:spcPts val="668"/>
               </a:spcBef>
               <a:defRPr sz="2100">
                 <a:latin typeface="Arial"/>
@@ -2305,29 +2281,29 @@
               </a:defRPr>
             </a:pPr>
             <a:r>
-              <a:rPr lang="en-US" sz="1600" dirty="0"/>
+              <a:rPr lang="en-US" sz="1160" dirty="0"/>
               <a:t>Cynthia C. S. </a:t>
             </a:r>
             <a:r>
-              <a:rPr lang="en-US" sz="1600" dirty="0" err="1"/>
+              <a:rPr lang="en-US" sz="1160" dirty="0" err="1"/>
               <a:t>Liem</a:t>
             </a:r>
             <a:r>
-              <a:rPr lang="en-US" sz="1600" dirty="0"/>
+              <a:rPr lang="en-US" sz="1160" dirty="0"/>
               <a:t> (</a:t>
             </a:r>
             <a:r>
-              <a:rPr lang="en-US" sz="1600" dirty="0" err="1"/>
+              <a:rPr lang="en-US" sz="1160" dirty="0" err="1"/>
               <a:t>c.c.s.liem@tudelft.nl</a:t>
             </a:r>
             <a:r>
-              <a:rPr lang="en-US" sz="1600" dirty="0"/>
+              <a:rPr lang="en-US" sz="1160" dirty="0"/>
               <a:t>)</a:t>
             </a:r>
             <a:br>
-              <a:rPr sz="1933" dirty="0"/>
+              <a:rPr sz="1401" dirty="0"/>
             </a:br>
-            <a:endParaRPr sz="1933" dirty="0"/>
+            <a:endParaRPr sz="1401" dirty="0"/>
           </a:p>
         </p:txBody>
       </p:sp>
@@ -2345,10 +2321,10 @@
         </p:nvGrpSpPr>
         <p:grpSpPr>
           <a:xfrm>
-            <a:off x="20949118" y="3733520"/>
-            <a:ext cx="8599263" cy="5066297"/>
+            <a:off x="15185393" y="2607139"/>
+            <a:ext cx="6233350" cy="3377019"/>
             <a:chOff x="6345141" y="803610"/>
-            <a:chExt cx="2636520" cy="1606678"/>
+            <a:chExt cx="2636520" cy="1477445"/>
           </a:xfrm>
         </p:grpSpPr>
         <p:sp>
@@ -2360,7 +2336,7 @@
           <p:spPr>
             <a:xfrm>
               <a:off x="6346570" y="803610"/>
-              <a:ext cx="2633663" cy="181933"/>
+              <a:ext cx="2633663" cy="193030"/>
             </a:xfrm>
             <a:prstGeom prst="rect">
               <a:avLst/>
@@ -2375,7 +2351,7 @@
             </a:extLst>
           </p:spPr>
           <p:txBody>
-            <a:bodyPr lIns="42049" rIns="42049">
+            <a:bodyPr lIns="30480" rIns="30480">
               <a:spAutoFit/>
             </a:bodyPr>
             <a:lstStyle>
@@ -2390,7 +2366,7 @@
             </a:lstStyle>
             <a:p>
               <a:r>
-                <a:rPr lang="en-US" sz="3128" dirty="0"/>
+                <a:rPr lang="en-US" sz="2267" dirty="0"/>
                 <a:t>Key Takeaways</a:t>
               </a:r>
             </a:p>
@@ -2405,7 +2381,7 @@
           <p:spPr>
             <a:xfrm>
               <a:off x="6345141" y="988422"/>
-              <a:ext cx="2636520" cy="1421866"/>
+              <a:ext cx="2636520" cy="1292633"/>
             </a:xfrm>
             <a:prstGeom prst="rect">
               <a:avLst/>
@@ -2420,7 +2396,7 @@
             </a:extLst>
           </p:spPr>
           <p:txBody>
-            <a:bodyPr lIns="42049" rIns="42049">
+            <a:bodyPr lIns="30480" rIns="30480">
               <a:spAutoFit/>
             </a:bodyPr>
             <a:lstStyle>
@@ -2440,50 +2416,50 @@
               </a:lvl1pPr>
             </a:lstStyle>
             <a:p>
-              <a:pPr marL="449263" indent="-449263">
+              <a:pPr marL="325671" indent="-325671">
                 <a:buFont typeface=".Apple Color Emoji UI"/>
                 <a:buChar char="🔑"/>
               </a:pPr>
               <a:r>
-                <a:rPr lang="en-GB" sz="2400" dirty="0"/>
+                <a:rPr lang="en-GB" sz="1740" dirty="0"/>
                 <a:t>Our findings indicate that state-of-the-art approaches to Algorithmic Recourse induce substantial domain and model shifts.</a:t>
               </a:r>
-              <a:endParaRPr lang="en-GB" sz="2400" dirty="0">
+              <a:endParaRPr lang="en-GB" sz="1740" dirty="0">
                 <a:sym typeface="Calibri"/>
               </a:endParaRPr>
             </a:p>
             <a:p>
-              <a:pPr marL="449263" indent="-449263">
+              <a:pPr marL="325671" indent="-325671">
                 <a:buFont typeface=".Apple Color Emoji UI"/>
                 <a:buChar char="🔑"/>
               </a:pPr>
               <a:r>
-                <a:rPr lang="en-GB" sz="2400" dirty="0">
+                <a:rPr lang="en-GB" sz="1740" dirty="0">
                   <a:sym typeface="Calibri"/>
                 </a:rPr>
                 <a:t>We would argue that the expected external costs of individual recourse should be shared by all stakeholders.</a:t>
               </a:r>
             </a:p>
             <a:p>
-              <a:pPr marL="449263" indent="-449263">
+              <a:pPr marL="325671" indent="-325671">
                 <a:buFont typeface=".Apple Color Emoji UI"/>
                 <a:buChar char="🔑"/>
               </a:pPr>
               <a:r>
-                <a:rPr lang="en-GB" sz="2400" dirty="0"/>
+                <a:rPr lang="en-GB" sz="1740" dirty="0"/>
                 <a:t>A straightforward way to achieve this is to penalize external costs in the counterfactual search objective function.</a:t>
               </a:r>
             </a:p>
             <a:p>
-              <a:pPr marL="449263" indent="-449263">
+              <a:pPr marL="325671" indent="-325671">
                 <a:buFont typeface=".Apple Color Emoji UI"/>
                 <a:buChar char="🔑"/>
               </a:pPr>
               <a:r>
-                <a:rPr lang="en-GB" sz="2400" dirty="0"/>
+                <a:rPr lang="en-GB" sz="1740" dirty="0"/>
                 <a:t>Various simple strategies based on this notion can be effectively used to mitigate shifts.</a:t>
               </a:r>
-              <a:endParaRPr lang="en-GB" sz="2400" dirty="0">
+              <a:endParaRPr lang="en-GB" sz="1740" dirty="0">
                 <a:sym typeface="Calibri"/>
               </a:endParaRPr>
             </a:p>
@@ -2517,8 +2493,8 @@
         </p:blipFill>
         <p:spPr>
           <a:xfrm>
-            <a:off x="21021425" y="771544"/>
-            <a:ext cx="4783548" cy="1957515"/>
+            <a:off x="15185392" y="404882"/>
+            <a:ext cx="3467451" cy="1418944"/>
           </a:xfrm>
           <a:prstGeom prst="rect">
             <a:avLst/>
@@ -2556,8 +2532,8 @@
         </p:blipFill>
         <p:spPr>
           <a:xfrm>
-            <a:off x="26290176" y="1223497"/>
-            <a:ext cx="2968110" cy="1306912"/>
+            <a:off x="19004553" y="732488"/>
+            <a:ext cx="2151495" cy="947342"/>
           </a:xfrm>
           <a:prstGeom prst="rect">
             <a:avLst/>
@@ -2578,10 +2554,10 @@
         </p:nvGrpSpPr>
         <p:grpSpPr>
           <a:xfrm>
-            <a:off x="726831" y="23575619"/>
-            <a:ext cx="13700506" cy="10529298"/>
+            <a:off x="526858" y="17626315"/>
+            <a:ext cx="9931089" cy="7657858"/>
             <a:chOff x="726831" y="10039801"/>
-            <a:chExt cx="13700506" cy="10529298"/>
+            <a:chExt cx="13700506" cy="10564454"/>
           </a:xfrm>
         </p:grpSpPr>
         <p:sp>
@@ -2593,7 +2569,7 @@
           <p:spPr>
             <a:xfrm>
               <a:off x="726831" y="10757231"/>
-              <a:ext cx="13557520" cy="2630079"/>
+              <a:ext cx="13557520" cy="2665487"/>
             </a:xfrm>
             <a:prstGeom prst="rect">
               <a:avLst/>
@@ -2608,7 +2584,7 @@
             </a:extLst>
           </p:spPr>
           <p:txBody>
-            <a:bodyPr lIns="42049" rIns="42049">
+            <a:bodyPr lIns="30480" rIns="30480">
               <a:spAutoFit/>
             </a:bodyPr>
             <a:lstStyle>
@@ -2628,43 +2604,43 @@
               </a:lvl1pPr>
             </a:lstStyle>
             <a:p>
-              <a:pPr marL="457200" indent="-457200" algn="l" fontAlgn="base">
+              <a:pPr marL="331424" indent="-331424" fontAlgn="base">
                 <a:buFont typeface="Arial" panose="020B0604020202020204" pitchFamily="34" charset="0"/>
                 <a:buChar char="•"/>
               </a:pPr>
               <a:r>
-                <a:rPr lang="en-GB" sz="2800" b="1" dirty="0"/>
+                <a:rPr lang="en-GB" sz="2030" b="1" dirty="0"/>
                 <a:t>Counterfactual Explanation </a:t>
               </a:r>
               <a:r>
-                <a:rPr lang="en-GB" sz="2800" dirty="0"/>
+                <a:rPr lang="en-GB" sz="2030" dirty="0"/>
                 <a:t>(CE) explain how inputs into a model need to change for it to produce different outputs.</a:t>
               </a:r>
             </a:p>
             <a:p>
-              <a:pPr marL="457200" indent="-457200" algn="l" fontAlgn="base">
+              <a:pPr marL="331424" indent="-331424" fontAlgn="base">
                 <a:buFont typeface="Arial" panose="020B0604020202020204" pitchFamily="34" charset="0"/>
                 <a:buChar char="•"/>
               </a:pPr>
               <a:r>
-                <a:rPr lang="en-GB" sz="2800" dirty="0"/>
+                <a:rPr lang="en-GB" sz="2030" dirty="0"/>
                 <a:t>Counterfactual Explanations that involve realistic and actionable changes can be used for the purpose of </a:t>
               </a:r>
               <a:r>
-                <a:rPr lang="en-GB" sz="2800" b="1" dirty="0"/>
+                <a:rPr lang="en-GB" sz="2030" b="1" dirty="0"/>
                 <a:t>Algorithmic Recourse </a:t>
               </a:r>
               <a:r>
-                <a:rPr lang="en-GB" sz="2800" dirty="0"/>
+                <a:rPr lang="en-GB" sz="2030" dirty="0"/>
                 <a:t>(AR).</a:t>
               </a:r>
             </a:p>
             <a:p>
-              <a:pPr marL="457200" indent="-457200" algn="l" fontAlgn="base">
+              <a:pPr marL="331424" indent="-331424" fontAlgn="base">
                 <a:buFont typeface="Arial" panose="020B0604020202020204" pitchFamily="34" charset="0"/>
                 <a:buChar char="•"/>
               </a:pPr>
-              <a:endParaRPr lang="en-GB" sz="2800" dirty="0"/>
+              <a:endParaRPr lang="en-GB" sz="2030" dirty="0"/>
             </a:p>
           </p:txBody>
         </p:sp>
@@ -2683,9 +2659,9 @@
           <p:grpSpPr>
             <a:xfrm>
               <a:off x="1385503" y="13056366"/>
-              <a:ext cx="12240173" cy="7512733"/>
+              <a:ext cx="12240173" cy="7547889"/>
               <a:chOff x="16719226" y="9957247"/>
-              <a:chExt cx="12240173" cy="7512733"/>
+              <a:chExt cx="12240173" cy="7547889"/>
             </a:xfrm>
           </p:grpSpPr>
           <p:sp>
@@ -2697,7 +2673,7 @@
             <p:spPr>
               <a:xfrm>
                 <a:off x="16719226" y="16762094"/>
-                <a:ext cx="12240173" cy="707886"/>
+                <a:ext cx="12240173" cy="743042"/>
               </a:xfrm>
               <a:prstGeom prst="rect">
                 <a:avLst/>
@@ -2712,7 +2688,7 @@
               </a:extLst>
             </p:spPr>
             <p:txBody>
-              <a:bodyPr wrap="square" lIns="42049" rIns="42049">
+              <a:bodyPr wrap="square" lIns="30480" rIns="30480">
                 <a:spAutoFit/>
               </a:bodyPr>
               <a:lstStyle>
@@ -2730,15 +2706,15 @@
               </a:lstStyle>
               <a:p>
                 <a:r>
-                  <a:rPr lang="en-GB" sz="2000" dirty="0"/>
+                  <a:rPr lang="en-GB" sz="1450" dirty="0"/>
                   <a:t>Figure 2: Generating a counterfactual for </a:t>
                 </a:r>
                 <a:r>
-                  <a:rPr lang="en-NL" sz="2000" dirty="0"/>
+                  <a:rPr lang="en-NL" sz="1450" dirty="0"/>
                   <a:t>🐱 following Wachter et al. (2018)</a:t>
                 </a:r>
                 <a:r>
-                  <a:rPr lang="en-GB" sz="2000" dirty="0"/>
+                  <a:rPr lang="en-GB" sz="1450" dirty="0"/>
                   <a:t>. The contour shows the predictions of a simple multi-layer perceptron (MLP).</a:t>
                 </a:r>
               </a:p>
@@ -2805,7 +2781,7 @@
           <p:spPr>
             <a:xfrm>
               <a:off x="726831" y="10039801"/>
-              <a:ext cx="13700506" cy="707886"/>
+              <a:ext cx="13700506" cy="743042"/>
             </a:xfrm>
             <a:prstGeom prst="rect">
               <a:avLst/>
@@ -2820,7 +2796,7 @@
             </a:extLst>
           </p:spPr>
           <p:txBody>
-            <a:bodyPr lIns="42049" rIns="42049">
+            <a:bodyPr lIns="30480" rIns="30480">
               <a:spAutoFit/>
             </a:bodyPr>
             <a:lstStyle>
@@ -2835,10 +2811,10 @@
             </a:lstStyle>
             <a:p>
               <a:r>
-                <a:rPr lang="en-US" sz="4000" dirty="0"/>
+                <a:rPr lang="en-US" sz="2900" dirty="0"/>
                 <a:t>BACKGROUND</a:t>
               </a:r>
-              <a:endParaRPr sz="4000" dirty="0"/>
+              <a:endParaRPr sz="2900" dirty="0"/>
             </a:p>
           </p:txBody>
         </p:sp>
@@ -2857,8 +2833,8 @@
         </p:nvSpPr>
         <p:spPr>
           <a:xfrm>
-            <a:off x="16059936" y="11554657"/>
-            <a:ext cx="13557520" cy="6101799"/>
+            <a:off x="11641369" y="8824294"/>
+            <a:ext cx="9827443" cy="4449103"/>
           </a:xfrm>
           <a:prstGeom prst="rect">
             <a:avLst/>
@@ -2873,7 +2849,7 @@
           </a:extLst>
         </p:spPr>
         <p:txBody>
-          <a:bodyPr lIns="42049" rIns="42049">
+          <a:bodyPr lIns="30480" rIns="30480">
             <a:spAutoFit/>
           </a:bodyPr>
           <a:lstStyle>
@@ -2893,19 +2869,21 @@
             </a:lvl1pPr>
           </a:lstStyle>
           <a:p>
-            <a:pPr marL="457200" indent="-457200">
-              <a:buFont typeface=".Apple Color Emoji UI"/>
-              <a:buChar char="❓"/>
+            <a:pPr marL="331424" indent="-331424">
+              <a:buSzPct val="150000"/>
+              <a:buBlip>
+                <a:blip r:embed="rId8"/>
+              </a:buBlip>
             </a:pPr>
             <a:r>
-              <a:rPr lang="en-US" sz="2800" dirty="0"/>
+              <a:rPr lang="en-US" sz="2030" dirty="0"/>
               <a:t>Endogenous Shifts</a:t>
             </a:r>
           </a:p>
           <a:p>
-            <a:pPr marL="711200" lvl="4" indent="0"/>
+            <a:pPr marL="515549" lvl="4" indent="0"/>
             <a:r>
-              <a:rPr lang="en-US" sz="2400" dirty="0">
+              <a:rPr lang="en-US" sz="1740" dirty="0">
                 <a:solidFill>
                   <a:srgbClr val="344854"/>
                 </a:solidFill>
@@ -2915,7 +2893,7 @@
               </a:rPr>
               <a:t>Does the repeated implementation of recourse provided by state-of-the-art generators lead to shifts in the domain and model?</a:t>
             </a:r>
-            <a:endParaRPr lang="en-GB" sz="2400" dirty="0">
+            <a:endParaRPr lang="en-GB" sz="1740" dirty="0">
               <a:solidFill>
                 <a:srgbClr val="344854"/>
               </a:solidFill>
@@ -2925,19 +2903,21 @@
             </a:endParaRPr>
           </a:p>
           <a:p>
-            <a:pPr marL="457200" indent="-457200">
-              <a:buFont typeface=".Apple Color Emoji UI"/>
-              <a:buChar char="❓"/>
+            <a:pPr marL="331424" indent="-331424">
+              <a:buSzPct val="150000"/>
+              <a:buBlip>
+                <a:blip r:embed="rId8"/>
+              </a:buBlip>
             </a:pPr>
             <a:r>
-              <a:rPr lang="en-US" sz="2800" dirty="0"/>
+              <a:rPr lang="en-US" sz="2030" dirty="0"/>
               <a:t>Costs</a:t>
             </a:r>
           </a:p>
           <a:p>
-            <a:pPr marL="711200" lvl="4" indent="0"/>
+            <a:pPr marL="515549" lvl="4" indent="0"/>
             <a:r>
-              <a:rPr lang="en-US" sz="2400" dirty="0">
+              <a:rPr lang="en-US" sz="1740" dirty="0">
                 <a:solidFill>
                   <a:srgbClr val="344854"/>
                 </a:solidFill>
@@ -2947,7 +2927,7 @@
               </a:rPr>
               <a:t>If so, are these dynamics substantial enough to be considered costly to stakeholders involved in real-world automated decision-making processes?</a:t>
             </a:r>
-            <a:endParaRPr lang="en-GB" sz="2400" dirty="0">
+            <a:endParaRPr lang="en-GB" sz="1740" dirty="0">
               <a:solidFill>
                 <a:srgbClr val="344854"/>
               </a:solidFill>
@@ -2957,19 +2937,21 @@
             </a:endParaRPr>
           </a:p>
           <a:p>
-            <a:pPr marL="457200" indent="-457200">
-              <a:buFont typeface=".Apple Color Emoji UI"/>
-              <a:buChar char="❓"/>
+            <a:pPr marL="331424" indent="-331424">
+              <a:buSzPct val="150000"/>
+              <a:buBlip>
+                <a:blip r:embed="rId8"/>
+              </a:buBlip>
             </a:pPr>
             <a:r>
-              <a:rPr lang="en-US" sz="2800" dirty="0"/>
+              <a:rPr lang="en-US" sz="2030" dirty="0"/>
               <a:t>Heterogeneity</a:t>
             </a:r>
           </a:p>
           <a:p>
-            <a:pPr marL="711200" lvl="4" indent="0"/>
+            <a:pPr marL="515549" lvl="4" indent="0"/>
             <a:r>
-              <a:rPr lang="en-US" sz="2400" dirty="0">
+              <a:rPr lang="en-US" sz="1740" dirty="0">
                 <a:solidFill>
                   <a:srgbClr val="344854"/>
                 </a:solidFill>
@@ -2979,7 +2961,7 @@
               </a:rPr>
               <a:t>Do different counterfactual generators yield significantly different outcomes in this context? Furthermore, is there any heterogeneity concerning the chosen classifier and dataset?</a:t>
             </a:r>
-            <a:endParaRPr lang="en-GB" sz="2400" dirty="0">
+            <a:endParaRPr lang="en-GB" sz="1740" dirty="0">
               <a:solidFill>
                 <a:srgbClr val="344854"/>
               </a:solidFill>
@@ -2989,19 +2971,21 @@
             </a:endParaRPr>
           </a:p>
           <a:p>
-            <a:pPr marL="457200" indent="-457200">
-              <a:buFont typeface=".Apple Color Emoji UI"/>
-              <a:buChar char="❓"/>
+            <a:pPr marL="331424" indent="-331424">
+              <a:buSzPct val="150000"/>
+              <a:buBlip>
+                <a:blip r:embed="rId8"/>
+              </a:buBlip>
             </a:pPr>
             <a:r>
-              <a:rPr lang="en-US" sz="2800" dirty="0"/>
+              <a:rPr lang="en-US" sz="2030" dirty="0"/>
               <a:t>Drivers</a:t>
             </a:r>
           </a:p>
           <a:p>
-            <a:pPr marL="711200" lvl="4" indent="0"/>
+            <a:pPr marL="515549" lvl="4" indent="0"/>
             <a:r>
-              <a:rPr lang="en-US" sz="2400" dirty="0">
+              <a:rPr lang="en-US" sz="1740" dirty="0">
                 <a:solidFill>
                   <a:srgbClr val="344854"/>
                 </a:solidFill>
@@ -3011,7 +2995,7 @@
               </a:rPr>
               <a:t>What are the drivers of endogenous dynamics in Algorithmic Recourse?</a:t>
             </a:r>
-            <a:endParaRPr lang="en-GB" sz="2400" dirty="0">
+            <a:endParaRPr lang="en-GB" sz="1740" dirty="0">
               <a:solidFill>
                 <a:srgbClr val="344854"/>
               </a:solidFill>
@@ -3021,19 +3005,21 @@
             </a:endParaRPr>
           </a:p>
           <a:p>
-            <a:pPr marL="457200" indent="-457200">
-              <a:buFont typeface=".Apple Color Emoji UI"/>
-              <a:buChar char="❓"/>
+            <a:pPr marL="331424" indent="-331424">
+              <a:buSzPct val="150000"/>
+              <a:buBlip>
+                <a:blip r:embed="rId8"/>
+              </a:buBlip>
             </a:pPr>
             <a:r>
-              <a:rPr lang="en-US" sz="2800" dirty="0"/>
+              <a:rPr lang="en-US" sz="2030" dirty="0"/>
               <a:t>Mitigation Strategies</a:t>
             </a:r>
           </a:p>
           <a:p>
-            <a:pPr marL="711200" lvl="4" indent="0"/>
+            <a:pPr marL="515549" lvl="4" indent="0"/>
             <a:r>
-              <a:rPr lang="en-GB" sz="2400" dirty="0">
+              <a:rPr lang="en-GB" sz="1740" dirty="0">
                 <a:solidFill>
                   <a:srgbClr val="344854"/>
                 </a:solidFill>
@@ -3043,7 +3029,7 @@
               <a:t>What are potential mitigation strategies with respect to endogenous </a:t>
             </a:r>
             <a:r>
-              <a:rPr lang="en-GB" sz="2400" dirty="0" err="1">
+              <a:rPr lang="en-GB" sz="1740" dirty="0" err="1">
                 <a:solidFill>
                   <a:srgbClr val="344854"/>
                 </a:solidFill>
@@ -3053,7 +3039,7 @@
               <a:t>macrodynamics</a:t>
             </a:r>
             <a:r>
-              <a:rPr lang="en-GB" sz="2400" dirty="0">
+              <a:rPr lang="en-GB" sz="1740" dirty="0">
                 <a:solidFill>
                   <a:srgbClr val="344854"/>
                 </a:solidFill>
@@ -3062,7 +3048,7 @@
               </a:rPr>
               <a:t> in AR?</a:t>
             </a:r>
-            <a:endParaRPr lang="en-GB" sz="2400" dirty="0">
+            <a:endParaRPr lang="en-GB" sz="1740" dirty="0">
               <a:solidFill>
                 <a:srgbClr val="344854"/>
               </a:solidFill>
@@ -3072,12 +3058,12 @@
             </a:endParaRPr>
           </a:p>
           <a:p>
-            <a:pPr marL="457200" lvl="0" indent="-457200" eaLnBrk="1">
+            <a:pPr marL="331424" indent="-331424">
               <a:buFont typeface=".Apple Color Emoji UI"/>
               <a:buChar char="❓"/>
               <a:defRPr/>
             </a:pPr>
-            <a:endParaRPr lang="en-US" sz="2800" dirty="0">
+            <a:endParaRPr lang="en-US" sz="2030" dirty="0">
               <a:sym typeface="Calibri"/>
             </a:endParaRPr>
           </a:p>
@@ -3098,7 +3084,7 @@
           <p:nvPr/>
         </p:nvPicPr>
         <p:blipFill>
-          <a:blip r:embed="rId8">
+          <a:blip r:embed="rId9">
             <a:extLst>
               <a:ext uri="{28A0092B-C50C-407E-A947-70E740481C1C}">
                 <a14:useLocalDpi xmlns:a14="http://schemas.microsoft.com/office/drawing/2010/main" val="0"/>
@@ -3112,8 +3098,8 @@
         </p:blipFill>
         <p:spPr bwMode="auto">
           <a:xfrm>
-            <a:off x="27684600" y="41775262"/>
-            <a:ext cx="2104541" cy="736328"/>
+            <a:off x="20046938" y="32093321"/>
+            <a:ext cx="1525519" cy="533742"/>
           </a:xfrm>
           <a:prstGeom prst="rect">
             <a:avLst/>
@@ -3144,8 +3130,8 @@
         </p:nvSpPr>
         <p:spPr>
           <a:xfrm>
-            <a:off x="22903051" y="41767443"/>
-            <a:ext cx="4781550" cy="738662"/>
+            <a:off x="16580935" y="32087654"/>
+            <a:ext cx="3466003" cy="535517"/>
           </a:xfrm>
           <a:prstGeom prst="rect">
             <a:avLst/>
@@ -3171,40 +3157,25 @@
           <a:fontRef idx="none"/>
         </p:style>
         <p:txBody>
-          <a:bodyPr rot="0" spcFirstLastPara="1" vertOverflow="overflow" horzOverflow="overflow" vert="horz" wrap="square" lIns="45719" tIns="45719" rIns="45719" bIns="45719" numCol="1" spcCol="38100" rtlCol="0" anchor="t">
+          <a:bodyPr rot="0" spcFirstLastPara="1" vertOverflow="overflow" horzOverflow="overflow" vert="horz" wrap="square" lIns="33140" tIns="33140" rIns="33140" bIns="33140" numCol="1" spcCol="38100" rtlCol="0" anchor="t">
             <a:spAutoFit/>
           </a:bodyPr>
           <a:lstStyle/>
           <a:p>
-            <a:pPr marL="0" marR="0" indent="0" algn="l" defTabSz="326532" rtl="0" fontAlgn="auto" latinLnBrk="0" hangingPunct="0">
-              <a:lnSpc>
-                <a:spcPct val="100000"/>
-              </a:lnSpc>
-              <a:spcBef>
-                <a:spcPts val="0"/>
-              </a:spcBef>
-              <a:spcAft>
-                <a:spcPts val="0"/>
-              </a:spcAft>
-              <a:buClrTx/>
-              <a:buSzTx/>
-              <a:buFontTx/>
-              <a:buNone/>
-              <a:tabLst/>
-            </a:pPr>
+            <a:pPr defTabSz="236703"/>
             <a:r>
-              <a:rPr lang="en-NL" sz="1400" b="1" dirty="0">
+              <a:rPr lang="en-NL" sz="1015" b="1" dirty="0">
                 <a:latin typeface="Arial" panose="020B0604020202020204" pitchFamily="34" charset="0"/>
                 <a:cs typeface="Arial" panose="020B0604020202020204" pitchFamily="34" charset="0"/>
               </a:rPr>
               <a:t>Disclaimer: </a:t>
             </a:r>
             <a:r>
-              <a:rPr lang="en-NL" sz="1400" dirty="0">
+              <a:rPr lang="en-NL" sz="1015" dirty="0">
                 <a:latin typeface="Arial" panose="020B0604020202020204" pitchFamily="34" charset="0"/>
                 <a:cs typeface="Arial" panose="020B0604020202020204" pitchFamily="34" charset="0"/>
               </a:rPr>
-              <a:t>This poster was created by Patrick Altmeyer for the first IEEE Conference on Secure and Trustworthy Machine Learning. Images produced by author.</a:t>
+              <a:t>This poster was created by Patrick Altmeyer for the First IEEE Conference on Secure and Trustworthy Machine Learning. Images produced by author.</a:t>
             </a:r>
           </a:p>
         </p:txBody>
@@ -3223,10 +3194,10 @@
         </p:nvGrpSpPr>
         <p:grpSpPr>
           <a:xfrm>
-            <a:off x="10338646" y="7167433"/>
-            <a:ext cx="9905153" cy="2500293"/>
+            <a:off x="7494178" y="5096281"/>
+            <a:ext cx="7179950" cy="1837831"/>
             <a:chOff x="10330057" y="4980116"/>
-            <a:chExt cx="9838042" cy="2500293"/>
+            <a:chExt cx="9838042" cy="2535392"/>
           </a:xfrm>
         </p:grpSpPr>
         <p:pic>
@@ -3244,7 +3215,7 @@
             <p:nvPr/>
           </p:nvPicPr>
           <p:blipFill>
-            <a:blip r:embed="rId9">
+            <a:blip r:embed="rId10">
               <a:extLst>
                 <a:ext uri="{28A0092B-C50C-407E-A947-70E740481C1C}">
                   <a14:useLocalDpi xmlns:a14="http://schemas.microsoft.com/office/drawing/2010/main" val="0"/>
@@ -3288,8 +3259,8 @@
           </p:nvSpPr>
           <p:spPr>
             <a:xfrm>
-              <a:off x="10330057" y="7080299"/>
-              <a:ext cx="9838042" cy="400110"/>
+              <a:off x="10330057" y="7080298"/>
+              <a:ext cx="9838042" cy="435210"/>
             </a:xfrm>
             <a:prstGeom prst="rect">
               <a:avLst/>
@@ -3304,7 +3275,7 @@
             </a:extLst>
           </p:spPr>
           <p:txBody>
-            <a:bodyPr wrap="square" lIns="42049" rIns="42049">
+            <a:bodyPr wrap="square" lIns="30480" rIns="30480">
               <a:spAutoFit/>
             </a:bodyPr>
             <a:lstStyle>
@@ -3322,7 +3293,7 @@
             </a:lstStyle>
             <a:p>
               <a:r>
-                <a:rPr lang="en-GB" sz="2000" dirty="0"/>
+                <a:rPr lang="en-GB" sz="1450" dirty="0"/>
                 <a:t>Figure 1: Dynamics in Algorithmic Recourse. Individuals in target class marked in blue.</a:t>
               </a:r>
             </a:p>
@@ -3343,8 +3314,8 @@
         </p:nvSpPr>
         <p:spPr>
           <a:xfrm>
-            <a:off x="974429" y="2406694"/>
-            <a:ext cx="13741895" cy="584775"/>
+            <a:off x="653922" y="1590153"/>
+            <a:ext cx="9961090" cy="449354"/>
           </a:xfrm>
           <a:prstGeom prst="rect">
             <a:avLst/>
@@ -3359,7 +3330,7 @@
           </a:extLst>
         </p:spPr>
         <p:txBody>
-          <a:bodyPr wrap="square" lIns="42049" rIns="42049">
+          <a:bodyPr wrap="square" lIns="30480" rIns="30480">
             <a:spAutoFit/>
           </a:bodyPr>
           <a:lstStyle>
@@ -3374,28 +3345,12 @@
           </a:lstStyle>
           <a:p>
             <a:r>
-              <a:rPr lang="en-GB" sz="3200" i="1" dirty="0">
+              <a:rPr lang="en-GB" sz="2320" i="1" dirty="0">
                 <a:solidFill>
                   <a:srgbClr val="344854"/>
                 </a:solidFill>
               </a:rPr>
-              <a:t>1</a:t>
-            </a:r>
-            <a:r>
-              <a:rPr lang="en-GB" sz="3200" i="1" baseline="30000" dirty="0">
-                <a:solidFill>
-                  <a:srgbClr val="344854"/>
-                </a:solidFill>
-              </a:rPr>
-              <a:t>st</a:t>
-            </a:r>
-            <a:r>
-              <a:rPr lang="en-GB" sz="3200" i="1" dirty="0">
-                <a:solidFill>
-                  <a:srgbClr val="344854"/>
-                </a:solidFill>
-              </a:rPr>
-              <a:t> IEEE Conference on Secure and Trustworthy Machine Learning</a:t>
+              <a:t>First IEEE Conference on Secure and Trustworthy Machine Learning</a:t>
             </a:r>
           </a:p>
         </p:txBody>
@@ -3414,8 +3369,8 @@
         </p:nvSpPr>
         <p:spPr>
           <a:xfrm>
-            <a:off x="10421120" y="18879447"/>
-            <a:ext cx="92396" cy="276997"/>
+            <a:off x="7553960" y="14630763"/>
+            <a:ext cx="66992" cy="200810"/>
           </a:xfrm>
           <a:prstGeom prst="rect">
             <a:avLst/>
@@ -3441,237 +3396,16 @@
           <a:fontRef idx="none"/>
         </p:style>
         <p:txBody>
-          <a:bodyPr rot="0" spcFirstLastPara="1" vertOverflow="overflow" horzOverflow="overflow" vert="horz" wrap="none" lIns="45719" tIns="45719" rIns="45719" bIns="45719" numCol="1" spcCol="38100" rtlCol="0" anchor="t">
+          <a:bodyPr rot="0" spcFirstLastPara="1" vertOverflow="overflow" horzOverflow="overflow" vert="horz" wrap="none" lIns="33140" tIns="33140" rIns="33140" bIns="33140" numCol="1" spcCol="38100" rtlCol="0" anchor="t">
             <a:spAutoFit/>
           </a:bodyPr>
           <a:lstStyle/>
           <a:p>
-            <a:pPr marL="0" marR="0" indent="0" algn="l" defTabSz="326532" rtl="0" fontAlgn="auto" latinLnBrk="0" hangingPunct="0">
-              <a:lnSpc>
-                <a:spcPct val="100000"/>
-              </a:lnSpc>
-              <a:spcBef>
-                <a:spcPts val="0"/>
-              </a:spcBef>
-              <a:spcAft>
-                <a:spcPts val="0"/>
-              </a:spcAft>
-              <a:buClrTx/>
-              <a:buSzTx/>
-              <a:buFontTx/>
-              <a:buNone/>
-              <a:tabLst/>
-            </a:pPr>
-            <a:endParaRPr kumimoji="0" lang="en-NL" sz="1200" b="0" i="0" u="none" strike="noStrike" cap="none" spc="0" normalizeH="0" baseline="0" dirty="0">
-              <a:ln>
-                <a:noFill/>
-              </a:ln>
-              <a:solidFill>
-                <a:srgbClr val="000000"/>
-              </a:solidFill>
-              <a:effectLst/>
-              <a:uFillTx/>
-              <a:latin typeface="+mn-lt"/>
-              <a:ea typeface="+mn-ea"/>
-              <a:cs typeface="+mn-cs"/>
-              <a:sym typeface="Calibri"/>
-            </a:endParaRPr>
+            <a:pPr defTabSz="236703"/>
+            <a:endParaRPr lang="en-NL" sz="870" dirty="0"/>
           </a:p>
         </p:txBody>
       </p:sp>
-      <p:grpSp>
-        <p:nvGrpSpPr>
-          <p:cNvPr id="85" name="Group 84">
-            <a:extLst>
-              <a:ext uri="{FF2B5EF4-FFF2-40B4-BE49-F238E27FC236}">
-                <a16:creationId xmlns:a16="http://schemas.microsoft.com/office/drawing/2014/main" id="{BC8E1FC8-EDA2-79F7-1263-2423BCF72217}"/>
-              </a:ext>
-            </a:extLst>
-          </p:cNvPr>
-          <p:cNvGrpSpPr/>
-          <p:nvPr/>
-        </p:nvGrpSpPr>
-        <p:grpSpPr>
-          <a:xfrm>
-            <a:off x="726831" y="10064552"/>
-            <a:ext cx="14650442" cy="7822137"/>
-            <a:chOff x="726831" y="10064552"/>
-            <a:chExt cx="14650442" cy="7822137"/>
-          </a:xfrm>
-        </p:grpSpPr>
-        <p:sp>
-          <p:nvSpPr>
-            <p:cNvPr id="71" name="TextBox 43">
-              <a:extLst>
-                <a:ext uri="{FF2B5EF4-FFF2-40B4-BE49-F238E27FC236}">
-                  <a16:creationId xmlns:a16="http://schemas.microsoft.com/office/drawing/2014/main" id="{6E4C3A16-ABFD-7ABA-95E9-A39DE3994F34}"/>
-                </a:ext>
-              </a:extLst>
-            </p:cNvPr>
-            <p:cNvSpPr txBox="1"/>
-            <p:nvPr/>
-          </p:nvSpPr>
-          <p:spPr>
-            <a:xfrm>
-              <a:off x="1676767" y="11050393"/>
-              <a:ext cx="13700506" cy="573683"/>
-            </a:xfrm>
-            <a:prstGeom prst="rect">
-              <a:avLst/>
-            </a:prstGeom>
-            <a:ln w="12700">
-              <a:miter lim="400000"/>
-            </a:ln>
-            <a:extLst>
-              <a:ext uri="{C572A759-6A51-4108-AA02-DFA0A04FC94B}">
-                <ma14:wrappingTextBoxFlag xmlns="" xmlns:m="http://schemas.openxmlformats.org/officeDocument/2006/math" xmlns:a14="http://schemas.microsoft.com/office/drawing/2010/main" xmlns:ma14="http://schemas.microsoft.com/office/mac/drawingml/2011/main" val="1"/>
-              </a:ext>
-            </a:extLst>
-          </p:spPr>
-          <p:txBody>
-            <a:bodyPr lIns="42049" rIns="42049">
-              <a:spAutoFit/>
-            </a:bodyPr>
-            <a:lstStyle>
-              <a:lvl1pPr>
-                <a:defRPr sz="3400">
-                  <a:latin typeface="Arial"/>
-                  <a:ea typeface="Arial"/>
-                  <a:cs typeface="Arial"/>
-                  <a:sym typeface="Arial"/>
-                </a:defRPr>
-              </a:lvl1pPr>
-            </a:lstStyle>
-            <a:p>
-              <a:r>
-                <a:rPr lang="en-US" sz="3128" dirty="0">
-                  <a:solidFill>
-                    <a:srgbClr val="4F6591"/>
-                  </a:solidFill>
-                </a:rPr>
-                <a:t>Example 1 (Consumer Credit)</a:t>
-              </a:r>
-              <a:endParaRPr sz="3128" dirty="0">
-                <a:solidFill>
-                  <a:srgbClr val="4F6591"/>
-                </a:solidFill>
-              </a:endParaRPr>
-            </a:p>
-          </p:txBody>
-        </p:sp>
-        <p:sp>
-          <p:nvSpPr>
-            <p:cNvPr id="31" name="TextBox 43">
-              <a:extLst>
-                <a:ext uri="{FF2B5EF4-FFF2-40B4-BE49-F238E27FC236}">
-                  <a16:creationId xmlns:a16="http://schemas.microsoft.com/office/drawing/2014/main" id="{D0BA039F-4F04-26CD-4765-EC1B4F69CA6E}"/>
-                </a:ext>
-              </a:extLst>
-            </p:cNvPr>
-            <p:cNvSpPr txBox="1"/>
-            <p:nvPr/>
-          </p:nvSpPr>
-          <p:spPr>
-            <a:xfrm>
-              <a:off x="726831" y="10064552"/>
-              <a:ext cx="13700506" cy="707886"/>
-            </a:xfrm>
-            <a:prstGeom prst="rect">
-              <a:avLst/>
-            </a:prstGeom>
-            <a:ln w="12700">
-              <a:miter lim="400000"/>
-            </a:ln>
-            <a:extLst>
-              <a:ext uri="{C572A759-6A51-4108-AA02-DFA0A04FC94B}">
-                <ma14:wrappingTextBoxFlag xmlns="" xmlns:m="http://schemas.openxmlformats.org/officeDocument/2006/math" xmlns:a14="http://schemas.microsoft.com/office/drawing/2010/main" xmlns:ma14="http://schemas.microsoft.com/office/mac/drawingml/2011/main" val="1"/>
-              </a:ext>
-            </a:extLst>
-          </p:spPr>
-          <p:txBody>
-            <a:bodyPr lIns="42049" rIns="42049">
-              <a:spAutoFit/>
-            </a:bodyPr>
-            <a:lstStyle>
-              <a:lvl1pPr>
-                <a:defRPr sz="3400">
-                  <a:latin typeface="Arial"/>
-                  <a:ea typeface="Arial"/>
-                  <a:cs typeface="Arial"/>
-                  <a:sym typeface="Arial"/>
-                </a:defRPr>
-              </a:lvl1pPr>
-            </a:lstStyle>
-            <a:p>
-              <a:r>
-                <a:rPr lang="en-US" sz="4000" dirty="0"/>
-                <a:t>MOTIVATION</a:t>
-              </a:r>
-              <a:endParaRPr sz="4000" dirty="0"/>
-            </a:p>
-          </p:txBody>
-        </p:sp>
-        <p:sp>
-          <p:nvSpPr>
-            <p:cNvPr id="75" name="TextBox 43">
-              <a:extLst>
-                <a:ext uri="{FF2B5EF4-FFF2-40B4-BE49-F238E27FC236}">
-                  <a16:creationId xmlns:a16="http://schemas.microsoft.com/office/drawing/2014/main" id="{9F35110C-6B56-8526-005F-5FA2FC94E8A1}"/>
-                </a:ext>
-              </a:extLst>
-            </p:cNvPr>
-            <p:cNvSpPr txBox="1"/>
-            <p:nvPr/>
-          </p:nvSpPr>
-          <p:spPr>
-            <a:xfrm>
-              <a:off x="1676767" y="17313006"/>
-              <a:ext cx="13700506" cy="573683"/>
-            </a:xfrm>
-            <a:prstGeom prst="rect">
-              <a:avLst/>
-            </a:prstGeom>
-            <a:ln w="12700">
-              <a:miter lim="400000"/>
-            </a:ln>
-            <a:extLst>
-              <a:ext uri="{C572A759-6A51-4108-AA02-DFA0A04FC94B}">
-                <ma14:wrappingTextBoxFlag xmlns="" xmlns:m="http://schemas.openxmlformats.org/officeDocument/2006/math" xmlns:a14="http://schemas.microsoft.com/office/drawing/2010/main" xmlns:ma14="http://schemas.microsoft.com/office/mac/drawingml/2011/main" val="1"/>
-              </a:ext>
-            </a:extLst>
-          </p:spPr>
-          <p:txBody>
-            <a:bodyPr lIns="42049" rIns="42049">
-              <a:spAutoFit/>
-            </a:bodyPr>
-            <a:lstStyle>
-              <a:lvl1pPr>
-                <a:defRPr sz="3400">
-                  <a:latin typeface="Arial"/>
-                  <a:ea typeface="Arial"/>
-                  <a:cs typeface="Arial"/>
-                  <a:sym typeface="Arial"/>
-                </a:defRPr>
-              </a:lvl1pPr>
-            </a:lstStyle>
-            <a:p>
-              <a:r>
-                <a:rPr lang="en-US" sz="3128" dirty="0">
-                  <a:solidFill>
-                    <a:srgbClr val="4F6591"/>
-                  </a:solidFill>
-                </a:rPr>
-                <a:t>Example 2 (Student Admission)</a:t>
-              </a:r>
-              <a:endParaRPr sz="3128" dirty="0">
-                <a:solidFill>
-                  <a:srgbClr val="4F6591"/>
-                </a:solidFill>
-              </a:endParaRPr>
-            </a:p>
-          </p:txBody>
-        </p:sp>
-      </p:grpSp>
       <p:sp>
         <p:nvSpPr>
           <p:cNvPr id="87" name="TextBox 43">
@@ -3686,8 +3420,8 @@
         </p:nvSpPr>
         <p:spPr>
           <a:xfrm>
-            <a:off x="16059937" y="10064552"/>
-            <a:ext cx="13700506" cy="707886"/>
+            <a:off x="11641370" y="7744161"/>
+            <a:ext cx="9931089" cy="538609"/>
           </a:xfrm>
           <a:prstGeom prst="rect">
             <a:avLst/>
@@ -3702,7 +3436,7 @@
           </a:extLst>
         </p:spPr>
         <p:txBody>
-          <a:bodyPr lIns="42049" rIns="42049">
+          <a:bodyPr lIns="30480" rIns="30480">
             <a:spAutoFit/>
           </a:bodyPr>
           <a:lstStyle>
@@ -3717,10 +3451,10 @@
           </a:lstStyle>
           <a:p>
             <a:r>
-              <a:rPr lang="en-US" sz="4000" dirty="0"/>
+              <a:rPr lang="en-US" sz="2900" dirty="0"/>
               <a:t>MODELLING RECOURSE DYNAMICS</a:t>
             </a:r>
-            <a:endParaRPr sz="4000" dirty="0"/>
+            <a:endParaRPr sz="2900" dirty="0"/>
           </a:p>
         </p:txBody>
       </p:sp>
@@ -3738,8 +3472,8 @@
         </p:nvSpPr>
         <p:spPr>
           <a:xfrm>
-            <a:off x="16059937" y="11035418"/>
-            <a:ext cx="13700506" cy="573685"/>
+            <a:off x="11641370" y="8447913"/>
+            <a:ext cx="9931089" cy="441211"/>
           </a:xfrm>
           <a:prstGeom prst="rect">
             <a:avLst/>
@@ -3754,7 +3488,7 @@
           </a:extLst>
         </p:spPr>
         <p:txBody>
-          <a:bodyPr lIns="42049" rIns="42049">
+          <a:bodyPr lIns="30480" rIns="30480">
             <a:spAutoFit/>
           </a:bodyPr>
           <a:lstStyle>
@@ -3769,19 +3503,19 @@
           </a:lstStyle>
           <a:p>
             <a:r>
-              <a:rPr lang="en-US" sz="3128" dirty="0"/>
+              <a:rPr lang="en-US" sz="2267" dirty="0"/>
               <a:t>Research Questions</a:t>
             </a:r>
-            <a:endParaRPr sz="3128" dirty="0"/>
+            <a:endParaRPr sz="2267" dirty="0"/>
           </a:p>
         </p:txBody>
       </p:sp>
       <p:grpSp>
         <p:nvGrpSpPr>
-          <p:cNvPr id="106" name="Group 105">
+          <p:cNvPr id="105" name="Group 104">
             <a:extLst>
               <a:ext uri="{FF2B5EF4-FFF2-40B4-BE49-F238E27FC236}">
-                <a16:creationId xmlns:a16="http://schemas.microsoft.com/office/drawing/2014/main" id="{60D3DA91-C8CD-3057-C1DB-94974C22742F}"/>
+                <a16:creationId xmlns:a16="http://schemas.microsoft.com/office/drawing/2014/main" id="{627D4553-F4BF-2589-AF1A-6F12E62AC90E}"/>
               </a:ext>
             </a:extLst>
           </p:cNvPr>
@@ -3790,18 +3524,18 @@
         </p:nvGrpSpPr>
         <p:grpSpPr>
           <a:xfrm>
-            <a:off x="16059936" y="17655549"/>
-            <a:ext cx="13700507" cy="9503913"/>
-            <a:chOff x="16059936" y="17655549"/>
-            <a:chExt cx="13700507" cy="9503913"/>
+            <a:off x="11641370" y="13879160"/>
+            <a:ext cx="9827443" cy="6351745"/>
+            <a:chOff x="16059936" y="18432273"/>
+            <a:chExt cx="13557520" cy="8762596"/>
           </a:xfrm>
         </p:grpSpPr>
         <p:sp>
           <p:nvSpPr>
-            <p:cNvPr id="97" name="TextBox 43">
+            <p:cNvPr id="98" name="TextBox 47">
               <a:extLst>
                 <a:ext uri="{FF2B5EF4-FFF2-40B4-BE49-F238E27FC236}">
-                  <a16:creationId xmlns:a16="http://schemas.microsoft.com/office/drawing/2014/main" id="{CF2DEF02-9D92-42E8-EECF-A39C2746B780}"/>
+                  <a16:creationId xmlns:a16="http://schemas.microsoft.com/office/drawing/2014/main" id="{C35D3344-B9E0-E828-7EE0-6C83C55D8015}"/>
                 </a:ext>
               </a:extLst>
             </p:cNvPr>
@@ -3810,8 +3544,8 @@
           </p:nvSpPr>
           <p:spPr>
             <a:xfrm>
-              <a:off x="16059937" y="17655549"/>
-              <a:ext cx="13700506" cy="573685"/>
+              <a:off x="23111488" y="24260207"/>
+              <a:ext cx="6146799" cy="2934662"/>
             </a:xfrm>
             <a:prstGeom prst="rect">
               <a:avLst/>
@@ -3826,7 +3560,478 @@
             </a:extLst>
           </p:spPr>
           <p:txBody>
-            <a:bodyPr lIns="42049" rIns="42049">
+            <a:bodyPr wrap="square" lIns="30480" rIns="30480">
+              <a:spAutoFit/>
+            </a:bodyPr>
+            <a:lstStyle>
+              <a:lvl1pPr>
+                <a:lnSpc>
+                  <a:spcPct val="120000"/>
+                </a:lnSpc>
+                <a:defRPr sz="2100">
+                  <a:solidFill>
+                    <a:srgbClr val="344854"/>
+                  </a:solidFill>
+                  <a:latin typeface="Arial"/>
+                  <a:ea typeface="Arial"/>
+                  <a:cs typeface="Arial"/>
+                  <a:sym typeface="Arial"/>
+                </a:defRPr>
+              </a:lvl1pPr>
+            </a:lstStyle>
+            <a:p>
+              <a:pPr marL="331424" indent="-331424">
+                <a:buSzPct val="125000"/>
+                <a:buBlip>
+                  <a:blip r:embed="rId11"/>
+                </a:buBlip>
+              </a:pPr>
+              <a:r>
+                <a:rPr lang="en-US" sz="2030" dirty="0"/>
+                <a:t>Endogenous Shifts</a:t>
+              </a:r>
+            </a:p>
+            <a:p>
+              <a:pPr marL="331424" indent="-331424">
+                <a:buSzPct val="125000"/>
+                <a:buBlip>
+                  <a:blip r:embed="rId11"/>
+                </a:buBlip>
+              </a:pPr>
+              <a:r>
+                <a:rPr lang="en-US" sz="2030" dirty="0"/>
+                <a:t>Costs</a:t>
+              </a:r>
+            </a:p>
+            <a:p>
+              <a:pPr marL="331424" indent="-331424">
+                <a:buSzPct val="125000"/>
+                <a:buBlip>
+                  <a:blip r:embed="rId11"/>
+                </a:buBlip>
+              </a:pPr>
+              <a:r>
+                <a:rPr lang="en-US" sz="2030" dirty="0"/>
+                <a:t>Heterogeneity</a:t>
+              </a:r>
+            </a:p>
+            <a:p>
+              <a:pPr marL="331424" indent="-331424">
+                <a:buSzPct val="125000"/>
+                <a:buBlip>
+                  <a:blip r:embed="rId11"/>
+                </a:buBlip>
+              </a:pPr>
+              <a:r>
+                <a:rPr lang="en-US" sz="2030" dirty="0"/>
+                <a:t>Drivers</a:t>
+              </a:r>
+            </a:p>
+            <a:p>
+              <a:pPr marL="515549" lvl="4" indent="0"/>
+              <a:r>
+                <a:rPr lang="en-US" sz="1740" dirty="0">
+                  <a:solidFill>
+                    <a:srgbClr val="344854"/>
+                  </a:solidFill>
+                  <a:latin typeface="Arial"/>
+                  <a:cs typeface="Arial"/>
+                  <a:sym typeface="Arial"/>
+                </a:rPr>
+                <a:t>Minimizing private costs vs. complying with data </a:t>
+              </a:r>
+              <a:r>
+                <a:rPr lang="en-US" sz="1740" dirty="0">
+                  <a:solidFill>
+                    <a:srgbClr val="344854"/>
+                  </a:solidFill>
+                  <a:latin typeface="Segoe UI Emoji" panose="020F0502020204030204" pitchFamily="34" charset="0"/>
+                  <a:cs typeface="Segoe UI Emoji" panose="020F0502020204030204" pitchFamily="34" charset="0"/>
+                  <a:sym typeface="Arial"/>
+                </a:rPr>
+                <a:t>generating</a:t>
+              </a:r>
+              <a:r>
+                <a:rPr lang="en-US" sz="1740" dirty="0">
+                  <a:solidFill>
+                    <a:srgbClr val="344854"/>
+                  </a:solidFill>
+                  <a:latin typeface="Arial"/>
+                  <a:cs typeface="Arial"/>
+                  <a:sym typeface="Arial"/>
+                </a:rPr>
+                <a:t> process</a:t>
+              </a:r>
+            </a:p>
+          </p:txBody>
+        </p:sp>
+        <p:grpSp>
+          <p:nvGrpSpPr>
+            <p:cNvPr id="102" name="Group 101">
+              <a:extLst>
+                <a:ext uri="{FF2B5EF4-FFF2-40B4-BE49-F238E27FC236}">
+                  <a16:creationId xmlns:a16="http://schemas.microsoft.com/office/drawing/2014/main" id="{457A29D8-F372-96BC-6750-BF459C736474}"/>
+                </a:ext>
+              </a:extLst>
+            </p:cNvPr>
+            <p:cNvGrpSpPr/>
+            <p:nvPr/>
+          </p:nvGrpSpPr>
+          <p:grpSpPr>
+            <a:xfrm>
+              <a:off x="16059936" y="18432273"/>
+              <a:ext cx="13557520" cy="8605284"/>
+              <a:chOff x="16059936" y="18432273"/>
+              <a:chExt cx="13557520" cy="8605284"/>
+            </a:xfrm>
+          </p:grpSpPr>
+          <p:grpSp>
+            <p:nvGrpSpPr>
+              <p:cNvPr id="100" name="Group 99">
+                <a:extLst>
+                  <a:ext uri="{FF2B5EF4-FFF2-40B4-BE49-F238E27FC236}">
+                    <a16:creationId xmlns:a16="http://schemas.microsoft.com/office/drawing/2014/main" id="{8573ABCC-4E77-BF2E-CEAE-193789372535}"/>
+                  </a:ext>
+                </a:extLst>
+              </p:cNvPr>
+              <p:cNvGrpSpPr/>
+              <p:nvPr/>
+            </p:nvGrpSpPr>
+            <p:grpSpPr>
+              <a:xfrm>
+                <a:off x="16059936" y="18432273"/>
+                <a:ext cx="13555454" cy="8605284"/>
+                <a:chOff x="16059936" y="18432273"/>
+                <a:chExt cx="13555454" cy="8605284"/>
+              </a:xfrm>
+            </p:grpSpPr>
+            <p:grpSp>
+              <p:nvGrpSpPr>
+                <p:cNvPr id="96" name="Group 95">
+                  <a:extLst>
+                    <a:ext uri="{FF2B5EF4-FFF2-40B4-BE49-F238E27FC236}">
+                      <a16:creationId xmlns:a16="http://schemas.microsoft.com/office/drawing/2014/main" id="{2B2B199B-50CB-5A2F-1E9C-AF2C657B33C3}"/>
+                    </a:ext>
+                  </a:extLst>
+                </p:cNvPr>
+                <p:cNvGrpSpPr/>
+                <p:nvPr/>
+              </p:nvGrpSpPr>
+              <p:grpSpPr>
+                <a:xfrm>
+                  <a:off x="16059936" y="18432273"/>
+                  <a:ext cx="13555454" cy="8127967"/>
+                  <a:chOff x="16059936" y="17803022"/>
+                  <a:chExt cx="13555454" cy="8127967"/>
+                </a:xfrm>
+              </p:grpSpPr>
+              <p:pic>
+                <p:nvPicPr>
+                  <p:cNvPr id="94" name="Picture 4">
+                    <a:extLst>
+                      <a:ext uri="{FF2B5EF4-FFF2-40B4-BE49-F238E27FC236}">
+                        <a16:creationId xmlns:a16="http://schemas.microsoft.com/office/drawing/2014/main" id="{CD496F0A-E41F-AA7F-2A41-08D0FBAD49BD}"/>
+                      </a:ext>
+                    </a:extLst>
+                  </p:cNvPr>
+                  <p:cNvPicPr>
+                    <a:picLocks noChangeAspect="1" noChangeArrowheads="1"/>
+                  </p:cNvPicPr>
+                  <p:nvPr/>
+                </p:nvPicPr>
+                <p:blipFill>
+                  <a:blip r:embed="rId12">
+                    <a:extLst>
+                      <a:ext uri="{28A0092B-C50C-407E-A947-70E740481C1C}">
+                        <a14:useLocalDpi xmlns:a14="http://schemas.microsoft.com/office/drawing/2010/main" val="0"/>
+                      </a:ext>
+                    </a:extLst>
+                  </a:blip>
+                  <a:srcRect/>
+                  <a:stretch/>
+                </p:blipFill>
+                <p:spPr bwMode="auto">
+                  <a:xfrm>
+                    <a:off x="16059936" y="17804201"/>
+                    <a:ext cx="6507215" cy="8126788"/>
+                  </a:xfrm>
+                  <a:prstGeom prst="rect">
+                    <a:avLst/>
+                  </a:prstGeom>
+                  <a:noFill/>
+                  <a:extLst>
+                    <a:ext uri="{909E8E84-426E-40DD-AFC4-6F175D3DCCD1}">
+                      <a14:hiddenFill xmlns:a14="http://schemas.microsoft.com/office/drawing/2010/main">
+                        <a:solidFill>
+                          <a:srgbClr val="FFFFFF"/>
+                        </a:solidFill>
+                      </a14:hiddenFill>
+                    </a:ext>
+                  </a:extLst>
+                </p:spPr>
+              </p:pic>
+              <p:pic>
+                <p:nvPicPr>
+                  <p:cNvPr id="1032" name="Picture 8">
+                    <a:extLst>
+                      <a:ext uri="{FF2B5EF4-FFF2-40B4-BE49-F238E27FC236}">
+                        <a16:creationId xmlns:a16="http://schemas.microsoft.com/office/drawing/2014/main" id="{EA0C5A03-C00F-C2E5-3EFD-D0798621FFE5}"/>
+                      </a:ext>
+                    </a:extLst>
+                  </p:cNvPr>
+                  <p:cNvPicPr>
+                    <a:picLocks noChangeAspect="1" noChangeArrowheads="1"/>
+                  </p:cNvPicPr>
+                  <p:nvPr/>
+                </p:nvPicPr>
+                <p:blipFill>
+                  <a:blip r:embed="rId13">
+                    <a:extLst>
+                      <a:ext uri="{28A0092B-C50C-407E-A947-70E740481C1C}">
+                        <a14:useLocalDpi xmlns:a14="http://schemas.microsoft.com/office/drawing/2010/main" val="0"/>
+                      </a:ext>
+                    </a:extLst>
+                  </a:blip>
+                  <a:srcRect/>
+                  <a:stretch/>
+                </p:blipFill>
+                <p:spPr bwMode="auto">
+                  <a:xfrm>
+                    <a:off x="23112307" y="17803022"/>
+                    <a:ext cx="6503083" cy="5205772"/>
+                  </a:xfrm>
+                  <a:prstGeom prst="rect">
+                    <a:avLst/>
+                  </a:prstGeom>
+                  <a:noFill/>
+                  <a:extLst>
+                    <a:ext uri="{909E8E84-426E-40DD-AFC4-6F175D3DCCD1}">
+                      <a14:hiddenFill xmlns:a14="http://schemas.microsoft.com/office/drawing/2010/main">
+                        <a:solidFill>
+                          <a:srgbClr val="FFFFFF"/>
+                        </a:solidFill>
+                      </a14:hiddenFill>
+                    </a:ext>
+                  </a:extLst>
+                </p:spPr>
+              </p:pic>
+            </p:grpSp>
+            <p:sp>
+              <p:nvSpPr>
+                <p:cNvPr id="99" name="TextBox 56">
+                  <a:extLst>
+                    <a:ext uri="{FF2B5EF4-FFF2-40B4-BE49-F238E27FC236}">
+                      <a16:creationId xmlns:a16="http://schemas.microsoft.com/office/drawing/2014/main" id="{4CB3F959-C61C-6089-EAD8-186F0B9F506A}"/>
+                    </a:ext>
+                  </a:extLst>
+                </p:cNvPr>
+                <p:cNvSpPr txBox="1"/>
+                <p:nvPr/>
+              </p:nvSpPr>
+              <p:spPr>
+                <a:xfrm>
+                  <a:off x="16059936" y="26602347"/>
+                  <a:ext cx="6507214" cy="435210"/>
+                </a:xfrm>
+                <a:prstGeom prst="rect">
+                  <a:avLst/>
+                </a:prstGeom>
+                <a:ln w="12700">
+                  <a:miter lim="400000"/>
+                </a:ln>
+                <a:extLst>
+                  <a:ext uri="{C572A759-6A51-4108-AA02-DFA0A04FC94B}">
+                    <ma14:wrappingTextBoxFlag xmlns="" xmlns:m="http://schemas.openxmlformats.org/officeDocument/2006/math" xmlns:a14="http://schemas.microsoft.com/office/drawing/2010/main" xmlns:ma14="http://schemas.microsoft.com/office/mac/drawingml/2011/main" val="1"/>
+                  </a:ext>
+                </a:extLst>
+              </p:spPr>
+              <p:txBody>
+                <a:bodyPr wrap="square" lIns="30480" rIns="30480">
+                  <a:spAutoFit/>
+                </a:bodyPr>
+                <a:lstStyle>
+                  <a:lvl1pPr algn="ctr">
+                    <a:defRPr sz="1300">
+                      <a:solidFill>
+                        <a:srgbClr val="344854"/>
+                      </a:solidFill>
+                      <a:latin typeface="Arial"/>
+                      <a:ea typeface="Arial"/>
+                      <a:cs typeface="Arial"/>
+                      <a:sym typeface="Arial"/>
+                    </a:defRPr>
+                  </a:lvl1pPr>
+                </a:lstStyle>
+                <a:p>
+                  <a:r>
+                    <a:rPr lang="en-GB" sz="1450" dirty="0"/>
+                    <a:t>Figure 4: Results for synthetic data.</a:t>
+                  </a:r>
+                </a:p>
+              </p:txBody>
+            </p:sp>
+          </p:grpSp>
+          <p:sp>
+            <p:nvSpPr>
+              <p:cNvPr id="101" name="TextBox 56">
+                <a:extLst>
+                  <a:ext uri="{FF2B5EF4-FFF2-40B4-BE49-F238E27FC236}">
+                    <a16:creationId xmlns:a16="http://schemas.microsoft.com/office/drawing/2014/main" id="{CC308AE7-1E7E-3BEC-9B1E-385A0E1F2F7C}"/>
+                  </a:ext>
+                </a:extLst>
+              </p:cNvPr>
+              <p:cNvSpPr txBox="1"/>
+              <p:nvPr/>
+            </p:nvSpPr>
+            <p:spPr>
+              <a:xfrm>
+                <a:off x="23110240" y="23686455"/>
+                <a:ext cx="6507216" cy="435210"/>
+              </a:xfrm>
+              <a:prstGeom prst="rect">
+                <a:avLst/>
+              </a:prstGeom>
+              <a:ln w="12700">
+                <a:miter lim="400000"/>
+              </a:ln>
+              <a:extLst>
+                <a:ext uri="{C572A759-6A51-4108-AA02-DFA0A04FC94B}">
+                  <ma14:wrappingTextBoxFlag xmlns="" xmlns:m="http://schemas.openxmlformats.org/officeDocument/2006/math" xmlns:a14="http://schemas.microsoft.com/office/drawing/2010/main" xmlns:ma14="http://schemas.microsoft.com/office/mac/drawingml/2011/main" val="1"/>
+                </a:ext>
+              </a:extLst>
+            </p:spPr>
+            <p:txBody>
+              <a:bodyPr wrap="square" lIns="30480" rIns="30480">
+                <a:spAutoFit/>
+              </a:bodyPr>
+              <a:lstStyle>
+                <a:lvl1pPr algn="ctr">
+                  <a:defRPr sz="1300">
+                    <a:solidFill>
+                      <a:srgbClr val="344854"/>
+                    </a:solidFill>
+                    <a:latin typeface="Arial"/>
+                    <a:ea typeface="Arial"/>
+                    <a:cs typeface="Arial"/>
+                    <a:sym typeface="Arial"/>
+                  </a:defRPr>
+                </a:lvl1pPr>
+              </a:lstStyle>
+              <a:p>
+                <a:r>
+                  <a:rPr lang="en-GB" sz="1450" dirty="0"/>
+                  <a:t>Figure 5: Results for real-world data.</a:t>
+                </a:r>
+              </a:p>
+            </p:txBody>
+          </p:sp>
+        </p:grpSp>
+      </p:grpSp>
+      <p:sp>
+        <p:nvSpPr>
+          <p:cNvPr id="122" name="TextBox 56">
+            <a:extLst>
+              <a:ext uri="{FF2B5EF4-FFF2-40B4-BE49-F238E27FC236}">
+                <a16:creationId xmlns:a16="http://schemas.microsoft.com/office/drawing/2014/main" id="{388D244B-2604-E67C-9ABD-9E0557637305}"/>
+              </a:ext>
+            </a:extLst>
+          </p:cNvPr>
+          <p:cNvSpPr txBox="1"/>
+          <p:nvPr/>
+        </p:nvSpPr>
+        <p:spPr>
+          <a:xfrm>
+            <a:off x="16751926" y="24047589"/>
+            <a:ext cx="4716886" cy="538609"/>
+          </a:xfrm>
+          <a:prstGeom prst="rect">
+            <a:avLst/>
+          </a:prstGeom>
+          <a:ln w="12700">
+            <a:miter lim="400000"/>
+          </a:ln>
+          <a:extLst>
+            <a:ext uri="{C572A759-6A51-4108-AA02-DFA0A04FC94B}">
+              <ma14:wrappingTextBoxFlag xmlns="" xmlns:m="http://schemas.openxmlformats.org/officeDocument/2006/math" xmlns:a14="http://schemas.microsoft.com/office/drawing/2010/main" xmlns:ma14="http://schemas.microsoft.com/office/mac/drawingml/2011/main" val="1"/>
+            </a:ext>
+          </a:extLst>
+        </p:spPr>
+        <p:txBody>
+          <a:bodyPr wrap="square" lIns="30480" rIns="30480">
+            <a:spAutoFit/>
+          </a:bodyPr>
+          <a:lstStyle>
+            <a:lvl1pPr algn="ctr">
+              <a:defRPr sz="1300">
+                <a:solidFill>
+                  <a:srgbClr val="344854"/>
+                </a:solidFill>
+                <a:latin typeface="Arial"/>
+                <a:ea typeface="Arial"/>
+                <a:cs typeface="Arial"/>
+                <a:sym typeface="Arial"/>
+              </a:defRPr>
+            </a:lvl1pPr>
+          </a:lstStyle>
+          <a:p>
+            <a:r>
+              <a:rPr lang="en-GB" sz="1450" dirty="0"/>
+              <a:t>Figure 7: Results for real-world data using mitigation strategies.</a:t>
+            </a:r>
+          </a:p>
+        </p:txBody>
+      </p:sp>
+      <p:grpSp>
+        <p:nvGrpSpPr>
+          <p:cNvPr id="125" name="Group 124">
+            <a:extLst>
+              <a:ext uri="{FF2B5EF4-FFF2-40B4-BE49-F238E27FC236}">
+                <a16:creationId xmlns:a16="http://schemas.microsoft.com/office/drawing/2014/main" id="{F5A01D60-441B-59E1-0A3A-A0E29DB4CD9F}"/>
+              </a:ext>
+            </a:extLst>
+          </p:cNvPr>
+          <p:cNvGrpSpPr/>
+          <p:nvPr/>
+        </p:nvGrpSpPr>
+        <p:grpSpPr>
+          <a:xfrm>
+            <a:off x="11641368" y="25971823"/>
+            <a:ext cx="9931089" cy="2158346"/>
+            <a:chOff x="16059934" y="34525095"/>
+            <a:chExt cx="13700506" cy="2977562"/>
+          </a:xfrm>
+        </p:grpSpPr>
+        <p:sp>
+          <p:nvSpPr>
+            <p:cNvPr id="123" name="TextBox 43">
+              <a:extLst>
+                <a:ext uri="{FF2B5EF4-FFF2-40B4-BE49-F238E27FC236}">
+                  <a16:creationId xmlns:a16="http://schemas.microsoft.com/office/drawing/2014/main" id="{FBCF131E-5B54-E87C-1D5C-71F7D6F044EE}"/>
+                </a:ext>
+              </a:extLst>
+            </p:cNvPr>
+            <p:cNvSpPr txBox="1"/>
+            <p:nvPr/>
+          </p:nvSpPr>
+          <p:spPr>
+            <a:xfrm>
+              <a:off x="16059934" y="34525095"/>
+              <a:ext cx="13700506" cy="743042"/>
+            </a:xfrm>
+            <a:prstGeom prst="rect">
+              <a:avLst/>
+            </a:prstGeom>
+            <a:ln w="12700">
+              <a:miter lim="400000"/>
+            </a:ln>
+            <a:extLst>
+              <a:ext uri="{C572A759-6A51-4108-AA02-DFA0A04FC94B}">
+                <ma14:wrappingTextBoxFlag xmlns="" xmlns:m="http://schemas.openxmlformats.org/officeDocument/2006/math" xmlns:a14="http://schemas.microsoft.com/office/drawing/2010/main" xmlns:ma14="http://schemas.microsoft.com/office/mac/drawingml/2011/main" val="1"/>
+              </a:ext>
+            </a:extLst>
+          </p:spPr>
+          <p:txBody>
+            <a:bodyPr lIns="30480" rIns="30480">
               <a:spAutoFit/>
             </a:bodyPr>
             <a:lstStyle>
@@ -3841,19 +4046,578 @@
             </a:lstStyle>
             <a:p>
               <a:r>
-                <a:rPr lang="en-US" sz="3128" dirty="0"/>
-                <a:t>Principal Findings</a:t>
+                <a:rPr lang="en-US" sz="2900" dirty="0"/>
+                <a:t>LIMITATIONS &amp; FUTURE WORK</a:t>
               </a:r>
-              <a:endParaRPr sz="3128" dirty="0"/>
+              <a:endParaRPr sz="2900" dirty="0"/>
             </a:p>
           </p:txBody>
         </p:sp>
+        <p:sp>
+          <p:nvSpPr>
+            <p:cNvPr id="124" name="TextBox 47">
+              <a:extLst>
+                <a:ext uri="{FF2B5EF4-FFF2-40B4-BE49-F238E27FC236}">
+                  <a16:creationId xmlns:a16="http://schemas.microsoft.com/office/drawing/2014/main" id="{18CC20CD-CC3A-6235-641C-EE927F4DFF31}"/>
+                </a:ext>
+              </a:extLst>
+            </p:cNvPr>
+            <p:cNvSpPr txBox="1"/>
+            <p:nvPr/>
+          </p:nvSpPr>
+          <p:spPr>
+            <a:xfrm>
+              <a:off x="16059935" y="35354292"/>
+              <a:ext cx="13557520" cy="2148365"/>
+            </a:xfrm>
+            <a:prstGeom prst="rect">
+              <a:avLst/>
+            </a:prstGeom>
+            <a:ln w="12700">
+              <a:miter lim="400000"/>
+            </a:ln>
+            <a:extLst>
+              <a:ext uri="{C572A759-6A51-4108-AA02-DFA0A04FC94B}">
+                <ma14:wrappingTextBoxFlag xmlns="" xmlns:m="http://schemas.openxmlformats.org/officeDocument/2006/math" xmlns:a14="http://schemas.microsoft.com/office/drawing/2010/main" xmlns:ma14="http://schemas.microsoft.com/office/mac/drawingml/2011/main" val="1"/>
+              </a:ext>
+            </a:extLst>
+          </p:spPr>
+          <p:txBody>
+            <a:bodyPr lIns="30480" rIns="30480">
+              <a:spAutoFit/>
+            </a:bodyPr>
+            <a:lstStyle>
+              <a:lvl1pPr>
+                <a:lnSpc>
+                  <a:spcPct val="120000"/>
+                </a:lnSpc>
+                <a:defRPr sz="2100">
+                  <a:solidFill>
+                    <a:srgbClr val="344854"/>
+                  </a:solidFill>
+                  <a:latin typeface="Arial"/>
+                  <a:ea typeface="Arial"/>
+                  <a:cs typeface="Arial"/>
+                  <a:sym typeface="Arial"/>
+                </a:defRPr>
+              </a:lvl1pPr>
+            </a:lstStyle>
+            <a:p>
+              <a:pPr marL="331424" indent="-331424">
+                <a:buFont typeface=".Apple Color Emoji UI"/>
+                <a:buChar char="🎯"/>
+              </a:pPr>
+              <a:r>
+                <a:rPr lang="en-US" sz="2030" dirty="0"/>
+                <a:t>Ad-hoc solution to tradeoff between private vs. external costs.</a:t>
+              </a:r>
+            </a:p>
+            <a:p>
+              <a:pPr marL="331424" indent="-331424">
+                <a:buFont typeface=".Apple Color Emoji UI"/>
+                <a:buChar char="🎯"/>
+              </a:pPr>
+              <a:r>
+                <a:rPr lang="en-US" sz="2030" dirty="0"/>
+                <a:t>Experimental design is a vast over-simplification of potential real-world scenarios.</a:t>
+              </a:r>
+            </a:p>
+            <a:p>
+              <a:pPr marL="331424" indent="-331424">
+                <a:buFont typeface=".Apple Color Emoji UI"/>
+                <a:buChar char="🎯"/>
+              </a:pPr>
+              <a:r>
+                <a:rPr lang="en-US" sz="2030" dirty="0"/>
+                <a:t>We have omitted recourse generators that incorporate causal knowledge.</a:t>
+              </a:r>
+            </a:p>
+            <a:p>
+              <a:pPr marL="331424" indent="-331424">
+                <a:buFont typeface=".Apple Color Emoji UI"/>
+                <a:buChar char="🎯"/>
+              </a:pPr>
+              <a:r>
+                <a:rPr lang="en-US" sz="2030" dirty="0"/>
+                <a:t>Analysis limited to differentiable linear and non-linear classifiers, no trees. </a:t>
+              </a:r>
+            </a:p>
+          </p:txBody>
+        </p:sp>
+      </p:grpSp>
+      <p:sp>
+        <p:nvSpPr>
+          <p:cNvPr id="126" name="TextBox 43">
+            <a:extLst>
+              <a:ext uri="{FF2B5EF4-FFF2-40B4-BE49-F238E27FC236}">
+                <a16:creationId xmlns:a16="http://schemas.microsoft.com/office/drawing/2014/main" id="{D6145D95-723D-B5B2-9FF5-777CF32654C9}"/>
+              </a:ext>
+            </a:extLst>
+          </p:cNvPr>
+          <p:cNvSpPr txBox="1"/>
+          <p:nvPr/>
+        </p:nvSpPr>
+        <p:spPr>
+          <a:xfrm>
+            <a:off x="11641368" y="28356285"/>
+            <a:ext cx="9931089" cy="538609"/>
+          </a:xfrm>
+          <a:prstGeom prst="rect">
+            <a:avLst/>
+          </a:prstGeom>
+          <a:ln w="12700">
+            <a:miter lim="400000"/>
+          </a:ln>
+          <a:extLst>
+            <a:ext uri="{C572A759-6A51-4108-AA02-DFA0A04FC94B}">
+              <ma14:wrappingTextBoxFlag xmlns="" xmlns:m="http://schemas.openxmlformats.org/officeDocument/2006/math" xmlns:a14="http://schemas.microsoft.com/office/drawing/2010/main" xmlns:ma14="http://schemas.microsoft.com/office/mac/drawingml/2011/main" val="1"/>
+            </a:ext>
+          </a:extLst>
+        </p:spPr>
+        <p:txBody>
+          <a:bodyPr lIns="30480" rIns="30480">
+            <a:spAutoFit/>
+          </a:bodyPr>
+          <a:lstStyle>
+            <a:lvl1pPr>
+              <a:defRPr sz="3400">
+                <a:latin typeface="Arial"/>
+                <a:ea typeface="Arial"/>
+                <a:cs typeface="Arial"/>
+                <a:sym typeface="Arial"/>
+              </a:defRPr>
+            </a:lvl1pPr>
+          </a:lstStyle>
+          <a:p>
+            <a:r>
+              <a:rPr lang="en-US" sz="2900" dirty="0"/>
+              <a:t>RESOURCES</a:t>
+            </a:r>
+            <a:endParaRPr sz="2900" dirty="0"/>
+          </a:p>
+        </p:txBody>
+      </p:sp>
+      <p:grpSp>
+        <p:nvGrpSpPr>
+          <p:cNvPr id="4" name="Group 3">
+            <a:extLst>
+              <a:ext uri="{FF2B5EF4-FFF2-40B4-BE49-F238E27FC236}">
+                <a16:creationId xmlns:a16="http://schemas.microsoft.com/office/drawing/2014/main" id="{17CF4826-80CE-FB19-3C5A-864B166B3E54}"/>
+              </a:ext>
+            </a:extLst>
+          </p:cNvPr>
+          <p:cNvGrpSpPr/>
+          <p:nvPr/>
+        </p:nvGrpSpPr>
+        <p:grpSpPr>
+          <a:xfrm>
+            <a:off x="13009658" y="28952141"/>
+            <a:ext cx="6697193" cy="1577451"/>
+            <a:chOff x="16979538" y="38732921"/>
+            <a:chExt cx="11747773" cy="2767060"/>
+          </a:xfrm>
+        </p:grpSpPr>
+        <p:pic>
+          <p:nvPicPr>
+            <p:cNvPr id="1036" name="Picture 1035">
+              <a:extLst>
+                <a:ext uri="{FF2B5EF4-FFF2-40B4-BE49-F238E27FC236}">
+                  <a16:creationId xmlns:a16="http://schemas.microsoft.com/office/drawing/2014/main" id="{7FE4D55A-75A1-A3AA-7FBA-EA47E856EA38}"/>
+                </a:ext>
+              </a:extLst>
+            </p:cNvPr>
+            <p:cNvPicPr>
+              <a:picLocks noChangeAspect="1"/>
+            </p:cNvPicPr>
+            <p:nvPr/>
+          </p:nvPicPr>
+          <p:blipFill>
+            <a:blip r:embed="rId14">
+              <a:extLst>
+                <a:ext uri="{28A0092B-C50C-407E-A947-70E740481C1C}">
+                  <a14:useLocalDpi xmlns:a14="http://schemas.microsoft.com/office/drawing/2010/main" val="0"/>
+                </a:ext>
+              </a:extLst>
+            </a:blip>
+            <a:srcRect/>
+            <a:stretch/>
+          </p:blipFill>
+          <p:spPr>
+            <a:xfrm>
+              <a:off x="16979538" y="38776741"/>
+              <a:ext cx="2649649" cy="2723240"/>
+            </a:xfrm>
+            <a:prstGeom prst="rect">
+              <a:avLst/>
+            </a:prstGeom>
+          </p:spPr>
+        </p:pic>
+        <p:pic>
+          <p:nvPicPr>
+            <p:cNvPr id="1037" name="Picture 1036">
+              <a:extLst>
+                <a:ext uri="{FF2B5EF4-FFF2-40B4-BE49-F238E27FC236}">
+                  <a16:creationId xmlns:a16="http://schemas.microsoft.com/office/drawing/2014/main" id="{78C8D8ED-9015-25C6-8819-375BE4CFC76D}"/>
+                </a:ext>
+              </a:extLst>
+            </p:cNvPr>
+            <p:cNvPicPr>
+              <a:picLocks noChangeAspect="1"/>
+            </p:cNvPicPr>
+            <p:nvPr/>
+          </p:nvPicPr>
+          <p:blipFill>
+            <a:blip r:embed="rId15">
+              <a:extLst>
+                <a:ext uri="{28A0092B-C50C-407E-A947-70E740481C1C}">
+                  <a14:useLocalDpi xmlns:a14="http://schemas.microsoft.com/office/drawing/2010/main" val="0"/>
+                </a:ext>
+              </a:extLst>
+            </a:blip>
+            <a:srcRect/>
+            <a:stretch/>
+          </p:blipFill>
+          <p:spPr>
+            <a:xfrm>
+              <a:off x="23044955" y="38732921"/>
+              <a:ext cx="2649649" cy="2723240"/>
+            </a:xfrm>
+            <a:prstGeom prst="rect">
+              <a:avLst/>
+            </a:prstGeom>
+          </p:spPr>
+        </p:pic>
+        <p:pic>
+          <p:nvPicPr>
+            <p:cNvPr id="1041" name="Picture 1040">
+              <a:hlinkClick r:id="rId16"/>
+              <a:extLst>
+                <a:ext uri="{FF2B5EF4-FFF2-40B4-BE49-F238E27FC236}">
+                  <a16:creationId xmlns:a16="http://schemas.microsoft.com/office/drawing/2014/main" id="{445191B8-6752-D16E-34FB-5FEA53A59BBB}"/>
+                </a:ext>
+              </a:extLst>
+            </p:cNvPr>
+            <p:cNvPicPr>
+              <a:picLocks noChangeAspect="1"/>
+            </p:cNvPicPr>
+            <p:nvPr/>
+          </p:nvPicPr>
+          <p:blipFill>
+            <a:blip r:embed="rId17">
+              <a:extLst>
+                <a:ext uri="{28A0092B-C50C-407E-A947-70E740481C1C}">
+                  <a14:useLocalDpi xmlns:a14="http://schemas.microsoft.com/office/drawing/2010/main" val="0"/>
+                </a:ext>
+              </a:extLst>
+            </a:blip>
+            <a:srcRect/>
+            <a:stretch/>
+          </p:blipFill>
+          <p:spPr>
+            <a:xfrm>
+              <a:off x="20012247" y="38776742"/>
+              <a:ext cx="2649648" cy="2723239"/>
+            </a:xfrm>
+            <a:prstGeom prst="rect">
+              <a:avLst/>
+            </a:prstGeom>
+          </p:spPr>
+        </p:pic>
+        <p:pic>
+          <p:nvPicPr>
+            <p:cNvPr id="1042" name="Picture 1041" descr="Qr code&#10;&#10;Description automatically generated">
+              <a:hlinkClick r:id="rId16"/>
+              <a:extLst>
+                <a:ext uri="{FF2B5EF4-FFF2-40B4-BE49-F238E27FC236}">
+                  <a16:creationId xmlns:a16="http://schemas.microsoft.com/office/drawing/2014/main" id="{C33A7FC4-F6FE-46BF-CF5B-C93AC4CB9AF5}"/>
+                </a:ext>
+              </a:extLst>
+            </p:cNvPr>
+            <p:cNvPicPr>
+              <a:picLocks noChangeAspect="1"/>
+            </p:cNvPicPr>
+            <p:nvPr/>
+          </p:nvPicPr>
+          <p:blipFill>
+            <a:blip r:embed="rId18">
+              <a:extLst>
+                <a:ext uri="{28A0092B-C50C-407E-A947-70E740481C1C}">
+                  <a14:useLocalDpi xmlns:a14="http://schemas.microsoft.com/office/drawing/2010/main" val="0"/>
+                </a:ext>
+              </a:extLst>
+            </a:blip>
+            <a:stretch>
+              <a:fillRect/>
+            </a:stretch>
+          </p:blipFill>
+          <p:spPr>
+            <a:xfrm>
+              <a:off x="26077663" y="38740957"/>
+              <a:ext cx="2649648" cy="2723239"/>
+            </a:xfrm>
+            <a:prstGeom prst="rect">
+              <a:avLst/>
+            </a:prstGeom>
+          </p:spPr>
+        </p:pic>
+      </p:grpSp>
+      <p:sp>
+        <p:nvSpPr>
+          <p:cNvPr id="1045" name="TextBox 43">
+            <a:extLst>
+              <a:ext uri="{FF2B5EF4-FFF2-40B4-BE49-F238E27FC236}">
+                <a16:creationId xmlns:a16="http://schemas.microsoft.com/office/drawing/2014/main" id="{A87E2A29-24B1-569F-64E8-D11B237E5205}"/>
+              </a:ext>
+            </a:extLst>
+          </p:cNvPr>
+          <p:cNvSpPr txBox="1"/>
+          <p:nvPr/>
+        </p:nvSpPr>
+        <p:spPr>
+          <a:xfrm>
+            <a:off x="524108" y="25953014"/>
+            <a:ext cx="9931089" cy="538609"/>
+          </a:xfrm>
+          <a:prstGeom prst="rect">
+            <a:avLst/>
+          </a:prstGeom>
+          <a:ln w="12700">
+            <a:miter lim="400000"/>
+          </a:ln>
+          <a:extLst>
+            <a:ext uri="{C572A759-6A51-4108-AA02-DFA0A04FC94B}">
+              <ma14:wrappingTextBoxFlag xmlns="" xmlns:m="http://schemas.openxmlformats.org/officeDocument/2006/math" xmlns:a14="http://schemas.microsoft.com/office/drawing/2010/main" xmlns:ma14="http://schemas.microsoft.com/office/mac/drawingml/2011/main" val="1"/>
+            </a:ext>
+          </a:extLst>
+        </p:spPr>
+        <p:txBody>
+          <a:bodyPr lIns="30480" rIns="30480">
+            <a:spAutoFit/>
+          </a:bodyPr>
+          <a:lstStyle>
+            <a:lvl1pPr>
+              <a:defRPr sz="3400">
+                <a:latin typeface="Arial"/>
+                <a:ea typeface="Arial"/>
+                <a:cs typeface="Arial"/>
+                <a:sym typeface="Arial"/>
+              </a:defRPr>
+            </a:lvl1pPr>
+          </a:lstStyle>
+          <a:p>
+            <a:r>
+              <a:rPr lang="en-US" sz="2900" dirty="0"/>
+              <a:t>TOWARDS COLLECTIVE RECOURSE</a:t>
+            </a:r>
+            <a:endParaRPr sz="2900" dirty="0"/>
+          </a:p>
+        </p:txBody>
+      </p:sp>
+      <p:pic>
+        <p:nvPicPr>
+          <p:cNvPr id="1046" name="Picture 10">
+            <a:extLst>
+              <a:ext uri="{FF2B5EF4-FFF2-40B4-BE49-F238E27FC236}">
+                <a16:creationId xmlns:a16="http://schemas.microsoft.com/office/drawing/2014/main" id="{940D3CA9-BA43-0CCF-9DA2-D5EAB13CC5FF}"/>
+              </a:ext>
+            </a:extLst>
+          </p:cNvPr>
+          <p:cNvPicPr>
+            <a:picLocks noChangeAspect="1" noChangeArrowheads="1"/>
+          </p:cNvPicPr>
+          <p:nvPr/>
+        </p:nvPicPr>
+        <p:blipFill>
+          <a:blip r:embed="rId19">
+            <a:extLst>
+              <a:ext uri="{28A0092B-C50C-407E-A947-70E740481C1C}">
+                <a14:useLocalDpi xmlns:a14="http://schemas.microsoft.com/office/drawing/2010/main" val="0"/>
+              </a:ext>
+            </a:extLst>
+          </a:blip>
+          <a:srcRect/>
+          <a:stretch/>
+        </p:blipFill>
+        <p:spPr bwMode="auto">
+          <a:xfrm>
+            <a:off x="2196844" y="28355941"/>
+            <a:ext cx="6481971" cy="1728526"/>
+          </a:xfrm>
+          <a:prstGeom prst="rect">
+            <a:avLst/>
+          </a:prstGeom>
+          <a:noFill/>
+          <a:extLst>
+            <a:ext uri="{909E8E84-426E-40DD-AFC4-6F175D3DCCD1}">
+              <a14:hiddenFill xmlns:a14="http://schemas.microsoft.com/office/drawing/2010/main">
+                <a:solidFill>
+                  <a:srgbClr val="FFFFFF"/>
+                </a:solidFill>
+              </a14:hiddenFill>
+            </a:ext>
+          </a:extLst>
+        </p:spPr>
+      </p:pic>
+      <p:sp>
+        <p:nvSpPr>
+          <p:cNvPr id="1047" name="TextBox 47">
+            <a:extLst>
+              <a:ext uri="{FF2B5EF4-FFF2-40B4-BE49-F238E27FC236}">
+                <a16:creationId xmlns:a16="http://schemas.microsoft.com/office/drawing/2014/main" id="{9CC7839E-8607-01C0-86B9-C48EEE9C3B65}"/>
+              </a:ext>
+            </a:extLst>
+          </p:cNvPr>
+          <p:cNvSpPr txBox="1"/>
+          <p:nvPr/>
+        </p:nvSpPr>
+        <p:spPr>
+          <a:xfrm>
+            <a:off x="524108" y="26466140"/>
+            <a:ext cx="9827443" cy="432747"/>
+          </a:xfrm>
+          <a:prstGeom prst="rect">
+            <a:avLst/>
+          </a:prstGeom>
+          <a:ln w="12700">
+            <a:miter lim="400000"/>
+          </a:ln>
+          <a:extLst>
+            <a:ext uri="{C572A759-6A51-4108-AA02-DFA0A04FC94B}">
+              <ma14:wrappingTextBoxFlag xmlns="" xmlns:m="http://schemas.openxmlformats.org/officeDocument/2006/math" xmlns:a14="http://schemas.microsoft.com/office/drawing/2010/main" xmlns:ma14="http://schemas.microsoft.com/office/mac/drawingml/2011/main" val="1"/>
+            </a:ext>
+          </a:extLst>
+        </p:spPr>
+        <p:txBody>
+          <a:bodyPr lIns="30480" rIns="30480">
+            <a:spAutoFit/>
+          </a:bodyPr>
+          <a:lstStyle>
+            <a:lvl1pPr>
+              <a:lnSpc>
+                <a:spcPct val="120000"/>
+              </a:lnSpc>
+              <a:defRPr sz="2100">
+                <a:solidFill>
+                  <a:srgbClr val="344854"/>
+                </a:solidFill>
+                <a:latin typeface="Arial"/>
+                <a:ea typeface="Arial"/>
+                <a:cs typeface="Arial"/>
+                <a:sym typeface="Arial"/>
+              </a:defRPr>
+            </a:lvl1pPr>
+          </a:lstStyle>
+          <a:p>
+            <a:r>
+              <a:rPr lang="en-US" sz="2030" dirty="0"/>
+              <a:t>By introducing a second penalty term, we can explicitly penalize external costs:</a:t>
+            </a:r>
+            <a:endParaRPr lang="en-GB" sz="1829" dirty="0"/>
+          </a:p>
+        </p:txBody>
+      </p:sp>
+      <p:sp>
+        <p:nvSpPr>
+          <p:cNvPr id="1048" name="TextBox 56">
+            <a:extLst>
+              <a:ext uri="{FF2B5EF4-FFF2-40B4-BE49-F238E27FC236}">
+                <a16:creationId xmlns:a16="http://schemas.microsoft.com/office/drawing/2014/main" id="{51D43400-A646-15B1-1647-3C5A09631286}"/>
+              </a:ext>
+            </a:extLst>
+          </p:cNvPr>
+          <p:cNvSpPr txBox="1"/>
+          <p:nvPr/>
+        </p:nvSpPr>
+        <p:spPr>
+          <a:xfrm>
+            <a:off x="707530" y="30052231"/>
+            <a:ext cx="8872537" cy="1208023"/>
+          </a:xfrm>
+          <a:prstGeom prst="rect">
+            <a:avLst/>
+          </a:prstGeom>
+          <a:ln w="12700">
+            <a:miter lim="400000"/>
+          </a:ln>
+          <a:extLst>
+            <a:ext uri="{C572A759-6A51-4108-AA02-DFA0A04FC94B}">
+              <ma14:wrappingTextBoxFlag xmlns="" xmlns:m="http://schemas.openxmlformats.org/officeDocument/2006/math" xmlns:a14="http://schemas.microsoft.com/office/drawing/2010/main" xmlns:ma14="http://schemas.microsoft.com/office/mac/drawingml/2011/main" val="1"/>
+            </a:ext>
+          </a:extLst>
+        </p:spPr>
+        <p:txBody>
+          <a:bodyPr wrap="square" lIns="30480" rIns="30480">
+            <a:spAutoFit/>
+          </a:bodyPr>
+          <a:lstStyle>
+            <a:lvl1pPr algn="ctr">
+              <a:defRPr sz="1300">
+                <a:solidFill>
+                  <a:srgbClr val="344854"/>
+                </a:solidFill>
+                <a:latin typeface="Arial"/>
+                <a:ea typeface="Arial"/>
+                <a:cs typeface="Arial"/>
+                <a:sym typeface="Arial"/>
+              </a:defRPr>
+            </a:lvl1pPr>
+          </a:lstStyle>
+          <a:p>
+            <a:r>
+              <a:rPr lang="en-GB" sz="1450" dirty="0"/>
+              <a:t>Figure 3: Mitigation strategies compared to the baseline approach, that is, Wachter (Generic) with </a:t>
+            </a:r>
+            <a:r>
+              <a:rPr lang="el-GR" sz="1450" dirty="0"/>
+              <a:t>γ = 0.5</a:t>
+            </a:r>
+            <a:r>
+              <a:rPr lang="en-US" sz="1450" dirty="0"/>
+              <a:t>; choosing a higher decision threshold pushes the counterfactual a little further into the target domain; this effect is even stronger for </a:t>
+            </a:r>
+            <a:r>
+              <a:rPr lang="en-US" sz="1450" dirty="0" err="1"/>
+              <a:t>ClaPROAR</a:t>
+            </a:r>
+            <a:r>
+              <a:rPr lang="en-US" sz="1450" dirty="0"/>
+              <a:t>; finally, using the Gravitational generator the counterfactual ends up all the way inside the target domain. </a:t>
+            </a:r>
+          </a:p>
+          <a:p>
+            <a:r>
+              <a:rPr lang="el-GR" sz="1450" dirty="0"/>
+              <a:t> </a:t>
+            </a:r>
+          </a:p>
+        </p:txBody>
+      </p:sp>
+      <p:grpSp>
+        <p:nvGrpSpPr>
+          <p:cNvPr id="18" name="Group 17">
+            <a:extLst>
+              <a:ext uri="{FF2B5EF4-FFF2-40B4-BE49-F238E27FC236}">
+                <a16:creationId xmlns:a16="http://schemas.microsoft.com/office/drawing/2014/main" id="{2C3A6CEA-2306-8092-2D46-08D7E1330944}"/>
+              </a:ext>
+            </a:extLst>
+          </p:cNvPr>
+          <p:cNvGrpSpPr/>
+          <p:nvPr/>
+        </p:nvGrpSpPr>
+        <p:grpSpPr>
+          <a:xfrm>
+            <a:off x="526858" y="7744237"/>
+            <a:ext cx="10619669" cy="9341134"/>
+            <a:chOff x="526858" y="8241108"/>
+            <a:chExt cx="10619669" cy="9341134"/>
+          </a:xfrm>
+        </p:grpSpPr>
         <p:grpSp>
           <p:nvGrpSpPr>
-            <p:cNvPr id="105" name="Group 104">
+            <p:cNvPr id="85" name="Group 84">
               <a:extLst>
                 <a:ext uri="{FF2B5EF4-FFF2-40B4-BE49-F238E27FC236}">
-                  <a16:creationId xmlns:a16="http://schemas.microsoft.com/office/drawing/2014/main" id="{627D4553-F4BF-2589-AF1A-6F12E62AC90E}"/>
+                  <a16:creationId xmlns:a16="http://schemas.microsoft.com/office/drawing/2014/main" id="{BC8E1FC8-EDA2-79F7-1263-2423BCF72217}"/>
                 </a:ext>
               </a:extLst>
             </p:cNvPr>
@@ -3862,18 +4626,18 @@
           </p:nvGrpSpPr>
           <p:grpSpPr>
             <a:xfrm>
-              <a:off x="16059936" y="18432273"/>
-              <a:ext cx="13557520" cy="8727189"/>
-              <a:chOff x="16059936" y="18432273"/>
-              <a:chExt cx="13557520" cy="8727189"/>
+              <a:off x="526858" y="8241108"/>
+              <a:ext cx="10619669" cy="5695399"/>
+              <a:chOff x="726831" y="10064552"/>
+              <a:chExt cx="14650442" cy="7857130"/>
             </a:xfrm>
           </p:grpSpPr>
           <p:sp>
             <p:nvSpPr>
-              <p:cNvPr id="98" name="TextBox 47">
+              <p:cNvPr id="71" name="TextBox 43">
                 <a:extLst>
                   <a:ext uri="{FF2B5EF4-FFF2-40B4-BE49-F238E27FC236}">
-                    <a16:creationId xmlns:a16="http://schemas.microsoft.com/office/drawing/2014/main" id="{C35D3344-B9E0-E828-7EE0-6C83C55D8015}"/>
+                    <a16:creationId xmlns:a16="http://schemas.microsoft.com/office/drawing/2014/main" id="{6E4C3A16-ABFD-7ABA-95E9-A39DE3994F34}"/>
                   </a:ext>
                 </a:extLst>
               </p:cNvPr>
@@ -3882,8 +4646,8 @@
             </p:nvSpPr>
             <p:spPr>
               <a:xfrm>
-                <a:off x="23111487" y="24260207"/>
-                <a:ext cx="6146799" cy="2899255"/>
+                <a:off x="1676767" y="11050393"/>
+                <a:ext cx="13700506" cy="608676"/>
               </a:xfrm>
               <a:prstGeom prst="rect">
                 <a:avLst/>
@@ -3898,7 +4662,604 @@
               </a:extLst>
             </p:spPr>
             <p:txBody>
-              <a:bodyPr wrap="square" lIns="42049" rIns="42049">
+              <a:bodyPr lIns="30480" rIns="30480">
+                <a:spAutoFit/>
+              </a:bodyPr>
+              <a:lstStyle>
+                <a:lvl1pPr>
+                  <a:defRPr sz="3400">
+                    <a:latin typeface="Arial"/>
+                    <a:ea typeface="Arial"/>
+                    <a:cs typeface="Arial"/>
+                    <a:sym typeface="Arial"/>
+                  </a:defRPr>
+                </a:lvl1pPr>
+              </a:lstStyle>
+              <a:p>
+                <a:r>
+                  <a:rPr lang="en-US" sz="2267" dirty="0">
+                    <a:solidFill>
+                      <a:srgbClr val="4F6591"/>
+                    </a:solidFill>
+                  </a:rPr>
+                  <a:t>Example 1 (Consumer Credit)</a:t>
+                </a:r>
+                <a:endParaRPr sz="2267" dirty="0">
+                  <a:solidFill>
+                    <a:srgbClr val="4F6591"/>
+                  </a:solidFill>
+                </a:endParaRPr>
+              </a:p>
+            </p:txBody>
+          </p:sp>
+          <p:sp>
+            <p:nvSpPr>
+              <p:cNvPr id="31" name="TextBox 43">
+                <a:extLst>
+                  <a:ext uri="{FF2B5EF4-FFF2-40B4-BE49-F238E27FC236}">
+                    <a16:creationId xmlns:a16="http://schemas.microsoft.com/office/drawing/2014/main" id="{D0BA039F-4F04-26CD-4765-EC1B4F69CA6E}"/>
+                  </a:ext>
+                </a:extLst>
+              </p:cNvPr>
+              <p:cNvSpPr txBox="1"/>
+              <p:nvPr/>
+            </p:nvSpPr>
+            <p:spPr>
+              <a:xfrm>
+                <a:off x="726831" y="10064552"/>
+                <a:ext cx="13700506" cy="743042"/>
+              </a:xfrm>
+              <a:prstGeom prst="rect">
+                <a:avLst/>
+              </a:prstGeom>
+              <a:ln w="12700">
+                <a:miter lim="400000"/>
+              </a:ln>
+              <a:extLst>
+                <a:ext uri="{C572A759-6A51-4108-AA02-DFA0A04FC94B}">
+                  <ma14:wrappingTextBoxFlag xmlns="" xmlns:m="http://schemas.openxmlformats.org/officeDocument/2006/math" xmlns:a14="http://schemas.microsoft.com/office/drawing/2010/main" xmlns:ma14="http://schemas.microsoft.com/office/mac/drawingml/2011/main" val="1"/>
+                </a:ext>
+              </a:extLst>
+            </p:spPr>
+            <p:txBody>
+              <a:bodyPr lIns="30480" rIns="30480">
+                <a:spAutoFit/>
+              </a:bodyPr>
+              <a:lstStyle>
+                <a:lvl1pPr>
+                  <a:defRPr sz="3400">
+                    <a:latin typeface="Arial"/>
+                    <a:ea typeface="Arial"/>
+                    <a:cs typeface="Arial"/>
+                    <a:sym typeface="Arial"/>
+                  </a:defRPr>
+                </a:lvl1pPr>
+              </a:lstStyle>
+              <a:p>
+                <a:r>
+                  <a:rPr lang="en-US" sz="2900" dirty="0"/>
+                  <a:t>MOTIVATION</a:t>
+                </a:r>
+                <a:endParaRPr sz="2900" dirty="0"/>
+              </a:p>
+            </p:txBody>
+          </p:sp>
+          <p:sp>
+            <p:nvSpPr>
+              <p:cNvPr id="75" name="TextBox 43">
+                <a:extLst>
+                  <a:ext uri="{FF2B5EF4-FFF2-40B4-BE49-F238E27FC236}">
+                    <a16:creationId xmlns:a16="http://schemas.microsoft.com/office/drawing/2014/main" id="{9F35110C-6B56-8526-005F-5FA2FC94E8A1}"/>
+                  </a:ext>
+                </a:extLst>
+              </p:cNvPr>
+              <p:cNvSpPr txBox="1"/>
+              <p:nvPr/>
+            </p:nvSpPr>
+            <p:spPr>
+              <a:xfrm>
+                <a:off x="1676767" y="17313006"/>
+                <a:ext cx="13700506" cy="608676"/>
+              </a:xfrm>
+              <a:prstGeom prst="rect">
+                <a:avLst/>
+              </a:prstGeom>
+              <a:ln w="12700">
+                <a:miter lim="400000"/>
+              </a:ln>
+              <a:extLst>
+                <a:ext uri="{C572A759-6A51-4108-AA02-DFA0A04FC94B}">
+                  <ma14:wrappingTextBoxFlag xmlns="" xmlns:m="http://schemas.openxmlformats.org/officeDocument/2006/math" xmlns:a14="http://schemas.microsoft.com/office/drawing/2010/main" xmlns:ma14="http://schemas.microsoft.com/office/mac/drawingml/2011/main" val="1"/>
+                </a:ext>
+              </a:extLst>
+            </p:spPr>
+            <p:txBody>
+              <a:bodyPr lIns="30480" rIns="30480">
+                <a:spAutoFit/>
+              </a:bodyPr>
+              <a:lstStyle>
+                <a:lvl1pPr>
+                  <a:defRPr sz="3400">
+                    <a:latin typeface="Arial"/>
+                    <a:ea typeface="Arial"/>
+                    <a:cs typeface="Arial"/>
+                    <a:sym typeface="Arial"/>
+                  </a:defRPr>
+                </a:lvl1pPr>
+              </a:lstStyle>
+              <a:p>
+                <a:r>
+                  <a:rPr lang="en-US" sz="2267" dirty="0">
+                    <a:solidFill>
+                      <a:srgbClr val="4F6591"/>
+                    </a:solidFill>
+                  </a:rPr>
+                  <a:t>Example 2 (Student Admission)</a:t>
+                </a:r>
+                <a:endParaRPr sz="2267" dirty="0">
+                  <a:solidFill>
+                    <a:srgbClr val="4F6591"/>
+                  </a:solidFill>
+                </a:endParaRPr>
+              </a:p>
+            </p:txBody>
+          </p:sp>
+        </p:grpSp>
+        <p:pic>
+          <p:nvPicPr>
+            <p:cNvPr id="16" name="Picture 15" descr="A picture containing text, blackboard&#10;&#10;Description automatically generated">
+              <a:extLst>
+                <a:ext uri="{FF2B5EF4-FFF2-40B4-BE49-F238E27FC236}">
+                  <a16:creationId xmlns:a16="http://schemas.microsoft.com/office/drawing/2014/main" id="{A31E2D18-1464-BF1D-84CD-1DB5DC72C98A}"/>
+                </a:ext>
+              </a:extLst>
+            </p:cNvPr>
+            <p:cNvPicPr>
+              <a:picLocks noChangeAspect="1"/>
+            </p:cNvPicPr>
+            <p:nvPr/>
+          </p:nvPicPr>
+          <p:blipFill>
+            <a:blip r:embed="rId20">
+              <a:extLst>
+                <a:ext uri="{28A0092B-C50C-407E-A947-70E740481C1C}">
+                  <a14:useLocalDpi xmlns:a14="http://schemas.microsoft.com/office/drawing/2010/main" val="0"/>
+                </a:ext>
+              </a:extLst>
+            </a:blip>
+            <a:stretch>
+              <a:fillRect/>
+            </a:stretch>
+          </p:blipFill>
+          <p:spPr>
+            <a:xfrm>
+              <a:off x="1655472" y="9549645"/>
+              <a:ext cx="7924595" cy="3566068"/>
+            </a:xfrm>
+            <a:prstGeom prst="rect">
+              <a:avLst/>
+            </a:prstGeom>
+          </p:spPr>
+        </p:pic>
+        <p:pic>
+          <p:nvPicPr>
+            <p:cNvPr id="17" name="Picture 16">
+              <a:extLst>
+                <a:ext uri="{FF2B5EF4-FFF2-40B4-BE49-F238E27FC236}">
+                  <a16:creationId xmlns:a16="http://schemas.microsoft.com/office/drawing/2014/main" id="{D02FBB4A-0209-2F4C-FFC7-34CE44CB873A}"/>
+                </a:ext>
+              </a:extLst>
+            </p:cNvPr>
+            <p:cNvPicPr>
+              <a:picLocks noChangeAspect="1"/>
+            </p:cNvPicPr>
+            <p:nvPr/>
+          </p:nvPicPr>
+          <p:blipFill>
+            <a:blip r:embed="rId21">
+              <a:extLst>
+                <a:ext uri="{28A0092B-C50C-407E-A947-70E740481C1C}">
+                  <a14:useLocalDpi xmlns:a14="http://schemas.microsoft.com/office/drawing/2010/main" val="0"/>
+                </a:ext>
+              </a:extLst>
+            </a:blip>
+            <a:srcRect/>
+            <a:stretch/>
+          </p:blipFill>
+          <p:spPr>
+            <a:xfrm>
+              <a:off x="1655472" y="14043397"/>
+              <a:ext cx="7924595" cy="3538845"/>
+            </a:xfrm>
+            <a:prstGeom prst="rect">
+              <a:avLst/>
+            </a:prstGeom>
+          </p:spPr>
+        </p:pic>
+      </p:grpSp>
+      <p:sp>
+        <p:nvSpPr>
+          <p:cNvPr id="11" name="AutoShape 8" descr="equation">
+            <a:extLst>
+              <a:ext uri="{FF2B5EF4-FFF2-40B4-BE49-F238E27FC236}">
+                <a16:creationId xmlns:a16="http://schemas.microsoft.com/office/drawing/2014/main" id="{6FAE91DC-E3CD-8658-0F5A-1F3351A39DD6}"/>
+              </a:ext>
+            </a:extLst>
+          </p:cNvPr>
+          <p:cNvSpPr>
+            <a:spLocks noChangeAspect="1" noChangeArrowheads="1"/>
+          </p:cNvSpPr>
+          <p:nvPr/>
+        </p:nvSpPr>
+        <p:spPr bwMode="auto">
+          <a:xfrm>
+            <a:off x="10861755" y="16348155"/>
+            <a:ext cx="220940" cy="220940"/>
+          </a:xfrm>
+          <a:prstGeom prst="rect">
+            <a:avLst/>
+          </a:prstGeom>
+          <a:noFill/>
+          <a:extLst>
+            <a:ext uri="{909E8E84-426E-40DD-AFC4-6F175D3DCCD1}">
+              <a14:hiddenFill xmlns:a14="http://schemas.microsoft.com/office/drawing/2010/main">
+                <a:solidFill>
+                  <a:srgbClr val="FFFFFF"/>
+                </a:solidFill>
+              </a14:hiddenFill>
+            </a:ext>
+          </a:extLst>
+        </p:spPr>
+        <p:txBody>
+          <a:bodyPr vert="horz" wrap="square" lIns="66282" tIns="33141" rIns="66282" bIns="33141" numCol="1" anchor="t" anchorCtr="0" compatLnSpc="1">
+            <a:prstTxWarp prst="textNoShape">
+              <a:avLst/>
+            </a:prstTxWarp>
+          </a:bodyPr>
+          <a:lstStyle/>
+          <a:p>
+            <a:endParaRPr lang="en-NL" sz="870"/>
+          </a:p>
+        </p:txBody>
+      </p:sp>
+      <p:pic>
+        <p:nvPicPr>
+          <p:cNvPr id="1034" name="Picture 10">
+            <a:extLst>
+              <a:ext uri="{FF2B5EF4-FFF2-40B4-BE49-F238E27FC236}">
+                <a16:creationId xmlns:a16="http://schemas.microsoft.com/office/drawing/2014/main" id="{B7757BCC-9169-ED2E-1FE3-061EBF035BFC}"/>
+              </a:ext>
+            </a:extLst>
+          </p:cNvPr>
+          <p:cNvPicPr>
+            <a:picLocks noChangeAspect="1" noChangeArrowheads="1"/>
+          </p:cNvPicPr>
+          <p:nvPr/>
+        </p:nvPicPr>
+        <p:blipFill>
+          <a:blip r:embed="rId22">
+            <a:extLst>
+              <a:ext uri="{28A0092B-C50C-407E-A947-70E740481C1C}">
+                <a14:useLocalDpi xmlns:a14="http://schemas.microsoft.com/office/drawing/2010/main" val="0"/>
+              </a:ext>
+            </a:extLst>
+          </a:blip>
+          <a:srcRect/>
+          <a:stretch>
+            <a:fillRect/>
+          </a:stretch>
+        </p:blipFill>
+        <p:spPr bwMode="auto">
+          <a:xfrm>
+            <a:off x="2873280" y="27092340"/>
+            <a:ext cx="4636793" cy="884018"/>
+          </a:xfrm>
+          <a:prstGeom prst="rect">
+            <a:avLst/>
+          </a:prstGeom>
+          <a:noFill/>
+          <a:extLst>
+            <a:ext uri="{909E8E84-426E-40DD-AFC4-6F175D3DCCD1}">
+              <a14:hiddenFill xmlns:a14="http://schemas.microsoft.com/office/drawing/2010/main">
+                <a:solidFill>
+                  <a:srgbClr val="FFFFFF"/>
+                </a:solidFill>
+              </a14:hiddenFill>
+            </a:ext>
+          </a:extLst>
+        </p:spPr>
+      </p:pic>
+      <p:sp>
+        <p:nvSpPr>
+          <p:cNvPr id="5" name="TextBox 56">
+            <a:extLst>
+              <a:ext uri="{FF2B5EF4-FFF2-40B4-BE49-F238E27FC236}">
+                <a16:creationId xmlns:a16="http://schemas.microsoft.com/office/drawing/2014/main" id="{F98C9D59-1364-8E2C-EB7B-B34B0E6B42F6}"/>
+              </a:ext>
+            </a:extLst>
+          </p:cNvPr>
+          <p:cNvSpPr txBox="1"/>
+          <p:nvPr/>
+        </p:nvSpPr>
+        <p:spPr>
+          <a:xfrm>
+            <a:off x="13026135" y="30525689"/>
+            <a:ext cx="1494039" cy="538609"/>
+          </a:xfrm>
+          <a:prstGeom prst="rect">
+            <a:avLst/>
+          </a:prstGeom>
+          <a:ln w="12700">
+            <a:miter lim="400000"/>
+          </a:ln>
+          <a:extLst>
+            <a:ext uri="{C572A759-6A51-4108-AA02-DFA0A04FC94B}">
+              <ma14:wrappingTextBoxFlag xmlns="" xmlns:m="http://schemas.openxmlformats.org/officeDocument/2006/math" xmlns:a14="http://schemas.microsoft.com/office/drawing/2010/main" xmlns:ma14="http://schemas.microsoft.com/office/mac/drawingml/2011/main" val="1"/>
+            </a:ext>
+          </a:extLst>
+        </p:spPr>
+        <p:txBody>
+          <a:bodyPr wrap="square" lIns="30480" rIns="30480">
+            <a:spAutoFit/>
+          </a:bodyPr>
+          <a:lstStyle>
+            <a:lvl1pPr algn="ctr">
+              <a:defRPr sz="1300">
+                <a:solidFill>
+                  <a:srgbClr val="344854"/>
+                </a:solidFill>
+                <a:latin typeface="Arial"/>
+                <a:ea typeface="Arial"/>
+                <a:cs typeface="Arial"/>
+                <a:sym typeface="Arial"/>
+              </a:defRPr>
+            </a:lvl1pPr>
+          </a:lstStyle>
+          <a:p>
+            <a:r>
+              <a:rPr lang="en-GB" sz="1450" dirty="0"/>
+              <a:t>Online Companion</a:t>
+            </a:r>
+            <a:endParaRPr lang="el-GR" sz="1450" dirty="0"/>
+          </a:p>
+        </p:txBody>
+      </p:sp>
+      <p:sp>
+        <p:nvSpPr>
+          <p:cNvPr id="7" name="TextBox 56">
+            <a:extLst>
+              <a:ext uri="{FF2B5EF4-FFF2-40B4-BE49-F238E27FC236}">
+                <a16:creationId xmlns:a16="http://schemas.microsoft.com/office/drawing/2014/main" id="{F68463E7-784F-91E8-C4FB-96B1F574B75D}"/>
+              </a:ext>
+            </a:extLst>
+          </p:cNvPr>
+          <p:cNvSpPr txBox="1"/>
+          <p:nvPr/>
+        </p:nvSpPr>
+        <p:spPr>
+          <a:xfrm>
+            <a:off x="14738549" y="30504611"/>
+            <a:ext cx="1494039" cy="538609"/>
+          </a:xfrm>
+          <a:prstGeom prst="rect">
+            <a:avLst/>
+          </a:prstGeom>
+          <a:ln w="12700">
+            <a:miter lim="400000"/>
+          </a:ln>
+          <a:extLst>
+            <a:ext uri="{C572A759-6A51-4108-AA02-DFA0A04FC94B}">
+              <ma14:wrappingTextBoxFlag xmlns="" xmlns:m="http://schemas.openxmlformats.org/officeDocument/2006/math" xmlns:a14="http://schemas.microsoft.com/office/drawing/2010/main" xmlns:ma14="http://schemas.microsoft.com/office/mac/drawingml/2011/main" val="1"/>
+            </a:ext>
+          </a:extLst>
+        </p:spPr>
+        <p:txBody>
+          <a:bodyPr wrap="square" lIns="30480" rIns="30480">
+            <a:spAutoFit/>
+          </a:bodyPr>
+          <a:lstStyle>
+            <a:lvl1pPr algn="ctr">
+              <a:defRPr sz="1300">
+                <a:solidFill>
+                  <a:srgbClr val="344854"/>
+                </a:solidFill>
+                <a:latin typeface="Arial"/>
+                <a:ea typeface="Arial"/>
+                <a:cs typeface="Arial"/>
+                <a:sym typeface="Arial"/>
+              </a:defRPr>
+            </a:lvl1pPr>
+          </a:lstStyle>
+          <a:p>
+            <a:r>
+              <a:rPr lang="en-GB" sz="1450" dirty="0"/>
+              <a:t>GitHub Repository</a:t>
+            </a:r>
+            <a:endParaRPr lang="el-GR" sz="1450" dirty="0"/>
+          </a:p>
+        </p:txBody>
+      </p:sp>
+      <p:sp>
+        <p:nvSpPr>
+          <p:cNvPr id="10" name="TextBox 56">
+            <a:extLst>
+              <a:ext uri="{FF2B5EF4-FFF2-40B4-BE49-F238E27FC236}">
+                <a16:creationId xmlns:a16="http://schemas.microsoft.com/office/drawing/2014/main" id="{430C7573-2ABA-8A1A-F1E1-9C2EE268EBAC}"/>
+              </a:ext>
+            </a:extLst>
+          </p:cNvPr>
+          <p:cNvSpPr txBox="1"/>
+          <p:nvPr/>
+        </p:nvSpPr>
+        <p:spPr>
+          <a:xfrm>
+            <a:off x="16483921" y="30498431"/>
+            <a:ext cx="1494039" cy="315471"/>
+          </a:xfrm>
+          <a:prstGeom prst="rect">
+            <a:avLst/>
+          </a:prstGeom>
+          <a:ln w="12700">
+            <a:miter lim="400000"/>
+          </a:ln>
+          <a:extLst>
+            <a:ext uri="{C572A759-6A51-4108-AA02-DFA0A04FC94B}">
+              <ma14:wrappingTextBoxFlag xmlns="" xmlns:m="http://schemas.openxmlformats.org/officeDocument/2006/math" xmlns:a14="http://schemas.microsoft.com/office/drawing/2010/main" xmlns:ma14="http://schemas.microsoft.com/office/mac/drawingml/2011/main" val="1"/>
+            </a:ext>
+          </a:extLst>
+        </p:spPr>
+        <p:txBody>
+          <a:bodyPr wrap="square" lIns="30480" rIns="30480">
+            <a:spAutoFit/>
+          </a:bodyPr>
+          <a:lstStyle>
+            <a:lvl1pPr algn="ctr">
+              <a:defRPr sz="1300">
+                <a:solidFill>
+                  <a:srgbClr val="344854"/>
+                </a:solidFill>
+                <a:latin typeface="Arial"/>
+                <a:ea typeface="Arial"/>
+                <a:cs typeface="Arial"/>
+                <a:sym typeface="Arial"/>
+              </a:defRPr>
+            </a:lvl1pPr>
+          </a:lstStyle>
+          <a:p>
+            <a:r>
+              <a:rPr lang="en-GB" sz="1450" dirty="0"/>
+              <a:t>Julia Package</a:t>
+            </a:r>
+            <a:endParaRPr lang="el-GR" sz="1450" dirty="0"/>
+          </a:p>
+        </p:txBody>
+      </p:sp>
+      <p:sp>
+        <p:nvSpPr>
+          <p:cNvPr id="13" name="TextBox 56">
+            <a:extLst>
+              <a:ext uri="{FF2B5EF4-FFF2-40B4-BE49-F238E27FC236}">
+                <a16:creationId xmlns:a16="http://schemas.microsoft.com/office/drawing/2014/main" id="{87E2BC9D-D8F8-CC1D-1AC0-A2672F863312}"/>
+              </a:ext>
+            </a:extLst>
+          </p:cNvPr>
+          <p:cNvSpPr txBox="1"/>
+          <p:nvPr/>
+        </p:nvSpPr>
+        <p:spPr>
+          <a:xfrm>
+            <a:off x="18196335" y="30525689"/>
+            <a:ext cx="1494039" cy="538609"/>
+          </a:xfrm>
+          <a:prstGeom prst="rect">
+            <a:avLst/>
+          </a:prstGeom>
+          <a:ln w="12700">
+            <a:miter lim="400000"/>
+          </a:ln>
+          <a:extLst>
+            <a:ext uri="{C572A759-6A51-4108-AA02-DFA0A04FC94B}">
+              <ma14:wrappingTextBoxFlag xmlns="" xmlns:m="http://schemas.openxmlformats.org/officeDocument/2006/math" xmlns:a14="http://schemas.microsoft.com/office/drawing/2010/main" xmlns:ma14="http://schemas.microsoft.com/office/mac/drawingml/2011/main" val="1"/>
+            </a:ext>
+          </a:extLst>
+        </p:spPr>
+        <p:txBody>
+          <a:bodyPr wrap="square" lIns="30480" rIns="30480">
+            <a:spAutoFit/>
+          </a:bodyPr>
+          <a:lstStyle>
+            <a:lvl1pPr algn="ctr">
+              <a:defRPr sz="1300">
+                <a:solidFill>
+                  <a:srgbClr val="344854"/>
+                </a:solidFill>
+                <a:latin typeface="Arial"/>
+                <a:ea typeface="Arial"/>
+                <a:cs typeface="Arial"/>
+                <a:sym typeface="Arial"/>
+              </a:defRPr>
+            </a:lvl1pPr>
+          </a:lstStyle>
+          <a:p>
+            <a:r>
+              <a:rPr lang="en-GB" sz="1450" dirty="0"/>
+              <a:t>Personal Website</a:t>
+            </a:r>
+            <a:endParaRPr lang="el-GR" sz="1450" dirty="0"/>
+          </a:p>
+        </p:txBody>
+      </p:sp>
+      <p:grpSp>
+        <p:nvGrpSpPr>
+          <p:cNvPr id="28" name="Group 27">
+            <a:extLst>
+              <a:ext uri="{FF2B5EF4-FFF2-40B4-BE49-F238E27FC236}">
+                <a16:creationId xmlns:a16="http://schemas.microsoft.com/office/drawing/2014/main" id="{B3D9E4E9-8B23-FDF0-1D48-4729E188CDB8}"/>
+              </a:ext>
+            </a:extLst>
+          </p:cNvPr>
+          <p:cNvGrpSpPr/>
+          <p:nvPr/>
+        </p:nvGrpSpPr>
+        <p:grpSpPr>
+          <a:xfrm>
+            <a:off x="11641368" y="20706675"/>
+            <a:ext cx="9931089" cy="4933425"/>
+            <a:chOff x="11641368" y="20472415"/>
+            <a:chExt cx="9931089" cy="4933425"/>
+          </a:xfrm>
+        </p:grpSpPr>
+        <p:grpSp>
+          <p:nvGrpSpPr>
+            <p:cNvPr id="113" name="Group 112">
+              <a:extLst>
+                <a:ext uri="{FF2B5EF4-FFF2-40B4-BE49-F238E27FC236}">
+                  <a16:creationId xmlns:a16="http://schemas.microsoft.com/office/drawing/2014/main" id="{CD182BB9-032B-8494-43C2-6366A1723D57}"/>
+                </a:ext>
+              </a:extLst>
+            </p:cNvPr>
+            <p:cNvGrpSpPr/>
+            <p:nvPr/>
+          </p:nvGrpSpPr>
+          <p:grpSpPr>
+            <a:xfrm>
+              <a:off x="11641368" y="21090215"/>
+              <a:ext cx="9827443" cy="4315625"/>
+              <a:chOff x="16059934" y="18432273"/>
+              <a:chExt cx="13557521" cy="5953652"/>
+            </a:xfrm>
+          </p:grpSpPr>
+          <p:sp>
+            <p:nvSpPr>
+              <p:cNvPr id="114" name="TextBox 47">
+                <a:extLst>
+                  <a:ext uri="{FF2B5EF4-FFF2-40B4-BE49-F238E27FC236}">
+                    <a16:creationId xmlns:a16="http://schemas.microsoft.com/office/drawing/2014/main" id="{DBFACAD7-88FD-BDD7-DA8D-BB2B931E0848}"/>
+                  </a:ext>
+                </a:extLst>
+              </p:cNvPr>
+              <p:cNvSpPr txBox="1"/>
+              <p:nvPr/>
+            </p:nvSpPr>
+            <p:spPr>
+              <a:xfrm>
+                <a:off x="23111487" y="23002629"/>
+                <a:ext cx="6146798" cy="1383296"/>
+              </a:xfrm>
+              <a:prstGeom prst="rect">
+                <a:avLst/>
+              </a:prstGeom>
+              <a:ln w="12700">
+                <a:miter lim="400000"/>
+              </a:ln>
+              <a:extLst>
+                <a:ext uri="{C572A759-6A51-4108-AA02-DFA0A04FC94B}">
+                  <ma14:wrappingTextBoxFlag xmlns="" xmlns:m="http://schemas.openxmlformats.org/officeDocument/2006/math" xmlns:a14="http://schemas.microsoft.com/office/drawing/2010/main" xmlns:ma14="http://schemas.microsoft.com/office/mac/drawingml/2011/main" val="1"/>
+                </a:ext>
+              </a:extLst>
+            </p:spPr>
+            <p:txBody>
+              <a:bodyPr wrap="square" lIns="30480" rIns="30480">
                 <a:spAutoFit/>
               </a:bodyPr>
               <a:lstStyle>
@@ -3918,479 +5279,21 @@
                 </a:lvl1pPr>
               </a:lstStyle>
               <a:p>
-                <a:pPr marL="457200" indent="-457200">
-                  <a:buFont typeface=".Apple Color Emoji UI"/>
-                  <a:buChar char="✅"/>
+                <a:pPr marL="331424" indent="-331424">
+                  <a:buSzPct val="125000"/>
+                  <a:buBlip>
+                    <a:blip r:embed="rId11"/>
+                  </a:buBlip>
                 </a:pPr>
                 <a:r>
-                  <a:rPr lang="en-US" sz="2800" dirty="0"/>
-                  <a:t>Endogenous Shifts</a:t>
-                </a:r>
-              </a:p>
-              <a:p>
-                <a:pPr marL="457200" indent="-457200">
-                  <a:buFont typeface=".Apple Color Emoji UI"/>
-                  <a:buChar char="✅"/>
-                </a:pPr>
-                <a:r>
-                  <a:rPr lang="en-US" sz="2800" dirty="0"/>
-                  <a:t>Costs</a:t>
-                </a:r>
-              </a:p>
-              <a:p>
-                <a:pPr marL="457200" indent="-457200">
-                  <a:buFont typeface=".Apple Color Emoji UI"/>
-                  <a:buChar char="✅"/>
-                </a:pPr>
-                <a:r>
-                  <a:rPr lang="en-US" sz="2800" dirty="0"/>
-                  <a:t>Heterogeneity</a:t>
-                </a:r>
-              </a:p>
-              <a:p>
-                <a:pPr marL="457200" indent="-457200">
-                  <a:buFont typeface=".Apple Color Emoji UI"/>
-                  <a:buChar char="✅"/>
-                </a:pPr>
-                <a:r>
-                  <a:rPr lang="en-US" sz="2800" dirty="0"/>
-                  <a:t>Drivers</a:t>
-                </a:r>
-              </a:p>
-              <a:p>
-                <a:pPr marL="711200" lvl="4" indent="0"/>
-                <a:r>
-                  <a:rPr lang="en-US" sz="2400" dirty="0">
-                    <a:solidFill>
-                      <a:srgbClr val="344854"/>
-                    </a:solidFill>
-                    <a:latin typeface="Arial"/>
-                    <a:cs typeface="Arial"/>
-                    <a:sym typeface="Arial"/>
-                  </a:rPr>
-                  <a:t>Minimizing private costs vs. complying with data generating process</a:t>
-                </a:r>
-              </a:p>
-            </p:txBody>
-          </p:sp>
-          <p:grpSp>
-            <p:nvGrpSpPr>
-              <p:cNvPr id="102" name="Group 101">
-                <a:extLst>
-                  <a:ext uri="{FF2B5EF4-FFF2-40B4-BE49-F238E27FC236}">
-                    <a16:creationId xmlns:a16="http://schemas.microsoft.com/office/drawing/2014/main" id="{457A29D8-F372-96BC-6750-BF459C736474}"/>
-                  </a:ext>
-                </a:extLst>
-              </p:cNvPr>
-              <p:cNvGrpSpPr/>
-              <p:nvPr/>
-            </p:nvGrpSpPr>
-            <p:grpSpPr>
-              <a:xfrm>
-                <a:off x="16059936" y="18432273"/>
-                <a:ext cx="13557520" cy="8570185"/>
-                <a:chOff x="16059936" y="18432273"/>
-                <a:chExt cx="13557520" cy="8570185"/>
-              </a:xfrm>
-            </p:grpSpPr>
-            <p:grpSp>
-              <p:nvGrpSpPr>
-                <p:cNvPr id="100" name="Group 99">
-                  <a:extLst>
-                    <a:ext uri="{FF2B5EF4-FFF2-40B4-BE49-F238E27FC236}">
-                      <a16:creationId xmlns:a16="http://schemas.microsoft.com/office/drawing/2014/main" id="{8573ABCC-4E77-BF2E-CEAE-193789372535}"/>
-                    </a:ext>
-                  </a:extLst>
-                </p:cNvPr>
-                <p:cNvGrpSpPr/>
-                <p:nvPr/>
-              </p:nvGrpSpPr>
-              <p:grpSpPr>
-                <a:xfrm>
-                  <a:off x="16059936" y="18432273"/>
-                  <a:ext cx="13555454" cy="8570185"/>
-                  <a:chOff x="16059936" y="18432273"/>
-                  <a:chExt cx="13555454" cy="8570185"/>
-                </a:xfrm>
-              </p:grpSpPr>
-              <p:grpSp>
-                <p:nvGrpSpPr>
-                  <p:cNvPr id="96" name="Group 95">
-                    <a:extLst>
-                      <a:ext uri="{FF2B5EF4-FFF2-40B4-BE49-F238E27FC236}">
-                        <a16:creationId xmlns:a16="http://schemas.microsoft.com/office/drawing/2014/main" id="{2B2B199B-50CB-5A2F-1E9C-AF2C657B33C3}"/>
-                      </a:ext>
-                    </a:extLst>
-                  </p:cNvPr>
-                  <p:cNvGrpSpPr/>
-                  <p:nvPr/>
-                </p:nvGrpSpPr>
-                <p:grpSpPr>
-                  <a:xfrm>
-                    <a:off x="16059936" y="18432273"/>
-                    <a:ext cx="13555454" cy="8127967"/>
-                    <a:chOff x="16059936" y="17803022"/>
-                    <a:chExt cx="13555454" cy="8127967"/>
-                  </a:xfrm>
-                </p:grpSpPr>
-                <p:pic>
-                  <p:nvPicPr>
-                    <p:cNvPr id="94" name="Picture 4">
-                      <a:extLst>
-                        <a:ext uri="{FF2B5EF4-FFF2-40B4-BE49-F238E27FC236}">
-                          <a16:creationId xmlns:a16="http://schemas.microsoft.com/office/drawing/2014/main" id="{CD496F0A-E41F-AA7F-2A41-08D0FBAD49BD}"/>
-                        </a:ext>
-                      </a:extLst>
-                    </p:cNvPr>
-                    <p:cNvPicPr>
-                      <a:picLocks noChangeAspect="1" noChangeArrowheads="1"/>
-                    </p:cNvPicPr>
-                    <p:nvPr/>
-                  </p:nvPicPr>
-                  <p:blipFill>
-                    <a:blip r:embed="rId10">
-                      <a:extLst>
-                        <a:ext uri="{28A0092B-C50C-407E-A947-70E740481C1C}">
-                          <a14:useLocalDpi xmlns:a14="http://schemas.microsoft.com/office/drawing/2010/main" val="0"/>
-                        </a:ext>
-                      </a:extLst>
-                    </a:blip>
-                    <a:srcRect/>
-                    <a:stretch/>
-                  </p:blipFill>
-                  <p:spPr bwMode="auto">
-                    <a:xfrm>
-                      <a:off x="16059936" y="17804201"/>
-                      <a:ext cx="6507215" cy="8126788"/>
-                    </a:xfrm>
-                    <a:prstGeom prst="rect">
-                      <a:avLst/>
-                    </a:prstGeom>
-                    <a:noFill/>
-                    <a:extLst>
-                      <a:ext uri="{909E8E84-426E-40DD-AFC4-6F175D3DCCD1}">
-                        <a14:hiddenFill xmlns:a14="http://schemas.microsoft.com/office/drawing/2010/main">
-                          <a:solidFill>
-                            <a:srgbClr val="FFFFFF"/>
-                          </a:solidFill>
-                        </a14:hiddenFill>
-                      </a:ext>
-                    </a:extLst>
-                  </p:spPr>
-                </p:pic>
-                <p:pic>
-                  <p:nvPicPr>
-                    <p:cNvPr id="1032" name="Picture 8">
-                      <a:extLst>
-                        <a:ext uri="{FF2B5EF4-FFF2-40B4-BE49-F238E27FC236}">
-                          <a16:creationId xmlns:a16="http://schemas.microsoft.com/office/drawing/2014/main" id="{EA0C5A03-C00F-C2E5-3EFD-D0798621FFE5}"/>
-                        </a:ext>
-                      </a:extLst>
-                    </p:cNvPr>
-                    <p:cNvPicPr>
-                      <a:picLocks noChangeAspect="1" noChangeArrowheads="1"/>
-                    </p:cNvPicPr>
-                    <p:nvPr/>
-                  </p:nvPicPr>
-                  <p:blipFill>
-                    <a:blip r:embed="rId11">
-                      <a:extLst>
-                        <a:ext uri="{28A0092B-C50C-407E-A947-70E740481C1C}">
-                          <a14:useLocalDpi xmlns:a14="http://schemas.microsoft.com/office/drawing/2010/main" val="0"/>
-                        </a:ext>
-                      </a:extLst>
-                    </a:blip>
-                    <a:srcRect/>
-                    <a:stretch/>
-                  </p:blipFill>
-                  <p:spPr bwMode="auto">
-                    <a:xfrm>
-                      <a:off x="23112307" y="17803022"/>
-                      <a:ext cx="6503083" cy="5205772"/>
-                    </a:xfrm>
-                    <a:prstGeom prst="rect">
-                      <a:avLst/>
-                    </a:prstGeom>
-                    <a:noFill/>
-                    <a:extLst>
-                      <a:ext uri="{909E8E84-426E-40DD-AFC4-6F175D3DCCD1}">
-                        <a14:hiddenFill xmlns:a14="http://schemas.microsoft.com/office/drawing/2010/main">
-                          <a:solidFill>
-                            <a:srgbClr val="FFFFFF"/>
-                          </a:solidFill>
-                        </a14:hiddenFill>
-                      </a:ext>
-                    </a:extLst>
-                  </p:spPr>
-                </p:pic>
-              </p:grpSp>
-              <p:sp>
-                <p:nvSpPr>
-                  <p:cNvPr id="99" name="TextBox 56">
-                    <a:extLst>
-                      <a:ext uri="{FF2B5EF4-FFF2-40B4-BE49-F238E27FC236}">
-                        <a16:creationId xmlns:a16="http://schemas.microsoft.com/office/drawing/2014/main" id="{4CB3F959-C61C-6089-EAD8-186F0B9F506A}"/>
-                      </a:ext>
-                    </a:extLst>
-                  </p:cNvPr>
-                  <p:cNvSpPr txBox="1"/>
-                  <p:nvPr/>
-                </p:nvSpPr>
-                <p:spPr>
-                  <a:xfrm>
-                    <a:off x="16059936" y="26602348"/>
-                    <a:ext cx="6507215" cy="400110"/>
-                  </a:xfrm>
-                  <a:prstGeom prst="rect">
-                    <a:avLst/>
-                  </a:prstGeom>
-                  <a:ln w="12700">
-                    <a:miter lim="400000"/>
-                  </a:ln>
-                  <a:extLst>
-                    <a:ext uri="{C572A759-6A51-4108-AA02-DFA0A04FC94B}">
-                      <ma14:wrappingTextBoxFlag xmlns="" xmlns:m="http://schemas.openxmlformats.org/officeDocument/2006/math" xmlns:a14="http://schemas.microsoft.com/office/drawing/2010/main" xmlns:ma14="http://schemas.microsoft.com/office/mac/drawingml/2011/main" val="1"/>
-                    </a:ext>
-                  </a:extLst>
-                </p:spPr>
-                <p:txBody>
-                  <a:bodyPr wrap="square" lIns="42049" rIns="42049">
-                    <a:spAutoFit/>
-                  </a:bodyPr>
-                  <a:lstStyle>
-                    <a:lvl1pPr algn="ctr">
-                      <a:defRPr sz="1300">
-                        <a:solidFill>
-                          <a:srgbClr val="344854"/>
-                        </a:solidFill>
-                        <a:latin typeface="Arial"/>
-                        <a:ea typeface="Arial"/>
-                        <a:cs typeface="Arial"/>
-                        <a:sym typeface="Arial"/>
-                      </a:defRPr>
-                    </a:lvl1pPr>
-                  </a:lstStyle>
-                  <a:p>
-                    <a:r>
-                      <a:rPr lang="en-GB" sz="2000" dirty="0"/>
-                      <a:t>Figure 4: Results for synthetic data.</a:t>
-                    </a:r>
-                  </a:p>
-                </p:txBody>
-              </p:sp>
-            </p:grpSp>
-            <p:sp>
-              <p:nvSpPr>
-                <p:cNvPr id="101" name="TextBox 56">
-                  <a:extLst>
-                    <a:ext uri="{FF2B5EF4-FFF2-40B4-BE49-F238E27FC236}">
-                      <a16:creationId xmlns:a16="http://schemas.microsoft.com/office/drawing/2014/main" id="{CC308AE7-1E7E-3BEC-9B1E-385A0E1F2F7C}"/>
-                    </a:ext>
-                  </a:extLst>
-                </p:cNvPr>
-                <p:cNvSpPr txBox="1"/>
-                <p:nvPr/>
-              </p:nvSpPr>
-              <p:spPr>
-                <a:xfrm>
-                  <a:off x="23110241" y="23686455"/>
-                  <a:ext cx="6507215" cy="400110"/>
-                </a:xfrm>
-                <a:prstGeom prst="rect">
-                  <a:avLst/>
-                </a:prstGeom>
-                <a:ln w="12700">
-                  <a:miter lim="400000"/>
-                </a:ln>
-                <a:extLst>
-                  <a:ext uri="{C572A759-6A51-4108-AA02-DFA0A04FC94B}">
-                    <ma14:wrappingTextBoxFlag xmlns="" xmlns:m="http://schemas.openxmlformats.org/officeDocument/2006/math" xmlns:a14="http://schemas.microsoft.com/office/drawing/2010/main" xmlns:ma14="http://schemas.microsoft.com/office/mac/drawingml/2011/main" val="1"/>
-                  </a:ext>
-                </a:extLst>
-              </p:spPr>
-              <p:txBody>
-                <a:bodyPr wrap="square" lIns="42049" rIns="42049">
-                  <a:spAutoFit/>
-                </a:bodyPr>
-                <a:lstStyle>
-                  <a:lvl1pPr algn="ctr">
-                    <a:defRPr sz="1300">
-                      <a:solidFill>
-                        <a:srgbClr val="344854"/>
-                      </a:solidFill>
-                      <a:latin typeface="Arial"/>
-                      <a:ea typeface="Arial"/>
-                      <a:cs typeface="Arial"/>
-                      <a:sym typeface="Arial"/>
-                    </a:defRPr>
-                  </a:lvl1pPr>
-                </a:lstStyle>
-                <a:p>
-                  <a:r>
-                    <a:rPr lang="en-GB" sz="2000" dirty="0"/>
-                    <a:t>Figure 5: Results for real-world data.</a:t>
-                  </a:r>
-                </a:p>
-              </p:txBody>
-            </p:sp>
-          </p:grpSp>
-        </p:grpSp>
-      </p:grpSp>
-      <p:grpSp>
-        <p:nvGrpSpPr>
-          <p:cNvPr id="107" name="Group 106">
-            <a:extLst>
-              <a:ext uri="{FF2B5EF4-FFF2-40B4-BE49-F238E27FC236}">
-                <a16:creationId xmlns:a16="http://schemas.microsoft.com/office/drawing/2014/main" id="{771D7585-BF71-5D89-7270-82E4F6F9D7F1}"/>
-              </a:ext>
-            </a:extLst>
-          </p:cNvPr>
-          <p:cNvGrpSpPr/>
-          <p:nvPr/>
-        </p:nvGrpSpPr>
-        <p:grpSpPr>
-          <a:xfrm>
-            <a:off x="16059934" y="27409130"/>
-            <a:ext cx="13700509" cy="6695142"/>
-            <a:chOff x="16059934" y="17655549"/>
-            <a:chExt cx="13700509" cy="6695142"/>
-          </a:xfrm>
-        </p:grpSpPr>
-        <p:sp>
-          <p:nvSpPr>
-            <p:cNvPr id="112" name="TextBox 43">
-              <a:extLst>
-                <a:ext uri="{FF2B5EF4-FFF2-40B4-BE49-F238E27FC236}">
-                  <a16:creationId xmlns:a16="http://schemas.microsoft.com/office/drawing/2014/main" id="{D28DC6E0-B96D-8DA6-17F5-062FA3FDDBD7}"/>
-                </a:ext>
-              </a:extLst>
-            </p:cNvPr>
-            <p:cNvSpPr txBox="1"/>
-            <p:nvPr/>
-          </p:nvSpPr>
-          <p:spPr>
-            <a:xfrm>
-              <a:off x="16059937" y="17655549"/>
-              <a:ext cx="13700506" cy="573685"/>
-            </a:xfrm>
-            <a:prstGeom prst="rect">
-              <a:avLst/>
-            </a:prstGeom>
-            <a:ln w="12700">
-              <a:miter lim="400000"/>
-            </a:ln>
-            <a:extLst>
-              <a:ext uri="{C572A759-6A51-4108-AA02-DFA0A04FC94B}">
-                <ma14:wrappingTextBoxFlag xmlns="" xmlns:m="http://schemas.openxmlformats.org/officeDocument/2006/math" xmlns:a14="http://schemas.microsoft.com/office/drawing/2010/main" xmlns:ma14="http://schemas.microsoft.com/office/mac/drawingml/2011/main" val="1"/>
-              </a:ext>
-            </a:extLst>
-          </p:spPr>
-          <p:txBody>
-            <a:bodyPr lIns="42049" rIns="42049">
-              <a:spAutoFit/>
-            </a:bodyPr>
-            <a:lstStyle>
-              <a:lvl1pPr>
-                <a:defRPr sz="3400">
-                  <a:latin typeface="Arial"/>
-                  <a:ea typeface="Arial"/>
-                  <a:cs typeface="Arial"/>
-                  <a:sym typeface="Arial"/>
-                </a:defRPr>
-              </a:lvl1pPr>
-            </a:lstStyle>
-            <a:p>
-              <a:r>
-                <a:rPr lang="en-US" sz="3128" dirty="0"/>
-                <a:t>Secondary Findings</a:t>
-              </a:r>
-              <a:endParaRPr sz="3128" dirty="0"/>
-            </a:p>
-          </p:txBody>
-        </p:sp>
-        <p:grpSp>
-          <p:nvGrpSpPr>
-            <p:cNvPr id="113" name="Group 112">
-              <a:extLst>
-                <a:ext uri="{FF2B5EF4-FFF2-40B4-BE49-F238E27FC236}">
-                  <a16:creationId xmlns:a16="http://schemas.microsoft.com/office/drawing/2014/main" id="{CD182BB9-032B-8494-43C2-6366A1723D57}"/>
-                </a:ext>
-              </a:extLst>
-            </p:cNvPr>
-            <p:cNvGrpSpPr/>
-            <p:nvPr/>
-          </p:nvGrpSpPr>
-          <p:grpSpPr>
-            <a:xfrm>
-              <a:off x="16059934" y="18432273"/>
-              <a:ext cx="13557521" cy="5918418"/>
-              <a:chOff x="16059934" y="18432273"/>
-              <a:chExt cx="13557521" cy="5918418"/>
-            </a:xfrm>
-          </p:grpSpPr>
-          <p:sp>
-            <p:nvSpPr>
-              <p:cNvPr id="114" name="TextBox 47">
-                <a:extLst>
-                  <a:ext uri="{FF2B5EF4-FFF2-40B4-BE49-F238E27FC236}">
-                    <a16:creationId xmlns:a16="http://schemas.microsoft.com/office/drawing/2014/main" id="{DBFACAD7-88FD-BDD7-DA8D-BB2B931E0848}"/>
-                  </a:ext>
-                </a:extLst>
-              </p:cNvPr>
-              <p:cNvSpPr txBox="1"/>
-              <p:nvPr/>
-            </p:nvSpPr>
-            <p:spPr>
-              <a:xfrm>
-                <a:off x="23111487" y="23002630"/>
-                <a:ext cx="6146799" cy="1348061"/>
-              </a:xfrm>
-              <a:prstGeom prst="rect">
-                <a:avLst/>
-              </a:prstGeom>
-              <a:ln w="12700">
-                <a:miter lim="400000"/>
-              </a:ln>
-              <a:extLst>
-                <a:ext uri="{C572A759-6A51-4108-AA02-DFA0A04FC94B}">
-                  <ma14:wrappingTextBoxFlag xmlns="" xmlns:m="http://schemas.openxmlformats.org/officeDocument/2006/math" xmlns:a14="http://schemas.microsoft.com/office/drawing/2010/main" xmlns:ma14="http://schemas.microsoft.com/office/mac/drawingml/2011/main" val="1"/>
-                </a:ext>
-              </a:extLst>
-            </p:spPr>
-            <p:txBody>
-              <a:bodyPr wrap="square" lIns="42049" rIns="42049">
-                <a:spAutoFit/>
-              </a:bodyPr>
-              <a:lstStyle>
-                <a:lvl1pPr>
-                  <a:lnSpc>
-                    <a:spcPct val="120000"/>
-                  </a:lnSpc>
-                  <a:defRPr sz="2100">
-                    <a:solidFill>
-                      <a:srgbClr val="344854"/>
-                    </a:solidFill>
-                    <a:latin typeface="Arial"/>
-                    <a:ea typeface="Arial"/>
-                    <a:cs typeface="Arial"/>
-                    <a:sym typeface="Arial"/>
-                  </a:defRPr>
-                </a:lvl1pPr>
-              </a:lstStyle>
-              <a:p>
-                <a:pPr marL="457200" indent="-457200">
-                  <a:buFont typeface=".Apple Color Emoji UI"/>
-                  <a:buChar char="✅"/>
-                </a:pPr>
-                <a:r>
-                  <a:rPr lang="en-US" sz="2800" dirty="0"/>
+                  <a:rPr lang="en-US" sz="2030" dirty="0"/>
                   <a:t>Mitigation Strategies</a:t>
                 </a:r>
               </a:p>
               <a:p>
-                <a:pPr marL="711200" lvl="4" indent="0"/>
+                <a:pPr marL="515549" lvl="4" indent="0"/>
                 <a:r>
-                  <a:rPr lang="en-US" sz="2400" dirty="0">
+                  <a:rPr lang="en-US" sz="1740" dirty="0">
                     <a:solidFill>
                       <a:srgbClr val="344854"/>
                     </a:solidFill>
@@ -4400,7 +5303,7 @@
                   </a:rPr>
                   <a:t>Can effectively mitigate shifts by penalizing external costs</a:t>
                 </a:r>
-                <a:endParaRPr lang="en-GB" sz="2400" dirty="0">
+                <a:endParaRPr lang="en-GB" sz="1740" dirty="0">
                   <a:solidFill>
                     <a:srgbClr val="344854"/>
                   </a:solidFill>
@@ -4426,9 +5329,9 @@
             <p:grpSpPr>
               <a:xfrm>
                 <a:off x="16059934" y="18432273"/>
-                <a:ext cx="13557521" cy="5913658"/>
+                <a:ext cx="13557521" cy="5948813"/>
                 <a:chOff x="16059934" y="18432273"/>
-                <a:chExt cx="13557521" cy="5913658"/>
+                <a:chExt cx="13557521" cy="5948813"/>
               </a:xfrm>
             </p:grpSpPr>
             <p:grpSp>
@@ -4466,7 +5369,7 @@
                   <p:nvPr/>
                 </p:nvPicPr>
                 <p:blipFill>
-                  <a:blip r:embed="rId12">
+                  <a:blip r:embed="rId23">
                     <a:extLst>
                       <a:ext uri="{28A0092B-C50C-407E-A947-70E740481C1C}">
                         <a14:useLocalDpi xmlns:a14="http://schemas.microsoft.com/office/drawing/2010/main" val="0"/>
@@ -4511,7 +5414,7 @@
                   <p:nvPr/>
                 </p:nvPicPr>
                 <p:blipFill>
-                  <a:blip r:embed="rId13">
+                  <a:blip r:embed="rId24">
                     <a:extLst>
                       <a:ext uri="{28A0092B-C50C-407E-A947-70E740481C1C}">
                         <a14:useLocalDpi xmlns:a14="http://schemas.microsoft.com/office/drawing/2010/main" val="0"/>
@@ -4556,8 +5459,8 @@
               </p:nvSpPr>
               <p:spPr>
                 <a:xfrm>
-                  <a:off x="16059934" y="23638045"/>
-                  <a:ext cx="6507215" cy="707886"/>
+                  <a:off x="16059934" y="23638044"/>
+                  <a:ext cx="6507215" cy="743042"/>
                 </a:xfrm>
                 <a:prstGeom prst="rect">
                   <a:avLst/>
@@ -4572,7 +5475,7 @@
                 </a:extLst>
               </p:spPr>
               <p:txBody>
-                <a:bodyPr wrap="square" lIns="42049" rIns="42049">
+                <a:bodyPr wrap="square" lIns="30480" rIns="30480">
                   <a:spAutoFit/>
                 </a:bodyPr>
                 <a:lstStyle>
@@ -4590,7 +5493,7 @@
                 </a:lstStyle>
                 <a:p>
                   <a:r>
-                    <a:rPr lang="en-GB" sz="2000" dirty="0"/>
+                    <a:rPr lang="en-GB" sz="1450" dirty="0"/>
                     <a:t>Figure 6: Results for synthetic data using mitigation strategies.</a:t>
                   </a:r>
                 </a:p>
@@ -4598,13 +5501,65 @@
             </p:sp>
           </p:grpSp>
         </p:grpSp>
+        <p:sp>
+          <p:nvSpPr>
+            <p:cNvPr id="21" name="TextBox 43">
+              <a:extLst>
+                <a:ext uri="{FF2B5EF4-FFF2-40B4-BE49-F238E27FC236}">
+                  <a16:creationId xmlns:a16="http://schemas.microsoft.com/office/drawing/2014/main" id="{1144C930-848A-3E51-2B1E-AF3ADCE1FEAF}"/>
+                </a:ext>
+              </a:extLst>
+            </p:cNvPr>
+            <p:cNvSpPr txBox="1"/>
+            <p:nvPr/>
+          </p:nvSpPr>
+          <p:spPr>
+            <a:xfrm>
+              <a:off x="11641368" y="20472415"/>
+              <a:ext cx="9931089" cy="538609"/>
+            </a:xfrm>
+            <a:prstGeom prst="rect">
+              <a:avLst/>
+            </a:prstGeom>
+            <a:ln w="12700">
+              <a:miter lim="400000"/>
+            </a:ln>
+            <a:extLst>
+              <a:ext uri="{C572A759-6A51-4108-AA02-DFA0A04FC94B}">
+                <ma14:wrappingTextBoxFlag xmlns="" xmlns:m="http://schemas.openxmlformats.org/officeDocument/2006/math" xmlns:a14="http://schemas.microsoft.com/office/drawing/2010/main" xmlns:ma14="http://schemas.microsoft.com/office/mac/drawingml/2011/main" val="1"/>
+              </a:ext>
+            </a:extLst>
+          </p:spPr>
+          <p:txBody>
+            <a:bodyPr lIns="30480" rIns="30480">
+              <a:spAutoFit/>
+            </a:bodyPr>
+            <a:lstStyle>
+              <a:lvl1pPr>
+                <a:defRPr sz="3400">
+                  <a:latin typeface="Arial"/>
+                  <a:ea typeface="Arial"/>
+                  <a:cs typeface="Arial"/>
+                  <a:sym typeface="Arial"/>
+                </a:defRPr>
+              </a:lvl1pPr>
+            </a:lstStyle>
+            <a:p>
+              <a:r>
+                <a:rPr lang="en-US" sz="2900" dirty="0"/>
+                <a:t>SECONDARY FINDINGS</a:t>
+              </a:r>
+              <a:endParaRPr sz="2900" dirty="0"/>
+            </a:p>
+          </p:txBody>
+        </p:sp>
       </p:grpSp>
       <p:sp>
         <p:nvSpPr>
-          <p:cNvPr id="122" name="TextBox 56">
+          <p:cNvPr id="22" name="TextBox 43">
             <a:extLst>
               <a:ext uri="{FF2B5EF4-FFF2-40B4-BE49-F238E27FC236}">
-                <a16:creationId xmlns:a16="http://schemas.microsoft.com/office/drawing/2014/main" id="{388D244B-2604-E67C-9ABD-9E0557637305}"/>
+                <a16:creationId xmlns:a16="http://schemas.microsoft.com/office/drawing/2014/main" id="{FC82159D-55B0-86CB-B9D9-918FE9CB3009}"/>
               </a:ext>
             </a:extLst>
           </p:cNvPr>
@@ -4613,8 +5568,8 @@
         </p:nvSpPr>
         <p:spPr>
           <a:xfrm>
-            <a:off x="23110241" y="31870498"/>
-            <a:ext cx="6507215" cy="707886"/>
+            <a:off x="11641368" y="13271446"/>
+            <a:ext cx="9931089" cy="538609"/>
           </a:xfrm>
           <a:prstGeom prst="rect">
             <a:avLst/>
@@ -4629,441 +5584,7 @@
           </a:extLst>
         </p:spPr>
         <p:txBody>
-          <a:bodyPr wrap="square" lIns="42049" rIns="42049">
-            <a:spAutoFit/>
-          </a:bodyPr>
-          <a:lstStyle>
-            <a:lvl1pPr algn="ctr">
-              <a:defRPr sz="1300">
-                <a:solidFill>
-                  <a:srgbClr val="344854"/>
-                </a:solidFill>
-                <a:latin typeface="Arial"/>
-                <a:ea typeface="Arial"/>
-                <a:cs typeface="Arial"/>
-                <a:sym typeface="Arial"/>
-              </a:defRPr>
-            </a:lvl1pPr>
-          </a:lstStyle>
-          <a:p>
-            <a:r>
-              <a:rPr lang="en-GB" sz="2000" dirty="0"/>
-              <a:t>Figure 7: Results for real-world data using mitigation strategies.</a:t>
-            </a:r>
-          </a:p>
-        </p:txBody>
-      </p:sp>
-      <p:grpSp>
-        <p:nvGrpSpPr>
-          <p:cNvPr id="125" name="Group 124">
-            <a:extLst>
-              <a:ext uri="{FF2B5EF4-FFF2-40B4-BE49-F238E27FC236}">
-                <a16:creationId xmlns:a16="http://schemas.microsoft.com/office/drawing/2014/main" id="{F5A01D60-441B-59E1-0A3A-A0E29DB4CD9F}"/>
-              </a:ext>
-            </a:extLst>
-          </p:cNvPr>
-          <p:cNvGrpSpPr/>
-          <p:nvPr/>
-        </p:nvGrpSpPr>
-        <p:grpSpPr>
-          <a:xfrm>
-            <a:off x="16059934" y="34525095"/>
-            <a:ext cx="13700506" cy="2942210"/>
-            <a:chOff x="16059934" y="34525095"/>
-            <a:chExt cx="13700506" cy="2942210"/>
-          </a:xfrm>
-        </p:grpSpPr>
-        <p:sp>
-          <p:nvSpPr>
-            <p:cNvPr id="123" name="TextBox 43">
-              <a:extLst>
-                <a:ext uri="{FF2B5EF4-FFF2-40B4-BE49-F238E27FC236}">
-                  <a16:creationId xmlns:a16="http://schemas.microsoft.com/office/drawing/2014/main" id="{FBCF131E-5B54-E87C-1D5C-71F7D6F044EE}"/>
-                </a:ext>
-              </a:extLst>
-            </p:cNvPr>
-            <p:cNvSpPr txBox="1"/>
-            <p:nvPr/>
-          </p:nvSpPr>
-          <p:spPr>
-            <a:xfrm>
-              <a:off x="16059934" y="34525095"/>
-              <a:ext cx="13700506" cy="707886"/>
-            </a:xfrm>
-            <a:prstGeom prst="rect">
-              <a:avLst/>
-            </a:prstGeom>
-            <a:ln w="12700">
-              <a:miter lim="400000"/>
-            </a:ln>
-            <a:extLst>
-              <a:ext uri="{C572A759-6A51-4108-AA02-DFA0A04FC94B}">
-                <ma14:wrappingTextBoxFlag xmlns="" xmlns:m="http://schemas.openxmlformats.org/officeDocument/2006/math" xmlns:a14="http://schemas.microsoft.com/office/drawing/2010/main" xmlns:ma14="http://schemas.microsoft.com/office/mac/drawingml/2011/main" val="1"/>
-              </a:ext>
-            </a:extLst>
-          </p:spPr>
-          <p:txBody>
-            <a:bodyPr lIns="42049" rIns="42049">
-              <a:spAutoFit/>
-            </a:bodyPr>
-            <a:lstStyle>
-              <a:lvl1pPr>
-                <a:defRPr sz="3400">
-                  <a:latin typeface="Arial"/>
-                  <a:ea typeface="Arial"/>
-                  <a:cs typeface="Arial"/>
-                  <a:sym typeface="Arial"/>
-                </a:defRPr>
-              </a:lvl1pPr>
-            </a:lstStyle>
-            <a:p>
-              <a:r>
-                <a:rPr lang="en-US" sz="4000" dirty="0"/>
-                <a:t>LIMITATIONS &amp; FUTURE WORK</a:t>
-              </a:r>
-              <a:endParaRPr sz="4000" dirty="0"/>
-            </a:p>
-          </p:txBody>
-        </p:sp>
-        <p:sp>
-          <p:nvSpPr>
-            <p:cNvPr id="124" name="TextBox 47">
-              <a:extLst>
-                <a:ext uri="{FF2B5EF4-FFF2-40B4-BE49-F238E27FC236}">
-                  <a16:creationId xmlns:a16="http://schemas.microsoft.com/office/drawing/2014/main" id="{18CC20CD-CC3A-6235-641C-EE927F4DFF31}"/>
-                </a:ext>
-              </a:extLst>
-            </p:cNvPr>
-            <p:cNvSpPr txBox="1"/>
-            <p:nvPr/>
-          </p:nvSpPr>
-          <p:spPr>
-            <a:xfrm>
-              <a:off x="16059936" y="35354291"/>
-              <a:ext cx="13557520" cy="2113014"/>
-            </a:xfrm>
-            <a:prstGeom prst="rect">
-              <a:avLst/>
-            </a:prstGeom>
-            <a:ln w="12700">
-              <a:miter lim="400000"/>
-            </a:ln>
-            <a:extLst>
-              <a:ext uri="{C572A759-6A51-4108-AA02-DFA0A04FC94B}">
-                <ma14:wrappingTextBoxFlag xmlns="" xmlns:m="http://schemas.openxmlformats.org/officeDocument/2006/math" xmlns:a14="http://schemas.microsoft.com/office/drawing/2010/main" xmlns:ma14="http://schemas.microsoft.com/office/mac/drawingml/2011/main" val="1"/>
-              </a:ext>
-            </a:extLst>
-          </p:spPr>
-          <p:txBody>
-            <a:bodyPr lIns="42049" rIns="42049">
-              <a:spAutoFit/>
-            </a:bodyPr>
-            <a:lstStyle>
-              <a:lvl1pPr>
-                <a:lnSpc>
-                  <a:spcPct val="120000"/>
-                </a:lnSpc>
-                <a:defRPr sz="2100">
-                  <a:solidFill>
-                    <a:srgbClr val="344854"/>
-                  </a:solidFill>
-                  <a:latin typeface="Arial"/>
-                  <a:ea typeface="Arial"/>
-                  <a:cs typeface="Arial"/>
-                  <a:sym typeface="Arial"/>
-                </a:defRPr>
-              </a:lvl1pPr>
-            </a:lstStyle>
-            <a:p>
-              <a:pPr marL="457200" indent="-457200">
-                <a:buFont typeface=".Apple Color Emoji UI"/>
-                <a:buChar char="🎯"/>
-              </a:pPr>
-              <a:r>
-                <a:rPr lang="en-US" sz="2800" dirty="0"/>
-                <a:t>Ad-hoc solution to tradeoff between private vs. external costs.</a:t>
-              </a:r>
-            </a:p>
-            <a:p>
-              <a:pPr marL="457200" indent="-457200">
-                <a:buFont typeface=".Apple Color Emoji UI"/>
-                <a:buChar char="🎯"/>
-              </a:pPr>
-              <a:r>
-                <a:rPr lang="en-US" sz="2800" dirty="0"/>
-                <a:t>Experimental design is vast over-simplification of potential real-world scenarios.</a:t>
-              </a:r>
-            </a:p>
-            <a:p>
-              <a:pPr marL="457200" indent="-457200">
-                <a:buFont typeface=".Apple Color Emoji UI"/>
-                <a:buChar char="🎯"/>
-              </a:pPr>
-              <a:r>
-                <a:rPr lang="en-US" sz="2800" dirty="0"/>
-                <a:t>We have omitted recourse generators that incorporate causal knowledge.</a:t>
-              </a:r>
-            </a:p>
-            <a:p>
-              <a:pPr marL="457200" indent="-457200">
-                <a:buFont typeface=".Apple Color Emoji UI"/>
-                <a:buChar char="🎯"/>
-              </a:pPr>
-              <a:r>
-                <a:rPr lang="en-US" sz="2800" dirty="0"/>
-                <a:t>Analysis limited to differentiable linear and non-linear classifiers, no trees. </a:t>
-              </a:r>
-            </a:p>
-          </p:txBody>
-        </p:sp>
-      </p:grpSp>
-      <p:grpSp>
-        <p:nvGrpSpPr>
-          <p:cNvPr id="1043" name="Group 1042">
-            <a:extLst>
-              <a:ext uri="{FF2B5EF4-FFF2-40B4-BE49-F238E27FC236}">
-                <a16:creationId xmlns:a16="http://schemas.microsoft.com/office/drawing/2014/main" id="{976671C3-79AC-8187-BD9E-3AA892C883EF}"/>
-              </a:ext>
-            </a:extLst>
-          </p:cNvPr>
-          <p:cNvGrpSpPr/>
-          <p:nvPr/>
-        </p:nvGrpSpPr>
-        <p:grpSpPr>
-          <a:xfrm>
-            <a:off x="16059934" y="37814591"/>
-            <a:ext cx="13700506" cy="3585799"/>
-            <a:chOff x="16059934" y="37814591"/>
-            <a:chExt cx="13700506" cy="3585799"/>
-          </a:xfrm>
-        </p:grpSpPr>
-        <p:sp>
-          <p:nvSpPr>
-            <p:cNvPr id="126" name="TextBox 43">
-              <a:extLst>
-                <a:ext uri="{FF2B5EF4-FFF2-40B4-BE49-F238E27FC236}">
-                  <a16:creationId xmlns:a16="http://schemas.microsoft.com/office/drawing/2014/main" id="{D6145D95-723D-B5B2-9FF5-777CF32654C9}"/>
-                </a:ext>
-              </a:extLst>
-            </p:cNvPr>
-            <p:cNvSpPr txBox="1"/>
-            <p:nvPr/>
-          </p:nvSpPr>
-          <p:spPr>
-            <a:xfrm>
-              <a:off x="16059934" y="37814591"/>
-              <a:ext cx="13700506" cy="707886"/>
-            </a:xfrm>
-            <a:prstGeom prst="rect">
-              <a:avLst/>
-            </a:prstGeom>
-            <a:ln w="12700">
-              <a:miter lim="400000"/>
-            </a:ln>
-            <a:extLst>
-              <a:ext uri="{C572A759-6A51-4108-AA02-DFA0A04FC94B}">
-                <ma14:wrappingTextBoxFlag xmlns="" xmlns:m="http://schemas.openxmlformats.org/officeDocument/2006/math" xmlns:a14="http://schemas.microsoft.com/office/drawing/2010/main" xmlns:ma14="http://schemas.microsoft.com/office/mac/drawingml/2011/main" val="1"/>
-              </a:ext>
-            </a:extLst>
-          </p:spPr>
-          <p:txBody>
-            <a:bodyPr lIns="42049" rIns="42049">
-              <a:spAutoFit/>
-            </a:bodyPr>
-            <a:lstStyle>
-              <a:lvl1pPr>
-                <a:defRPr sz="3400">
-                  <a:latin typeface="Arial"/>
-                  <a:ea typeface="Arial"/>
-                  <a:cs typeface="Arial"/>
-                  <a:sym typeface="Arial"/>
-                </a:defRPr>
-              </a:lvl1pPr>
-            </a:lstStyle>
-            <a:p>
-              <a:r>
-                <a:rPr lang="en-US" sz="4000" dirty="0"/>
-                <a:t>RESOURCES</a:t>
-              </a:r>
-              <a:endParaRPr sz="4000" dirty="0"/>
-            </a:p>
-          </p:txBody>
-        </p:sp>
-        <p:pic>
-          <p:nvPicPr>
-            <p:cNvPr id="1036" name="Picture 1035">
-              <a:extLst>
-                <a:ext uri="{FF2B5EF4-FFF2-40B4-BE49-F238E27FC236}">
-                  <a16:creationId xmlns:a16="http://schemas.microsoft.com/office/drawing/2014/main" id="{7FE4D55A-75A1-A3AA-7FBA-EA47E856EA38}"/>
-                </a:ext>
-              </a:extLst>
-            </p:cNvPr>
-            <p:cNvPicPr>
-              <a:picLocks noChangeAspect="1"/>
-            </p:cNvPicPr>
-            <p:nvPr/>
-          </p:nvPicPr>
-          <p:blipFill>
-            <a:blip r:embed="rId14">
-              <a:extLst>
-                <a:ext uri="{28A0092B-C50C-407E-A947-70E740481C1C}">
-                  <a14:useLocalDpi xmlns:a14="http://schemas.microsoft.com/office/drawing/2010/main" val="0"/>
-                </a:ext>
-              </a:extLst>
-            </a:blip>
-            <a:srcRect/>
-            <a:stretch/>
-          </p:blipFill>
-          <p:spPr>
-            <a:xfrm>
-              <a:off x="16979538" y="38750741"/>
-              <a:ext cx="2649649" cy="2649649"/>
-            </a:xfrm>
-            <a:prstGeom prst="rect">
-              <a:avLst/>
-            </a:prstGeom>
-          </p:spPr>
-        </p:pic>
-        <p:pic>
-          <p:nvPicPr>
-            <p:cNvPr id="1037" name="Picture 1036">
-              <a:extLst>
-                <a:ext uri="{FF2B5EF4-FFF2-40B4-BE49-F238E27FC236}">
-                  <a16:creationId xmlns:a16="http://schemas.microsoft.com/office/drawing/2014/main" id="{78C8D8ED-9015-25C6-8819-375BE4CFC76D}"/>
-                </a:ext>
-              </a:extLst>
-            </p:cNvPr>
-            <p:cNvPicPr>
-              <a:picLocks noChangeAspect="1"/>
-            </p:cNvPicPr>
-            <p:nvPr/>
-          </p:nvPicPr>
-          <p:blipFill>
-            <a:blip r:embed="rId15">
-              <a:extLst>
-                <a:ext uri="{28A0092B-C50C-407E-A947-70E740481C1C}">
-                  <a14:useLocalDpi xmlns:a14="http://schemas.microsoft.com/office/drawing/2010/main" val="0"/>
-                </a:ext>
-              </a:extLst>
-            </a:blip>
-            <a:srcRect/>
-            <a:stretch/>
-          </p:blipFill>
-          <p:spPr>
-            <a:xfrm>
-              <a:off x="23044955" y="38708105"/>
-              <a:ext cx="2649649" cy="2649649"/>
-            </a:xfrm>
-            <a:prstGeom prst="rect">
-              <a:avLst/>
-            </a:prstGeom>
-          </p:spPr>
-        </p:pic>
-        <p:pic>
-          <p:nvPicPr>
-            <p:cNvPr id="1041" name="Picture 1040">
-              <a:hlinkClick r:id="rId16"/>
-              <a:extLst>
-                <a:ext uri="{FF2B5EF4-FFF2-40B4-BE49-F238E27FC236}">
-                  <a16:creationId xmlns:a16="http://schemas.microsoft.com/office/drawing/2014/main" id="{445191B8-6752-D16E-34FB-5FEA53A59BBB}"/>
-                </a:ext>
-              </a:extLst>
-            </p:cNvPr>
-            <p:cNvPicPr>
-              <a:picLocks noChangeAspect="1"/>
-            </p:cNvPicPr>
-            <p:nvPr/>
-          </p:nvPicPr>
-          <p:blipFill>
-            <a:blip r:embed="rId17">
-              <a:extLst>
-                <a:ext uri="{28A0092B-C50C-407E-A947-70E740481C1C}">
-                  <a14:useLocalDpi xmlns:a14="http://schemas.microsoft.com/office/drawing/2010/main" val="0"/>
-                </a:ext>
-              </a:extLst>
-            </a:blip>
-            <a:srcRect/>
-            <a:stretch/>
-          </p:blipFill>
-          <p:spPr>
-            <a:xfrm>
-              <a:off x="20012247" y="38750742"/>
-              <a:ext cx="2649648" cy="2649648"/>
-            </a:xfrm>
-            <a:prstGeom prst="rect">
-              <a:avLst/>
-            </a:prstGeom>
-          </p:spPr>
-        </p:pic>
-        <p:pic>
-          <p:nvPicPr>
-            <p:cNvPr id="1042" name="Picture 1041" descr="Qr code&#10;&#10;Description automatically generated">
-              <a:hlinkClick r:id="rId16"/>
-              <a:extLst>
-                <a:ext uri="{FF2B5EF4-FFF2-40B4-BE49-F238E27FC236}">
-                  <a16:creationId xmlns:a16="http://schemas.microsoft.com/office/drawing/2014/main" id="{C33A7FC4-F6FE-46BF-CF5B-C93AC4CB9AF5}"/>
-                </a:ext>
-              </a:extLst>
-            </p:cNvPr>
-            <p:cNvPicPr>
-              <a:picLocks noChangeAspect="1"/>
-            </p:cNvPicPr>
-            <p:nvPr/>
-          </p:nvPicPr>
-          <p:blipFill>
-            <a:blip r:embed="rId18">
-              <a:extLst>
-                <a:ext uri="{28A0092B-C50C-407E-A947-70E740481C1C}">
-                  <a14:useLocalDpi xmlns:a14="http://schemas.microsoft.com/office/drawing/2010/main" val="0"/>
-                </a:ext>
-              </a:extLst>
-            </a:blip>
-            <a:stretch>
-              <a:fillRect/>
-            </a:stretch>
-          </p:blipFill>
-          <p:spPr>
-            <a:xfrm>
-              <a:off x="26077663" y="38715924"/>
-              <a:ext cx="2649648" cy="2649648"/>
-            </a:xfrm>
-            <a:prstGeom prst="rect">
-              <a:avLst/>
-            </a:prstGeom>
-          </p:spPr>
-        </p:pic>
-      </p:grpSp>
-      <p:sp>
-        <p:nvSpPr>
-          <p:cNvPr id="1045" name="TextBox 43">
-            <a:extLst>
-              <a:ext uri="{FF2B5EF4-FFF2-40B4-BE49-F238E27FC236}">
-                <a16:creationId xmlns:a16="http://schemas.microsoft.com/office/drawing/2014/main" id="{A87E2A29-24B1-569F-64E8-D11B237E5205}"/>
-              </a:ext>
-            </a:extLst>
-          </p:cNvPr>
-          <p:cNvSpPr txBox="1"/>
-          <p:nvPr/>
-        </p:nvSpPr>
-        <p:spPr>
-          <a:xfrm>
-            <a:off x="723037" y="34499141"/>
-            <a:ext cx="13700506" cy="707886"/>
-          </a:xfrm>
-          <a:prstGeom prst="rect">
-            <a:avLst/>
-          </a:prstGeom>
-          <a:ln w="12700">
-            <a:miter lim="400000"/>
-          </a:ln>
-          <a:extLst>
-            <a:ext uri="{C572A759-6A51-4108-AA02-DFA0A04FC94B}">
-              <ma14:wrappingTextBoxFlag xmlns="" xmlns:m="http://schemas.openxmlformats.org/officeDocument/2006/math" xmlns:a14="http://schemas.microsoft.com/office/drawing/2010/main" xmlns:ma14="http://schemas.microsoft.com/office/mac/drawingml/2011/main" val="1"/>
-            </a:ext>
-          </a:extLst>
-        </p:spPr>
-        <p:txBody>
-          <a:bodyPr lIns="42049" rIns="42049">
+          <a:bodyPr lIns="30480" rIns="30480">
             <a:spAutoFit/>
           </a:bodyPr>
           <a:lstStyle>
@@ -5078,355 +5599,13 @@
           </a:lstStyle>
           <a:p>
             <a:r>
-              <a:rPr lang="en-US" sz="4000" dirty="0"/>
-              <a:t>TOWARDS COLLECTIVE RECOURSE</a:t>
+              <a:rPr lang="en-US" sz="2900" dirty="0"/>
+              <a:t>PRINCIPAL FINDINGS</a:t>
             </a:r>
-            <a:endParaRPr sz="4000" dirty="0"/>
+            <a:endParaRPr sz="2900" dirty="0"/>
           </a:p>
         </p:txBody>
       </p:sp>
-      <p:pic>
-        <p:nvPicPr>
-          <p:cNvPr id="1046" name="Picture 10">
-            <a:extLst>
-              <a:ext uri="{FF2B5EF4-FFF2-40B4-BE49-F238E27FC236}">
-                <a16:creationId xmlns:a16="http://schemas.microsoft.com/office/drawing/2014/main" id="{940D3CA9-BA43-0CCF-9DA2-D5EAB13CC5FF}"/>
-              </a:ext>
-            </a:extLst>
-          </p:cNvPr>
-          <p:cNvPicPr>
-            <a:picLocks noChangeAspect="1" noChangeArrowheads="1"/>
-          </p:cNvPicPr>
-          <p:nvPr/>
-        </p:nvPicPr>
-        <p:blipFill>
-          <a:blip r:embed="rId19">
-            <a:extLst>
-              <a:ext uri="{28A0092B-C50C-407E-A947-70E740481C1C}">
-                <a14:useLocalDpi xmlns:a14="http://schemas.microsoft.com/office/drawing/2010/main" val="0"/>
-              </a:ext>
-            </a:extLst>
-          </a:blip>
-          <a:srcRect/>
-          <a:stretch/>
-        </p:blipFill>
-        <p:spPr bwMode="auto">
-          <a:xfrm>
-            <a:off x="3030671" y="37814117"/>
-            <a:ext cx="8942251" cy="2384600"/>
-          </a:xfrm>
-          <a:prstGeom prst="rect">
-            <a:avLst/>
-          </a:prstGeom>
-          <a:noFill/>
-          <a:extLst>
-            <a:ext uri="{909E8E84-426E-40DD-AFC4-6F175D3DCCD1}">
-              <a14:hiddenFill xmlns:a14="http://schemas.microsoft.com/office/drawing/2010/main">
-                <a:solidFill>
-                  <a:srgbClr val="FFFFFF"/>
-                </a:solidFill>
-              </a14:hiddenFill>
-            </a:ext>
-          </a:extLst>
-        </p:spPr>
-      </p:pic>
-      <p:sp>
-        <p:nvSpPr>
-          <p:cNvPr id="1047" name="TextBox 47">
-            <a:extLst>
-              <a:ext uri="{FF2B5EF4-FFF2-40B4-BE49-F238E27FC236}">
-                <a16:creationId xmlns:a16="http://schemas.microsoft.com/office/drawing/2014/main" id="{9CC7839E-8607-01C0-86B9-C48EEE9C3B65}"/>
-              </a:ext>
-            </a:extLst>
-          </p:cNvPr>
-          <p:cNvSpPr txBox="1"/>
-          <p:nvPr/>
-        </p:nvSpPr>
-        <p:spPr>
-          <a:xfrm>
-            <a:off x="723037" y="35207027"/>
-            <a:ext cx="13557520" cy="561820"/>
-          </a:xfrm>
-          <a:prstGeom prst="rect">
-            <a:avLst/>
-          </a:prstGeom>
-          <a:ln w="12700">
-            <a:miter lim="400000"/>
-          </a:ln>
-          <a:extLst>
-            <a:ext uri="{C572A759-6A51-4108-AA02-DFA0A04FC94B}">
-              <ma14:wrappingTextBoxFlag xmlns="" xmlns:m="http://schemas.openxmlformats.org/officeDocument/2006/math" xmlns:a14="http://schemas.microsoft.com/office/drawing/2010/main" xmlns:ma14="http://schemas.microsoft.com/office/mac/drawingml/2011/main" val="1"/>
-            </a:ext>
-          </a:extLst>
-        </p:spPr>
-        <p:txBody>
-          <a:bodyPr lIns="42049" rIns="42049">
-            <a:spAutoFit/>
-          </a:bodyPr>
-          <a:lstStyle>
-            <a:lvl1pPr>
-              <a:lnSpc>
-                <a:spcPct val="120000"/>
-              </a:lnSpc>
-              <a:defRPr sz="2100">
-                <a:solidFill>
-                  <a:srgbClr val="344854"/>
-                </a:solidFill>
-                <a:latin typeface="Arial"/>
-                <a:ea typeface="Arial"/>
-                <a:cs typeface="Arial"/>
-                <a:sym typeface="Arial"/>
-              </a:defRPr>
-            </a:lvl1pPr>
-          </a:lstStyle>
-          <a:p>
-            <a:r>
-              <a:rPr lang="en-US" sz="2800" dirty="0"/>
-              <a:t>By introducing a second penalty term, we can explicitly penalize external costs:</a:t>
-            </a:r>
-            <a:endParaRPr lang="en-GB" sz="2523" dirty="0"/>
-          </a:p>
-        </p:txBody>
-      </p:sp>
-      <p:sp>
-        <p:nvSpPr>
-          <p:cNvPr id="1048" name="TextBox 56">
-            <a:extLst>
-              <a:ext uri="{FF2B5EF4-FFF2-40B4-BE49-F238E27FC236}">
-                <a16:creationId xmlns:a16="http://schemas.microsoft.com/office/drawing/2014/main" id="{51D43400-A646-15B1-1647-3C5A09631286}"/>
-              </a:ext>
-            </a:extLst>
-          </p:cNvPr>
-          <p:cNvSpPr txBox="1"/>
-          <p:nvPr/>
-        </p:nvSpPr>
-        <p:spPr>
-          <a:xfrm>
-            <a:off x="976078" y="40154245"/>
-            <a:ext cx="12240173" cy="1631216"/>
-          </a:xfrm>
-          <a:prstGeom prst="rect">
-            <a:avLst/>
-          </a:prstGeom>
-          <a:ln w="12700">
-            <a:miter lim="400000"/>
-          </a:ln>
-          <a:extLst>
-            <a:ext uri="{C572A759-6A51-4108-AA02-DFA0A04FC94B}">
-              <ma14:wrappingTextBoxFlag xmlns="" xmlns:m="http://schemas.openxmlformats.org/officeDocument/2006/math" xmlns:a14="http://schemas.microsoft.com/office/drawing/2010/main" xmlns:ma14="http://schemas.microsoft.com/office/mac/drawingml/2011/main" val="1"/>
-            </a:ext>
-          </a:extLst>
-        </p:spPr>
-        <p:txBody>
-          <a:bodyPr wrap="square" lIns="42049" rIns="42049">
-            <a:spAutoFit/>
-          </a:bodyPr>
-          <a:lstStyle>
-            <a:lvl1pPr algn="ctr">
-              <a:defRPr sz="1300">
-                <a:solidFill>
-                  <a:srgbClr val="344854"/>
-                </a:solidFill>
-                <a:latin typeface="Arial"/>
-                <a:ea typeface="Arial"/>
-                <a:cs typeface="Arial"/>
-                <a:sym typeface="Arial"/>
-              </a:defRPr>
-            </a:lvl1pPr>
-          </a:lstStyle>
-          <a:p>
-            <a:r>
-              <a:rPr lang="en-GB" sz="2000" dirty="0"/>
-              <a:t>Figure 3: Mitigation strategies compared to the baseline approach, that is, Wachter (Generic) with </a:t>
-            </a:r>
-            <a:r>
-              <a:rPr lang="el-GR" sz="2000" dirty="0"/>
-              <a:t>γ = 0.5</a:t>
-            </a:r>
-            <a:r>
-              <a:rPr lang="en-US" sz="2000" dirty="0"/>
-              <a:t>; choosing a higher decision threshold pushes the counterfactual a little further into the target domain; this effect is even stronger for </a:t>
-            </a:r>
-            <a:r>
-              <a:rPr lang="en-US" sz="2000" dirty="0" err="1"/>
-              <a:t>ClaPROAR</a:t>
-            </a:r>
-            <a:r>
-              <a:rPr lang="en-US" sz="2000" dirty="0"/>
-              <a:t>; finally, using the Gravitational generator the counterfactual ends up all the way inside the target domain </a:t>
-            </a:r>
-          </a:p>
-          <a:p>
-            <a:r>
-              <a:rPr lang="el-GR" sz="2000" dirty="0"/>
-              <a:t> </a:t>
-            </a:r>
-          </a:p>
-        </p:txBody>
-      </p:sp>
-      <p:pic>
-        <p:nvPicPr>
-          <p:cNvPr id="16" name="Picture 15" descr="A picture containing text, blackboard&#10;&#10;Description automatically generated">
-            <a:extLst>
-              <a:ext uri="{FF2B5EF4-FFF2-40B4-BE49-F238E27FC236}">
-                <a16:creationId xmlns:a16="http://schemas.microsoft.com/office/drawing/2014/main" id="{A31E2D18-1464-BF1D-84CD-1DB5DC72C98A}"/>
-              </a:ext>
-            </a:extLst>
-          </p:cNvPr>
-          <p:cNvPicPr>
-            <a:picLocks noChangeAspect="1"/>
-          </p:cNvPicPr>
-          <p:nvPr/>
-        </p:nvPicPr>
-        <p:blipFill>
-          <a:blip r:embed="rId20">
-            <a:extLst>
-              <a:ext uri="{28A0092B-C50C-407E-A947-70E740481C1C}">
-                <a14:useLocalDpi xmlns:a14="http://schemas.microsoft.com/office/drawing/2010/main" val="0"/>
-              </a:ext>
-            </a:extLst>
-          </a:blip>
-          <a:stretch>
-            <a:fillRect/>
-          </a:stretch>
-        </p:blipFill>
-        <p:spPr>
-          <a:xfrm>
-            <a:off x="2283818" y="11869753"/>
-            <a:ext cx="10932433" cy="4919595"/>
-          </a:xfrm>
-          <a:prstGeom prst="rect">
-            <a:avLst/>
-          </a:prstGeom>
-        </p:spPr>
-      </p:pic>
-      <p:pic>
-        <p:nvPicPr>
-          <p:cNvPr id="17" name="Picture 16">
-            <a:extLst>
-              <a:ext uri="{FF2B5EF4-FFF2-40B4-BE49-F238E27FC236}">
-                <a16:creationId xmlns:a16="http://schemas.microsoft.com/office/drawing/2014/main" id="{D02FBB4A-0209-2F4C-FFC7-34CE44CB873A}"/>
-              </a:ext>
-            </a:extLst>
-          </p:cNvPr>
-          <p:cNvPicPr>
-            <a:picLocks noChangeAspect="1"/>
-          </p:cNvPicPr>
-          <p:nvPr/>
-        </p:nvPicPr>
-        <p:blipFill>
-          <a:blip r:embed="rId21">
-            <a:extLst>
-              <a:ext uri="{28A0092B-C50C-407E-A947-70E740481C1C}">
-                <a14:useLocalDpi xmlns:a14="http://schemas.microsoft.com/office/drawing/2010/main" val="0"/>
-              </a:ext>
-            </a:extLst>
-          </a:blip>
-          <a:srcRect/>
-          <a:stretch/>
-        </p:blipFill>
-        <p:spPr>
-          <a:xfrm>
-            <a:off x="2283818" y="18069142"/>
-            <a:ext cx="10932433" cy="4882040"/>
-          </a:xfrm>
-          <a:prstGeom prst="rect">
-            <a:avLst/>
-          </a:prstGeom>
-        </p:spPr>
-      </p:pic>
-      <p:sp>
-        <p:nvSpPr>
-          <p:cNvPr id="11" name="AutoShape 8" descr="equation">
-            <a:extLst>
-              <a:ext uri="{FF2B5EF4-FFF2-40B4-BE49-F238E27FC236}">
-                <a16:creationId xmlns:a16="http://schemas.microsoft.com/office/drawing/2014/main" id="{6FAE91DC-E3CD-8658-0F5A-1F3351A39DD6}"/>
-              </a:ext>
-            </a:extLst>
-          </p:cNvPr>
-          <p:cNvSpPr>
-            <a:spLocks noChangeAspect="1" noChangeArrowheads="1"/>
-          </p:cNvSpPr>
-          <p:nvPr/>
-        </p:nvSpPr>
-        <p:spPr bwMode="auto">
-          <a:xfrm>
-            <a:off x="14984413" y="21248688"/>
-            <a:ext cx="304800" cy="304800"/>
-          </a:xfrm>
-          <a:prstGeom prst="rect">
-            <a:avLst/>
-          </a:prstGeom>
-          <a:noFill/>
-          <a:extLst>
-            <a:ext uri="{909E8E84-426E-40DD-AFC4-6F175D3DCCD1}">
-              <a14:hiddenFill xmlns:a14="http://schemas.microsoft.com/office/drawing/2010/main">
-                <a:solidFill>
-                  <a:srgbClr val="FFFFFF"/>
-                </a:solidFill>
-              </a14:hiddenFill>
-            </a:ext>
-          </a:extLst>
-        </p:spPr>
-        <p:txBody>
-          <a:bodyPr vert="horz" wrap="square" lIns="91440" tIns="45720" rIns="91440" bIns="45720" numCol="1" anchor="t" anchorCtr="0" compatLnSpc="1">
-            <a:prstTxWarp prst="textNoShape">
-              <a:avLst/>
-            </a:prstTxWarp>
-          </a:bodyPr>
-          <a:lstStyle/>
-          <a:p>
-            <a:endParaRPr lang="en-NL"/>
-          </a:p>
-        </p:txBody>
-      </p:sp>
-      <p:pic>
-        <p:nvPicPr>
-          <p:cNvPr id="1034" name="Picture 10">
-            <a:extLst>
-              <a:ext uri="{FF2B5EF4-FFF2-40B4-BE49-F238E27FC236}">
-                <a16:creationId xmlns:a16="http://schemas.microsoft.com/office/drawing/2014/main" id="{B7757BCC-9169-ED2E-1FE3-061EBF035BFC}"/>
-              </a:ext>
-            </a:extLst>
-          </p:cNvPr>
-          <p:cNvPicPr>
-            <a:picLocks noChangeAspect="1" noChangeArrowheads="1"/>
-          </p:cNvPicPr>
-          <p:nvPr/>
-        </p:nvPicPr>
-        <p:blipFill>
-          <a:blip r:embed="rId22">
-            <a:extLst>
-              <a:ext uri="{28A0092B-C50C-407E-A947-70E740481C1C}">
-                <a14:useLocalDpi xmlns:a14="http://schemas.microsoft.com/office/drawing/2010/main" val="0"/>
-              </a:ext>
-            </a:extLst>
-          </a:blip>
-          <a:srcRect/>
-          <a:stretch>
-            <a:fillRect/>
-          </a:stretch>
-        </p:blipFill>
-        <p:spPr bwMode="auto">
-          <a:xfrm>
-            <a:off x="3963854" y="36070906"/>
-            <a:ext cx="6396721" cy="1219553"/>
-          </a:xfrm>
-          <a:prstGeom prst="rect">
-            <a:avLst/>
-          </a:prstGeom>
-          <a:noFill/>
-          <a:extLst>
-            <a:ext uri="{909E8E84-426E-40DD-AFC4-6F175D3DCCD1}">
-              <a14:hiddenFill xmlns:a14="http://schemas.microsoft.com/office/drawing/2010/main">
-                <a:solidFill>
-                  <a:srgbClr val="FFFFFF"/>
-                </a:solidFill>
-              </a14:hiddenFill>
-            </a:ext>
-          </a:extLst>
-        </p:spPr>
-      </p:pic>
     </p:spTree>
   </p:cSld>
   <p:clrMapOvr>
